--- a/Final_Presentation.pptx
+++ b/Final_Presentation.pptx
@@ -8,6 +8,15 @@
     <p:sldId id="256" r:id="rId2"/>
     <p:sldId id="257" r:id="rId3"/>
     <p:sldId id="258" r:id="rId4"/>
+    <p:sldId id="259" r:id="rId5"/>
+    <p:sldId id="260" r:id="rId6"/>
+    <p:sldId id="261" r:id="rId7"/>
+    <p:sldId id="262" r:id="rId8"/>
+    <p:sldId id="263" r:id="rId9"/>
+    <p:sldId id="264" r:id="rId10"/>
+    <p:sldId id="265" r:id="rId11"/>
+    <p:sldId id="266" r:id="rId12"/>
+    <p:sldId id="267" r:id="rId13"/>
   </p:sldIdLst>
   <p:sldSz cx="12192000" cy="6858000"/>
   <p:notesSz cx="6858000" cy="9144000"/>
@@ -106,6 +115,11 @@
       </a:defRPr>
     </a:lvl9pPr>
   </p:defaultTextStyle>
+  <p:extLst>
+    <p:ext uri="{EFAFB233-063F-42B5-8137-9DF3F51BA10A}">
+      <p15:sldGuideLst xmlns:p15="http://schemas.microsoft.com/office/powerpoint/2012/main"/>
+    </p:ext>
+  </p:extLst>
 </p:presentation>
 </file>
 
@@ -256,7 +270,7 @@
           <a:p>
             <a:fld id="{F1D0BAB6-1FA9-5040-A287-CC96FBD3FD19}" type="datetimeFigureOut">
               <a:rPr lang="en-US" smtClean="0"/>
-              <a:t>4/5/24</a:t>
+              <a:t>4/6/24</a:t>
             </a:fld>
             <a:endParaRPr lang="en-US"/>
           </a:p>
@@ -454,7 +468,7 @@
           <a:p>
             <a:fld id="{F1D0BAB6-1FA9-5040-A287-CC96FBD3FD19}" type="datetimeFigureOut">
               <a:rPr lang="en-US" smtClean="0"/>
-              <a:t>4/5/24</a:t>
+              <a:t>4/6/24</a:t>
             </a:fld>
             <a:endParaRPr lang="en-US"/>
           </a:p>
@@ -662,7 +676,7 @@
           <a:p>
             <a:fld id="{F1D0BAB6-1FA9-5040-A287-CC96FBD3FD19}" type="datetimeFigureOut">
               <a:rPr lang="en-US" smtClean="0"/>
-              <a:t>4/5/24</a:t>
+              <a:t>4/6/24</a:t>
             </a:fld>
             <a:endParaRPr lang="en-US"/>
           </a:p>
@@ -860,7 +874,7 @@
           <a:p>
             <a:fld id="{F1D0BAB6-1FA9-5040-A287-CC96FBD3FD19}" type="datetimeFigureOut">
               <a:rPr lang="en-US" smtClean="0"/>
-              <a:t>4/5/24</a:t>
+              <a:t>4/6/24</a:t>
             </a:fld>
             <a:endParaRPr lang="en-US"/>
           </a:p>
@@ -1135,7 +1149,7 @@
           <a:p>
             <a:fld id="{F1D0BAB6-1FA9-5040-A287-CC96FBD3FD19}" type="datetimeFigureOut">
               <a:rPr lang="en-US" smtClean="0"/>
-              <a:t>4/5/24</a:t>
+              <a:t>4/6/24</a:t>
             </a:fld>
             <a:endParaRPr lang="en-US"/>
           </a:p>
@@ -1400,7 +1414,7 @@
           <a:p>
             <a:fld id="{F1D0BAB6-1FA9-5040-A287-CC96FBD3FD19}" type="datetimeFigureOut">
               <a:rPr lang="en-US" smtClean="0"/>
-              <a:t>4/5/24</a:t>
+              <a:t>4/6/24</a:t>
             </a:fld>
             <a:endParaRPr lang="en-US"/>
           </a:p>
@@ -1812,7 +1826,7 @@
           <a:p>
             <a:fld id="{F1D0BAB6-1FA9-5040-A287-CC96FBD3FD19}" type="datetimeFigureOut">
               <a:rPr lang="en-US" smtClean="0"/>
-              <a:t>4/5/24</a:t>
+              <a:t>4/6/24</a:t>
             </a:fld>
             <a:endParaRPr lang="en-US"/>
           </a:p>
@@ -1953,7 +1967,7 @@
           <a:p>
             <a:fld id="{F1D0BAB6-1FA9-5040-A287-CC96FBD3FD19}" type="datetimeFigureOut">
               <a:rPr lang="en-US" smtClean="0"/>
-              <a:t>4/5/24</a:t>
+              <a:t>4/6/24</a:t>
             </a:fld>
             <a:endParaRPr lang="en-US"/>
           </a:p>
@@ -2066,7 +2080,7 @@
           <a:p>
             <a:fld id="{F1D0BAB6-1FA9-5040-A287-CC96FBD3FD19}" type="datetimeFigureOut">
               <a:rPr lang="en-US" smtClean="0"/>
-              <a:t>4/5/24</a:t>
+              <a:t>4/6/24</a:t>
             </a:fld>
             <a:endParaRPr lang="en-US"/>
           </a:p>
@@ -2377,7 +2391,7 @@
           <a:p>
             <a:fld id="{F1D0BAB6-1FA9-5040-A287-CC96FBD3FD19}" type="datetimeFigureOut">
               <a:rPr lang="en-US" smtClean="0"/>
-              <a:t>4/5/24</a:t>
+              <a:t>4/6/24</a:t>
             </a:fld>
             <a:endParaRPr lang="en-US"/>
           </a:p>
@@ -2665,7 +2679,7 @@
           <a:p>
             <a:fld id="{F1D0BAB6-1FA9-5040-A287-CC96FBD3FD19}" type="datetimeFigureOut">
               <a:rPr lang="en-US" smtClean="0"/>
-              <a:t>4/5/24</a:t>
+              <a:t>4/6/24</a:t>
             </a:fld>
             <a:endParaRPr lang="en-US"/>
           </a:p>
@@ -2906,7 +2920,7 @@
           <a:p>
             <a:fld id="{F1D0BAB6-1FA9-5040-A287-CC96FBD3FD19}" type="datetimeFigureOut">
               <a:rPr lang="en-US" smtClean="0"/>
-              <a:t>4/5/24</a:t>
+              <a:t>4/6/24</a:t>
             </a:fld>
             <a:endParaRPr lang="en-US"/>
           </a:p>
@@ -3473,6 +3487,420 @@
 </p:sld>
 </file>
 
+<file path=ppt/slides/slide10.xml><?xml version="1.0" encoding="utf-8"?>
+<p:sld xmlns:a="http://schemas.openxmlformats.org/drawingml/2006/main" xmlns:r="http://schemas.openxmlformats.org/officeDocument/2006/relationships" xmlns:p="http://schemas.openxmlformats.org/presentationml/2006/main">
+  <p:cSld>
+    <p:spTree>
+      <p:nvGrpSpPr>
+        <p:cNvPr id="1" name=""/>
+        <p:cNvGrpSpPr/>
+        <p:nvPr/>
+      </p:nvGrpSpPr>
+      <p:grpSpPr>
+        <a:xfrm>
+          <a:off x="0" y="0"/>
+          <a:ext cx="0" cy="0"/>
+          <a:chOff x="0" y="0"/>
+          <a:chExt cx="0" cy="0"/>
+        </a:xfrm>
+      </p:grpSpPr>
+      <p:sp>
+        <p:nvSpPr>
+          <p:cNvPr id="2" name="Title 1">
+            <a:extLst>
+              <a:ext uri="{FF2B5EF4-FFF2-40B4-BE49-F238E27FC236}">
+                <a16:creationId xmlns:a16="http://schemas.microsoft.com/office/drawing/2014/main" id="{D3022144-EA96-7697-63E3-2DAC78AD27F8}"/>
+              </a:ext>
+            </a:extLst>
+          </p:cNvPr>
+          <p:cNvSpPr>
+            <a:spLocks noGrp="1"/>
+          </p:cNvSpPr>
+          <p:nvPr>
+            <p:ph type="title"/>
+          </p:nvPr>
+        </p:nvSpPr>
+        <p:spPr/>
+        <p:txBody>
+          <a:bodyPr/>
+          <a:lstStyle/>
+          <a:p>
+            <a:r>
+              <a:rPr lang="en-US" dirty="0"/>
+              <a:t>Conclusion</a:t>
+            </a:r>
+          </a:p>
+        </p:txBody>
+      </p:sp>
+      <p:sp>
+        <p:nvSpPr>
+          <p:cNvPr id="3" name="Content Placeholder 2">
+            <a:extLst>
+              <a:ext uri="{FF2B5EF4-FFF2-40B4-BE49-F238E27FC236}">
+                <a16:creationId xmlns:a16="http://schemas.microsoft.com/office/drawing/2014/main" id="{B0825F98-321D-6497-D3A5-B6DFD7EE8952}"/>
+              </a:ext>
+            </a:extLst>
+          </p:cNvPr>
+          <p:cNvSpPr>
+            <a:spLocks noGrp="1"/>
+          </p:cNvSpPr>
+          <p:nvPr>
+            <p:ph idx="1"/>
+          </p:nvPr>
+        </p:nvSpPr>
+        <p:spPr/>
+        <p:txBody>
+          <a:bodyPr/>
+          <a:lstStyle/>
+          <a:p>
+            <a:r>
+              <a:rPr lang="en-US" dirty="0"/>
+              <a:t>Some variables has positive impact like desire to go for higher education, spending time with friends, extra school support.</a:t>
+            </a:r>
+          </a:p>
+          <a:p>
+            <a:r>
+              <a:rPr lang="en-US" dirty="0"/>
+              <a:t>Variables like alcohol consumption, romantic relation, number of past failures has negative impact.</a:t>
+            </a:r>
+          </a:p>
+          <a:p>
+            <a:r>
+              <a:rPr lang="en-US" dirty="0"/>
+              <a:t>Adjusted R</a:t>
+            </a:r>
+            <a:r>
+              <a:rPr lang="en-US" baseline="30000" dirty="0"/>
+              <a:t>2 </a:t>
+            </a:r>
+            <a:r>
+              <a:rPr lang="en-US" dirty="0"/>
+              <a:t>is 23.84% which is not high, but our model met all the assumptions.</a:t>
+            </a:r>
+          </a:p>
+          <a:p>
+            <a:r>
+              <a:rPr lang="en-US" dirty="0"/>
+              <a:t>But it confirmed that social and demographic variables do play role in student’s academic performance.</a:t>
+            </a:r>
+          </a:p>
+        </p:txBody>
+      </p:sp>
+    </p:spTree>
+    <p:extLst>
+      <p:ext uri="{BB962C8B-B14F-4D97-AF65-F5344CB8AC3E}">
+        <p14:creationId xmlns:p14="http://schemas.microsoft.com/office/powerpoint/2010/main" val="1931152677"/>
+      </p:ext>
+    </p:extLst>
+  </p:cSld>
+  <p:clrMapOvr>
+    <a:masterClrMapping/>
+  </p:clrMapOvr>
+</p:sld>
+</file>
+
+<file path=ppt/slides/slide11.xml><?xml version="1.0" encoding="utf-8"?>
+<p:sld xmlns:a="http://schemas.openxmlformats.org/drawingml/2006/main" xmlns:r="http://schemas.openxmlformats.org/officeDocument/2006/relationships" xmlns:p="http://schemas.openxmlformats.org/presentationml/2006/main">
+  <p:cSld>
+    <p:spTree>
+      <p:nvGrpSpPr>
+        <p:cNvPr id="1" name=""/>
+        <p:cNvGrpSpPr/>
+        <p:nvPr/>
+      </p:nvGrpSpPr>
+      <p:grpSpPr>
+        <a:xfrm>
+          <a:off x="0" y="0"/>
+          <a:ext cx="0" cy="0"/>
+          <a:chOff x="0" y="0"/>
+          <a:chExt cx="0" cy="0"/>
+        </a:xfrm>
+      </p:grpSpPr>
+      <p:sp>
+        <p:nvSpPr>
+          <p:cNvPr id="2" name="Title 1">
+            <a:extLst>
+              <a:ext uri="{FF2B5EF4-FFF2-40B4-BE49-F238E27FC236}">
+                <a16:creationId xmlns:a16="http://schemas.microsoft.com/office/drawing/2014/main" id="{CF9F2F6B-5816-F460-809C-7F6D57824D85}"/>
+              </a:ext>
+            </a:extLst>
+          </p:cNvPr>
+          <p:cNvSpPr>
+            <a:spLocks noGrp="1"/>
+          </p:cNvSpPr>
+          <p:nvPr>
+            <p:ph type="title"/>
+          </p:nvPr>
+        </p:nvSpPr>
+        <p:spPr/>
+        <p:txBody>
+          <a:bodyPr/>
+          <a:lstStyle/>
+          <a:p>
+            <a:r>
+              <a:rPr lang="en-US" dirty="0"/>
+              <a:t>References</a:t>
+            </a:r>
+          </a:p>
+        </p:txBody>
+      </p:sp>
+      <p:sp>
+        <p:nvSpPr>
+          <p:cNvPr id="3" name="Content Placeholder 2">
+            <a:extLst>
+              <a:ext uri="{FF2B5EF4-FFF2-40B4-BE49-F238E27FC236}">
+                <a16:creationId xmlns:a16="http://schemas.microsoft.com/office/drawing/2014/main" id="{378A9E45-159D-7819-E2C0-E5A5B98814FB}"/>
+              </a:ext>
+            </a:extLst>
+          </p:cNvPr>
+          <p:cNvSpPr>
+            <a:spLocks noGrp="1"/>
+          </p:cNvSpPr>
+          <p:nvPr>
+            <p:ph idx="1"/>
+          </p:nvPr>
+        </p:nvSpPr>
+        <p:spPr/>
+        <p:txBody>
+          <a:bodyPr/>
+          <a:lstStyle/>
+          <a:p>
+            <a:pPr marL="457200" indent="-457200">
+              <a:lnSpc>
+                <a:spcPct val="115000"/>
+              </a:lnSpc>
+              <a:spcAft>
+                <a:spcPts val="800"/>
+              </a:spcAft>
+            </a:pPr>
+            <a:r>
+              <a:rPr lang="en-CA" sz="1800" i="1" kern="100" dirty="0">
+                <a:effectLst/>
+                <a:latin typeface="Aptos" panose="020B0004020202020204" pitchFamily="34" charset="0"/>
+                <a:ea typeface="Malgun Gothic" panose="020B0503020000020004" pitchFamily="34" charset="-127"/>
+                <a:cs typeface="Times New Roman" panose="02020603050405020304" pitchFamily="18" charset="0"/>
+              </a:rPr>
+              <a:t>Kolmogorov–Smirnov test</a:t>
+            </a:r>
+            <a:r>
+              <a:rPr lang="en-CA" sz="1800" kern="100" dirty="0">
+                <a:effectLst/>
+                <a:latin typeface="Aptos" panose="020B0004020202020204" pitchFamily="34" charset="0"/>
+                <a:ea typeface="Malgun Gothic" panose="020B0503020000020004" pitchFamily="34" charset="-127"/>
+                <a:cs typeface="Times New Roman" panose="02020603050405020304" pitchFamily="18" charset="0"/>
+              </a:rPr>
+              <a:t>. (n.d.). Retrieved from Wikipedia:</a:t>
+            </a:r>
+            <a:br>
+              <a:rPr lang="en-CA" sz="1800" kern="100" dirty="0">
+                <a:effectLst/>
+                <a:latin typeface="Aptos" panose="020B0004020202020204" pitchFamily="34" charset="0"/>
+                <a:ea typeface="Malgun Gothic" panose="020B0503020000020004" pitchFamily="34" charset="-127"/>
+                <a:cs typeface="Times New Roman" panose="02020603050405020304" pitchFamily="18" charset="0"/>
+              </a:rPr>
+            </a:br>
+            <a:r>
+              <a:rPr lang="en-CA" sz="1800" kern="100" dirty="0">
+                <a:effectLst/>
+                <a:latin typeface="Aptos" panose="020B0004020202020204" pitchFamily="34" charset="0"/>
+                <a:ea typeface="Malgun Gothic" panose="020B0503020000020004" pitchFamily="34" charset="-127"/>
+                <a:cs typeface="Times New Roman" panose="02020603050405020304" pitchFamily="18" charset="0"/>
+              </a:rPr>
+              <a:t> https://</a:t>
+            </a:r>
+            <a:r>
+              <a:rPr lang="en-CA" sz="1800" kern="100" dirty="0" err="1">
+                <a:effectLst/>
+                <a:latin typeface="Aptos" panose="020B0004020202020204" pitchFamily="34" charset="0"/>
+                <a:ea typeface="Malgun Gothic" panose="020B0503020000020004" pitchFamily="34" charset="-127"/>
+                <a:cs typeface="Times New Roman" panose="02020603050405020304" pitchFamily="18" charset="0"/>
+              </a:rPr>
+              <a:t>en.wikipedia.org</a:t>
+            </a:r>
+            <a:r>
+              <a:rPr lang="en-CA" sz="1800" kern="100" dirty="0">
+                <a:effectLst/>
+                <a:latin typeface="Aptos" panose="020B0004020202020204" pitchFamily="34" charset="0"/>
+                <a:ea typeface="Malgun Gothic" panose="020B0503020000020004" pitchFamily="34" charset="-127"/>
+                <a:cs typeface="Times New Roman" panose="02020603050405020304" pitchFamily="18" charset="0"/>
+              </a:rPr>
+              <a:t>/wiki/Kolmogorov–</a:t>
+            </a:r>
+            <a:r>
+              <a:rPr lang="en-CA" sz="1800" kern="100" dirty="0" err="1">
+                <a:effectLst/>
+                <a:latin typeface="Aptos" panose="020B0004020202020204" pitchFamily="34" charset="0"/>
+                <a:ea typeface="Malgun Gothic" panose="020B0503020000020004" pitchFamily="34" charset="-127"/>
+                <a:cs typeface="Times New Roman" panose="02020603050405020304" pitchFamily="18" charset="0"/>
+              </a:rPr>
+              <a:t>Smirnov_test</a:t>
+            </a:r>
+            <a:r>
+              <a:rPr lang="en-CA" sz="1800" kern="100" dirty="0">
+                <a:effectLst/>
+                <a:latin typeface="Aptos" panose="020B0004020202020204" pitchFamily="34" charset="0"/>
+                <a:ea typeface="Malgun Gothic" panose="020B0503020000020004" pitchFamily="34" charset="-127"/>
+                <a:cs typeface="Times New Roman" panose="02020603050405020304" pitchFamily="18" charset="0"/>
+              </a:rPr>
+              <a:t>#:~:text=Various%20studies%20have%20found%20that,samples%20with%20many%20identical%20values</a:t>
+            </a:r>
+          </a:p>
+          <a:p>
+            <a:pPr marL="457200" indent="-457200">
+              <a:lnSpc>
+                <a:spcPct val="115000"/>
+              </a:lnSpc>
+              <a:spcAft>
+                <a:spcPts val="800"/>
+              </a:spcAft>
+            </a:pPr>
+            <a:r>
+              <a:rPr lang="en-CA" sz="1800" i="1" kern="100" dirty="0">
+                <a:effectLst/>
+                <a:latin typeface="Aptos" panose="020B0004020202020204" pitchFamily="34" charset="0"/>
+                <a:ea typeface="Malgun Gothic" panose="020B0503020000020004" pitchFamily="34" charset="-127"/>
+                <a:cs typeface="Times New Roman" panose="02020603050405020304" pitchFamily="18" charset="0"/>
+              </a:rPr>
+              <a:t>Student Performance</a:t>
+            </a:r>
+            <a:r>
+              <a:rPr lang="en-CA" sz="1800" kern="100" dirty="0">
+                <a:effectLst/>
+                <a:latin typeface="Aptos" panose="020B0004020202020204" pitchFamily="34" charset="0"/>
+                <a:ea typeface="Malgun Gothic" panose="020B0503020000020004" pitchFamily="34" charset="-127"/>
+                <a:cs typeface="Times New Roman" panose="02020603050405020304" pitchFamily="18" charset="0"/>
+              </a:rPr>
+              <a:t>. (n.d.). Retrieved from UC Irvine Machine Learning Repository:</a:t>
+            </a:r>
+            <a:br>
+              <a:rPr lang="en-CA" sz="1800" kern="100" dirty="0">
+                <a:effectLst/>
+                <a:latin typeface="Aptos" panose="020B0004020202020204" pitchFamily="34" charset="0"/>
+                <a:ea typeface="Malgun Gothic" panose="020B0503020000020004" pitchFamily="34" charset="-127"/>
+                <a:cs typeface="Times New Roman" panose="02020603050405020304" pitchFamily="18" charset="0"/>
+              </a:rPr>
+            </a:br>
+            <a:r>
+              <a:rPr lang="en-CA" sz="1800" kern="100" dirty="0">
+                <a:effectLst/>
+                <a:latin typeface="Aptos" panose="020B0004020202020204" pitchFamily="34" charset="0"/>
+                <a:ea typeface="Malgun Gothic" panose="020B0503020000020004" pitchFamily="34" charset="-127"/>
+                <a:cs typeface="Times New Roman" panose="02020603050405020304" pitchFamily="18" charset="0"/>
+              </a:rPr>
+              <a:t> https://</a:t>
+            </a:r>
+            <a:r>
+              <a:rPr lang="en-CA" sz="1800" kern="100" dirty="0" err="1">
+                <a:effectLst/>
+                <a:latin typeface="Aptos" panose="020B0004020202020204" pitchFamily="34" charset="0"/>
+                <a:ea typeface="Malgun Gothic" panose="020B0503020000020004" pitchFamily="34" charset="-127"/>
+                <a:cs typeface="Times New Roman" panose="02020603050405020304" pitchFamily="18" charset="0"/>
+              </a:rPr>
+              <a:t>archive.ics.uci.edu</a:t>
+            </a:r>
+            <a:r>
+              <a:rPr lang="en-CA" sz="1800" kern="100" dirty="0">
+                <a:effectLst/>
+                <a:latin typeface="Aptos" panose="020B0004020202020204" pitchFamily="34" charset="0"/>
+                <a:ea typeface="Malgun Gothic" panose="020B0503020000020004" pitchFamily="34" charset="-127"/>
+                <a:cs typeface="Times New Roman" panose="02020603050405020304" pitchFamily="18" charset="0"/>
+              </a:rPr>
+              <a:t>/dataset/320/</a:t>
+            </a:r>
+            <a:r>
+              <a:rPr lang="en-CA" sz="1800" kern="100" dirty="0" err="1">
+                <a:effectLst/>
+                <a:latin typeface="Aptos" panose="020B0004020202020204" pitchFamily="34" charset="0"/>
+                <a:ea typeface="Malgun Gothic" panose="020B0503020000020004" pitchFamily="34" charset="-127"/>
+                <a:cs typeface="Times New Roman" panose="02020603050405020304" pitchFamily="18" charset="0"/>
+              </a:rPr>
+              <a:t>student+performance</a:t>
+            </a:r>
+            <a:endParaRPr lang="en-CA" sz="1800" kern="100" dirty="0">
+              <a:effectLst/>
+              <a:latin typeface="Aptos" panose="020B0004020202020204" pitchFamily="34" charset="0"/>
+              <a:ea typeface="Malgun Gothic" panose="020B0503020000020004" pitchFamily="34" charset="-127"/>
+              <a:cs typeface="Times New Roman" panose="02020603050405020304" pitchFamily="18" charset="0"/>
+            </a:endParaRPr>
+          </a:p>
+        </p:txBody>
+      </p:sp>
+    </p:spTree>
+    <p:extLst>
+      <p:ext uri="{BB962C8B-B14F-4D97-AF65-F5344CB8AC3E}">
+        <p14:creationId xmlns:p14="http://schemas.microsoft.com/office/powerpoint/2010/main" val="3633543585"/>
+      </p:ext>
+    </p:extLst>
+  </p:cSld>
+  <p:clrMapOvr>
+    <a:masterClrMapping/>
+  </p:clrMapOvr>
+</p:sld>
+</file>
+
+<file path=ppt/slides/slide12.xml><?xml version="1.0" encoding="utf-8"?>
+<p:sld xmlns:a="http://schemas.openxmlformats.org/drawingml/2006/main" xmlns:r="http://schemas.openxmlformats.org/officeDocument/2006/relationships" xmlns:p="http://schemas.openxmlformats.org/presentationml/2006/main">
+  <p:cSld>
+    <p:spTree>
+      <p:nvGrpSpPr>
+        <p:cNvPr id="1" name=""/>
+        <p:cNvGrpSpPr/>
+        <p:nvPr/>
+      </p:nvGrpSpPr>
+      <p:grpSpPr>
+        <a:xfrm>
+          <a:off x="0" y="0"/>
+          <a:ext cx="0" cy="0"/>
+          <a:chOff x="0" y="0"/>
+          <a:chExt cx="0" cy="0"/>
+        </a:xfrm>
+      </p:grpSpPr>
+      <p:sp>
+        <p:nvSpPr>
+          <p:cNvPr id="3" name="Content Placeholder 2">
+            <a:extLst>
+              <a:ext uri="{FF2B5EF4-FFF2-40B4-BE49-F238E27FC236}">
+                <a16:creationId xmlns:a16="http://schemas.microsoft.com/office/drawing/2014/main" id="{1E769E7C-DBC4-E8DE-716B-D03CDAF1C7DA}"/>
+              </a:ext>
+            </a:extLst>
+          </p:cNvPr>
+          <p:cNvSpPr>
+            <a:spLocks noGrp="1"/>
+          </p:cNvSpPr>
+          <p:nvPr>
+            <p:ph idx="1"/>
+          </p:nvPr>
+        </p:nvSpPr>
+        <p:spPr/>
+        <p:txBody>
+          <a:bodyPr anchor="ctr">
+            <a:normAutofit/>
+          </a:bodyPr>
+          <a:lstStyle/>
+          <a:p>
+            <a:pPr marL="0" indent="0" algn="ctr">
+              <a:buNone/>
+            </a:pPr>
+            <a:r>
+              <a:rPr lang="en-US" sz="13800" dirty="0"/>
+              <a:t>Thank you</a:t>
+            </a:r>
+          </a:p>
+        </p:txBody>
+      </p:sp>
+    </p:spTree>
+    <p:extLst>
+      <p:ext uri="{BB962C8B-B14F-4D97-AF65-F5344CB8AC3E}">
+        <p14:creationId xmlns:p14="http://schemas.microsoft.com/office/powerpoint/2010/main" val="4275399696"/>
+      </p:ext>
+    </p:extLst>
+  </p:cSld>
+  <p:clrMapOvr>
+    <a:masterClrMapping/>
+  </p:clrMapOvr>
+</p:sld>
+</file>
+
 <file path=ppt/slides/slide2.xml><?xml version="1.0" encoding="utf-8"?>
 <p:sld xmlns:a="http://schemas.openxmlformats.org/drawingml/2006/main" xmlns:r="http://schemas.openxmlformats.org/officeDocument/2006/relationships" xmlns:p="http://schemas.openxmlformats.org/presentationml/2006/main">
   <p:cSld>
@@ -3697,7 +4125,7 @@
           <a:p>
             <a:r>
               <a:rPr lang="en-US" dirty="0"/>
-              <a:t>There are 649 rows and 33 parameters.</a:t>
+              <a:t>There are 649 rows and 33 variables.</a:t>
             </a:r>
           </a:p>
           <a:p>
@@ -3727,6 +4155,1726 @@
     <p:extLst>
       <p:ext uri="{BB962C8B-B14F-4D97-AF65-F5344CB8AC3E}">
         <p14:creationId xmlns:p14="http://schemas.microsoft.com/office/powerpoint/2010/main" val="3277060111"/>
+      </p:ext>
+    </p:extLst>
+  </p:cSld>
+  <p:clrMapOvr>
+    <a:masterClrMapping/>
+  </p:clrMapOvr>
+</p:sld>
+</file>
+
+<file path=ppt/slides/slide4.xml><?xml version="1.0" encoding="utf-8"?>
+<p:sld xmlns:a="http://schemas.openxmlformats.org/drawingml/2006/main" xmlns:r="http://schemas.openxmlformats.org/officeDocument/2006/relationships" xmlns:p="http://schemas.openxmlformats.org/presentationml/2006/main">
+  <p:cSld>
+    <p:spTree>
+      <p:nvGrpSpPr>
+        <p:cNvPr id="1" name=""/>
+        <p:cNvGrpSpPr/>
+        <p:nvPr/>
+      </p:nvGrpSpPr>
+      <p:grpSpPr>
+        <a:xfrm>
+          <a:off x="0" y="0"/>
+          <a:ext cx="0" cy="0"/>
+          <a:chOff x="0" y="0"/>
+          <a:chExt cx="0" cy="0"/>
+        </a:xfrm>
+      </p:grpSpPr>
+      <p:graphicFrame>
+        <p:nvGraphicFramePr>
+          <p:cNvPr id="4" name="Table 3">
+            <a:extLst>
+              <a:ext uri="{FF2B5EF4-FFF2-40B4-BE49-F238E27FC236}">
+                <a16:creationId xmlns:a16="http://schemas.microsoft.com/office/drawing/2014/main" id="{9E98105E-09C4-A5C5-7D30-A589D4D461B4}"/>
+              </a:ext>
+            </a:extLst>
+          </p:cNvPr>
+          <p:cNvGraphicFramePr>
+            <a:graphicFrameLocks noGrp="1"/>
+          </p:cNvGraphicFramePr>
+          <p:nvPr>
+            <p:extLst>
+              <p:ext uri="{D42A27DB-BD31-4B8C-83A1-F6EECF244321}">
+                <p14:modId xmlns:p14="http://schemas.microsoft.com/office/powerpoint/2010/main" val="3908831571"/>
+              </p:ext>
+            </p:extLst>
+          </p:nvPr>
+        </p:nvGraphicFramePr>
+        <p:xfrm>
+          <a:off x="748990" y="530096"/>
+          <a:ext cx="10694020" cy="4732975"/>
+        </p:xfrm>
+        <a:graphic>
+          <a:graphicData uri="http://schemas.openxmlformats.org/drawingml/2006/table">
+            <a:tbl>
+              <a:tblPr firstRow="1" bandRow="1">
+                <a:tableStyleId>{5C22544A-7EE6-4342-B048-85BDC9FD1C3A}</a:tableStyleId>
+              </a:tblPr>
+              <a:tblGrid>
+                <a:gridCol w="1851103">
+                  <a:extLst>
+                    <a:ext uri="{9D8B030D-6E8A-4147-A177-3AD203B41FA5}">
+                      <a16:colId xmlns:a16="http://schemas.microsoft.com/office/drawing/2014/main" val="1429109705"/>
+                    </a:ext>
+                  </a:extLst>
+                </a:gridCol>
+                <a:gridCol w="3111190">
+                  <a:extLst>
+                    <a:ext uri="{9D8B030D-6E8A-4147-A177-3AD203B41FA5}">
+                      <a16:colId xmlns:a16="http://schemas.microsoft.com/office/drawing/2014/main" val="929335426"/>
+                    </a:ext>
+                  </a:extLst>
+                </a:gridCol>
+                <a:gridCol w="3490332">
+                  <a:extLst>
+                    <a:ext uri="{9D8B030D-6E8A-4147-A177-3AD203B41FA5}">
+                      <a16:colId xmlns:a16="http://schemas.microsoft.com/office/drawing/2014/main" val="1390910957"/>
+                    </a:ext>
+                  </a:extLst>
+                </a:gridCol>
+                <a:gridCol w="2241395">
+                  <a:extLst>
+                    <a:ext uri="{9D8B030D-6E8A-4147-A177-3AD203B41FA5}">
+                      <a16:colId xmlns:a16="http://schemas.microsoft.com/office/drawing/2014/main" val="3826171304"/>
+                    </a:ext>
+                  </a:extLst>
+                </a:gridCol>
+              </a:tblGrid>
+              <a:tr h="370840">
+                <a:tc>
+                  <a:txBody>
+                    <a:bodyPr/>
+                    <a:lstStyle/>
+                    <a:p>
+                      <a:pPr algn="ctr"/>
+                      <a:r>
+                        <a:rPr lang="en-CA" sz="1800" b="1" kern="1200" dirty="0">
+                          <a:solidFill>
+                            <a:schemeClr val="lt1"/>
+                          </a:solidFill>
+                          <a:effectLst/>
+                          <a:latin typeface="+mn-lt"/>
+                          <a:ea typeface="+mn-ea"/>
+                          <a:cs typeface="+mn-cs"/>
+                        </a:rPr>
+                        <a:t>Variable Name</a:t>
+                      </a:r>
+                      <a:r>
+                        <a:rPr lang="en-CA" dirty="0">
+                          <a:effectLst/>
+                        </a:rPr>
+                        <a:t> </a:t>
+                      </a:r>
+                      <a:endParaRPr lang="en-US" dirty="0"/>
+                    </a:p>
+                  </a:txBody>
+                  <a:tcPr/>
+                </a:tc>
+                <a:tc>
+                  <a:txBody>
+                    <a:bodyPr/>
+                    <a:lstStyle/>
+                    <a:p>
+                      <a:pPr algn="ctr"/>
+                      <a:r>
+                        <a:rPr lang="en-CA" sz="1800" b="1" kern="1200" dirty="0">
+                          <a:solidFill>
+                            <a:schemeClr val="lt1"/>
+                          </a:solidFill>
+                          <a:effectLst/>
+                          <a:latin typeface="+mn-lt"/>
+                          <a:ea typeface="+mn-ea"/>
+                          <a:cs typeface="+mn-cs"/>
+                        </a:rPr>
+                        <a:t>Description</a:t>
+                      </a:r>
+                      <a:r>
+                        <a:rPr lang="en-CA" dirty="0">
+                          <a:effectLst/>
+                        </a:rPr>
+                        <a:t> </a:t>
+                      </a:r>
+                      <a:endParaRPr lang="en-US" dirty="0"/>
+                    </a:p>
+                  </a:txBody>
+                  <a:tcPr/>
+                </a:tc>
+                <a:tc>
+                  <a:txBody>
+                    <a:bodyPr/>
+                    <a:lstStyle/>
+                    <a:p>
+                      <a:pPr algn="ctr"/>
+                      <a:r>
+                        <a:rPr lang="en-CA" sz="1800" b="1" kern="1200" dirty="0">
+                          <a:solidFill>
+                            <a:schemeClr val="lt1"/>
+                          </a:solidFill>
+                          <a:effectLst/>
+                          <a:latin typeface="+mn-lt"/>
+                          <a:ea typeface="+mn-ea"/>
+                          <a:cs typeface="+mn-cs"/>
+                        </a:rPr>
+                        <a:t>Scale</a:t>
+                      </a:r>
+                      <a:r>
+                        <a:rPr lang="en-CA" dirty="0">
+                          <a:effectLst/>
+                        </a:rPr>
+                        <a:t> </a:t>
+                      </a:r>
+                      <a:endParaRPr lang="en-US" dirty="0"/>
+                    </a:p>
+                  </a:txBody>
+                  <a:tcPr/>
+                </a:tc>
+                <a:tc>
+                  <a:txBody>
+                    <a:bodyPr/>
+                    <a:lstStyle/>
+                    <a:p>
+                      <a:pPr algn="ctr"/>
+                      <a:r>
+                        <a:rPr lang="en-CA" sz="1800" b="1" kern="1200" dirty="0">
+                          <a:solidFill>
+                            <a:schemeClr val="lt1"/>
+                          </a:solidFill>
+                          <a:effectLst/>
+                          <a:latin typeface="+mn-lt"/>
+                          <a:ea typeface="+mn-ea"/>
+                          <a:cs typeface="+mn-cs"/>
+                        </a:rPr>
+                        <a:t>Type</a:t>
+                      </a:r>
+                      <a:r>
+                        <a:rPr lang="en-CA" dirty="0">
+                          <a:effectLst/>
+                        </a:rPr>
+                        <a:t> </a:t>
+                      </a:r>
+                      <a:endParaRPr lang="en-US" dirty="0"/>
+                    </a:p>
+                  </a:txBody>
+                  <a:tcPr/>
+                </a:tc>
+                <a:extLst>
+                  <a:ext uri="{0D108BD9-81ED-4DB2-BD59-A6C34878D82A}">
+                    <a16:rowId xmlns:a16="http://schemas.microsoft.com/office/drawing/2014/main" val="3286715315"/>
+                  </a:ext>
+                </a:extLst>
+              </a:tr>
+              <a:tr h="370840">
+                <a:tc>
+                  <a:txBody>
+                    <a:bodyPr/>
+                    <a:lstStyle/>
+                    <a:p>
+                      <a:pPr algn="ctr"/>
+                      <a:r>
+                        <a:rPr lang="en-CA" sz="1800" kern="1200" dirty="0" err="1">
+                          <a:solidFill>
+                            <a:schemeClr val="dk1"/>
+                          </a:solidFill>
+                          <a:effectLst/>
+                          <a:latin typeface="+mn-lt"/>
+                          <a:ea typeface="+mn-ea"/>
+                          <a:cs typeface="+mn-cs"/>
+                        </a:rPr>
+                        <a:t>studytime</a:t>
+                      </a:r>
+                      <a:r>
+                        <a:rPr lang="en-CA" dirty="0">
+                          <a:effectLst/>
+                        </a:rPr>
+                        <a:t> </a:t>
+                      </a:r>
+                      <a:endParaRPr lang="en-US" dirty="0"/>
+                    </a:p>
+                  </a:txBody>
+                  <a:tcPr/>
+                </a:tc>
+                <a:tc>
+                  <a:txBody>
+                    <a:bodyPr/>
+                    <a:lstStyle/>
+                    <a:p>
+                      <a:pPr algn="ctr"/>
+                      <a:r>
+                        <a:rPr lang="en-CA" sz="1800" kern="1200" dirty="0">
+                          <a:solidFill>
+                            <a:schemeClr val="dk1"/>
+                          </a:solidFill>
+                          <a:effectLst/>
+                          <a:latin typeface="+mn-lt"/>
+                          <a:ea typeface="+mn-ea"/>
+                          <a:cs typeface="+mn-cs"/>
+                        </a:rPr>
+                        <a:t>weekly study time</a:t>
+                      </a:r>
+                      <a:r>
+                        <a:rPr lang="en-CA" dirty="0">
+                          <a:effectLst/>
+                        </a:rPr>
+                        <a:t> </a:t>
+                      </a:r>
+                      <a:endParaRPr lang="en-US" dirty="0"/>
+                    </a:p>
+                  </a:txBody>
+                  <a:tcPr/>
+                </a:tc>
+                <a:tc>
+                  <a:txBody>
+                    <a:bodyPr/>
+                    <a:lstStyle/>
+                    <a:p>
+                      <a:pPr algn="ctr"/>
+                      <a:r>
+                        <a:rPr lang="en-CA" sz="1800" kern="1200" dirty="0">
+                          <a:solidFill>
+                            <a:schemeClr val="dk1"/>
+                          </a:solidFill>
+                          <a:effectLst/>
+                          <a:latin typeface="+mn-lt"/>
+                          <a:ea typeface="+mn-ea"/>
+                          <a:cs typeface="+mn-cs"/>
+                        </a:rPr>
+                        <a:t>(Numeric: 1 - &lt;2 hours, 2 - 2 to 5 hours, 3 - 5 to 10 hours, or 4 - &gt;10 hours</a:t>
+                      </a:r>
+                      <a:r>
+                        <a:rPr lang="en-CA" dirty="0">
+                          <a:effectLst/>
+                        </a:rPr>
+                        <a:t> </a:t>
+                      </a:r>
+                      <a:endParaRPr lang="en-US" dirty="0"/>
+                    </a:p>
+                  </a:txBody>
+                  <a:tcPr/>
+                </a:tc>
+                <a:tc>
+                  <a:txBody>
+                    <a:bodyPr/>
+                    <a:lstStyle/>
+                    <a:p>
+                      <a:pPr algn="ctr"/>
+                      <a:r>
+                        <a:rPr lang="en-CA" sz="1800" kern="1200" dirty="0">
+                          <a:solidFill>
+                            <a:schemeClr val="dk1"/>
+                          </a:solidFill>
+                          <a:effectLst/>
+                          <a:latin typeface="+mn-lt"/>
+                          <a:ea typeface="+mn-ea"/>
+                          <a:cs typeface="+mn-cs"/>
+                        </a:rPr>
+                        <a:t>Qualitative</a:t>
+                      </a:r>
+                      <a:r>
+                        <a:rPr lang="en-CA" dirty="0">
+                          <a:effectLst/>
+                        </a:rPr>
+                        <a:t> </a:t>
+                      </a:r>
+                      <a:endParaRPr lang="en-US" dirty="0"/>
+                    </a:p>
+                  </a:txBody>
+                  <a:tcPr/>
+                </a:tc>
+                <a:extLst>
+                  <a:ext uri="{0D108BD9-81ED-4DB2-BD59-A6C34878D82A}">
+                    <a16:rowId xmlns:a16="http://schemas.microsoft.com/office/drawing/2014/main" val="622405650"/>
+                  </a:ext>
+                </a:extLst>
+              </a:tr>
+              <a:tr h="370840">
+                <a:tc>
+                  <a:txBody>
+                    <a:bodyPr/>
+                    <a:lstStyle/>
+                    <a:p>
+                      <a:pPr marL="0" indent="274320" algn="ctr" defTabSz="914400" rtl="0" eaLnBrk="1" latinLnBrk="0" hangingPunct="1">
+                        <a:lnSpc>
+                          <a:spcPct val="115000"/>
+                        </a:lnSpc>
+                        <a:spcAft>
+                          <a:spcPts val="800"/>
+                        </a:spcAft>
+                      </a:pPr>
+                      <a:r>
+                        <a:rPr lang="en-CA" sz="1800" kern="1200" dirty="0">
+                          <a:solidFill>
+                            <a:schemeClr val="dk1"/>
+                          </a:solidFill>
+                          <a:effectLst/>
+                          <a:latin typeface="+mn-lt"/>
+                          <a:ea typeface="+mn-ea"/>
+                          <a:cs typeface="+mn-cs"/>
+                        </a:rPr>
+                        <a:t>failures</a:t>
+                      </a:r>
+                    </a:p>
+                  </a:txBody>
+                  <a:tcPr marL="68580" marR="68580" marT="0" marB="0"/>
+                </a:tc>
+                <a:tc>
+                  <a:txBody>
+                    <a:bodyPr/>
+                    <a:lstStyle/>
+                    <a:p>
+                      <a:pPr marL="0" indent="274320" algn="ctr" defTabSz="914400" rtl="0" eaLnBrk="1" latinLnBrk="0" hangingPunct="1">
+                        <a:lnSpc>
+                          <a:spcPct val="115000"/>
+                        </a:lnSpc>
+                        <a:spcAft>
+                          <a:spcPts val="800"/>
+                        </a:spcAft>
+                      </a:pPr>
+                      <a:r>
+                        <a:rPr lang="en-CA" sz="1800" kern="1200">
+                          <a:solidFill>
+                            <a:schemeClr val="dk1"/>
+                          </a:solidFill>
+                          <a:effectLst/>
+                          <a:latin typeface="+mn-lt"/>
+                          <a:ea typeface="+mn-ea"/>
+                          <a:cs typeface="+mn-cs"/>
+                        </a:rPr>
+                        <a:t>number of past class failures</a:t>
+                      </a:r>
+                    </a:p>
+                  </a:txBody>
+                  <a:tcPr marL="68580" marR="68580" marT="0" marB="0"/>
+                </a:tc>
+                <a:tc>
+                  <a:txBody>
+                    <a:bodyPr/>
+                    <a:lstStyle/>
+                    <a:p>
+                      <a:pPr marL="0" indent="274320" algn="ctr" defTabSz="914400" rtl="0" eaLnBrk="1" latinLnBrk="0" hangingPunct="1">
+                        <a:lnSpc>
+                          <a:spcPct val="115000"/>
+                        </a:lnSpc>
+                        <a:spcAft>
+                          <a:spcPts val="800"/>
+                        </a:spcAft>
+                      </a:pPr>
+                      <a:r>
+                        <a:rPr lang="en-CA" sz="1800" kern="1200">
+                          <a:solidFill>
+                            <a:schemeClr val="dk1"/>
+                          </a:solidFill>
+                          <a:effectLst/>
+                          <a:latin typeface="+mn-lt"/>
+                          <a:ea typeface="+mn-ea"/>
+                          <a:cs typeface="+mn-cs"/>
+                        </a:rPr>
+                        <a:t>numeric: n if 1&lt;=n&lt;3, else 4</a:t>
+                      </a:r>
+                    </a:p>
+                  </a:txBody>
+                  <a:tcPr marL="68580" marR="68580" marT="0" marB="0"/>
+                </a:tc>
+                <a:tc>
+                  <a:txBody>
+                    <a:bodyPr/>
+                    <a:lstStyle/>
+                    <a:p>
+                      <a:pPr marL="0" indent="274320" algn="ctr" defTabSz="914400" rtl="0" eaLnBrk="1" latinLnBrk="0" hangingPunct="1">
+                        <a:lnSpc>
+                          <a:spcPct val="115000"/>
+                        </a:lnSpc>
+                        <a:spcAft>
+                          <a:spcPts val="800"/>
+                        </a:spcAft>
+                      </a:pPr>
+                      <a:r>
+                        <a:rPr lang="en-CA" sz="1800" kern="1200">
+                          <a:solidFill>
+                            <a:schemeClr val="dk1"/>
+                          </a:solidFill>
+                          <a:effectLst/>
+                          <a:latin typeface="+mn-lt"/>
+                          <a:ea typeface="+mn-ea"/>
+                          <a:cs typeface="+mn-cs"/>
+                        </a:rPr>
+                        <a:t>Qualitative</a:t>
+                      </a:r>
+                    </a:p>
+                  </a:txBody>
+                  <a:tcPr marL="68580" marR="68580" marT="0" marB="0"/>
+                </a:tc>
+                <a:extLst>
+                  <a:ext uri="{0D108BD9-81ED-4DB2-BD59-A6C34878D82A}">
+                    <a16:rowId xmlns:a16="http://schemas.microsoft.com/office/drawing/2014/main" val="3652757715"/>
+                  </a:ext>
+                </a:extLst>
+              </a:tr>
+              <a:tr h="370840">
+                <a:tc>
+                  <a:txBody>
+                    <a:bodyPr/>
+                    <a:lstStyle/>
+                    <a:p>
+                      <a:pPr marL="0" indent="274320" algn="ctr" defTabSz="914400" rtl="0" eaLnBrk="1" latinLnBrk="0" hangingPunct="1">
+                        <a:lnSpc>
+                          <a:spcPct val="115000"/>
+                        </a:lnSpc>
+                        <a:spcAft>
+                          <a:spcPts val="800"/>
+                        </a:spcAft>
+                      </a:pPr>
+                      <a:r>
+                        <a:rPr lang="en-CA" sz="1800" kern="1200" dirty="0" err="1">
+                          <a:solidFill>
+                            <a:schemeClr val="dk1"/>
+                          </a:solidFill>
+                          <a:effectLst/>
+                          <a:latin typeface="+mn-lt"/>
+                          <a:ea typeface="+mn-ea"/>
+                          <a:cs typeface="+mn-cs"/>
+                        </a:rPr>
+                        <a:t>schoolsup</a:t>
+                      </a:r>
+                      <a:endParaRPr lang="en-CA" sz="1800" kern="1200" dirty="0">
+                        <a:solidFill>
+                          <a:schemeClr val="dk1"/>
+                        </a:solidFill>
+                        <a:effectLst/>
+                        <a:latin typeface="+mn-lt"/>
+                        <a:ea typeface="+mn-ea"/>
+                        <a:cs typeface="+mn-cs"/>
+                      </a:endParaRPr>
+                    </a:p>
+                  </a:txBody>
+                  <a:tcPr marL="68580" marR="68580" marT="0" marB="0"/>
+                </a:tc>
+                <a:tc>
+                  <a:txBody>
+                    <a:bodyPr/>
+                    <a:lstStyle/>
+                    <a:p>
+                      <a:pPr marL="0" indent="274320" algn="ctr" defTabSz="914400" rtl="0" eaLnBrk="1" latinLnBrk="0" hangingPunct="1">
+                        <a:lnSpc>
+                          <a:spcPct val="115000"/>
+                        </a:lnSpc>
+                        <a:spcAft>
+                          <a:spcPts val="800"/>
+                        </a:spcAft>
+                      </a:pPr>
+                      <a:r>
+                        <a:rPr lang="en-CA" sz="1800" kern="1200" dirty="0">
+                          <a:solidFill>
+                            <a:schemeClr val="dk1"/>
+                          </a:solidFill>
+                          <a:effectLst/>
+                          <a:latin typeface="+mn-lt"/>
+                          <a:ea typeface="+mn-ea"/>
+                          <a:cs typeface="+mn-cs"/>
+                        </a:rPr>
+                        <a:t>extra educational support</a:t>
+                      </a:r>
+                    </a:p>
+                  </a:txBody>
+                  <a:tcPr marL="68580" marR="68580" marT="0" marB="0"/>
+                </a:tc>
+                <a:tc>
+                  <a:txBody>
+                    <a:bodyPr/>
+                    <a:lstStyle/>
+                    <a:p>
+                      <a:pPr marL="0" indent="274320" algn="ctr" defTabSz="914400" rtl="0" eaLnBrk="1" latinLnBrk="0" hangingPunct="1">
+                        <a:lnSpc>
+                          <a:spcPct val="115000"/>
+                        </a:lnSpc>
+                        <a:spcAft>
+                          <a:spcPts val="800"/>
+                        </a:spcAft>
+                      </a:pPr>
+                      <a:r>
+                        <a:rPr lang="en-CA" sz="1800" kern="1200" dirty="0">
+                          <a:solidFill>
+                            <a:schemeClr val="dk1"/>
+                          </a:solidFill>
+                          <a:effectLst/>
+                          <a:latin typeface="+mn-lt"/>
+                          <a:ea typeface="+mn-ea"/>
+                          <a:cs typeface="+mn-cs"/>
+                        </a:rPr>
+                        <a:t>binary: yes or no</a:t>
+                      </a:r>
+                    </a:p>
+                  </a:txBody>
+                  <a:tcPr marL="68580" marR="68580" marT="0" marB="0"/>
+                </a:tc>
+                <a:tc>
+                  <a:txBody>
+                    <a:bodyPr/>
+                    <a:lstStyle/>
+                    <a:p>
+                      <a:pPr marL="0" indent="274320" algn="ctr" defTabSz="914400" rtl="0" eaLnBrk="1" latinLnBrk="0" hangingPunct="1">
+                        <a:lnSpc>
+                          <a:spcPct val="115000"/>
+                        </a:lnSpc>
+                        <a:spcAft>
+                          <a:spcPts val="800"/>
+                        </a:spcAft>
+                      </a:pPr>
+                      <a:r>
+                        <a:rPr lang="en-CA" sz="1800" kern="1200" dirty="0">
+                          <a:solidFill>
+                            <a:schemeClr val="dk1"/>
+                          </a:solidFill>
+                          <a:effectLst/>
+                          <a:latin typeface="+mn-lt"/>
+                          <a:ea typeface="+mn-ea"/>
+                          <a:cs typeface="+mn-cs"/>
+                        </a:rPr>
+                        <a:t>Qualitative</a:t>
+                      </a:r>
+                    </a:p>
+                  </a:txBody>
+                  <a:tcPr marL="68580" marR="68580" marT="0" marB="0"/>
+                </a:tc>
+                <a:extLst>
+                  <a:ext uri="{0D108BD9-81ED-4DB2-BD59-A6C34878D82A}">
+                    <a16:rowId xmlns:a16="http://schemas.microsoft.com/office/drawing/2014/main" val="1985894313"/>
+                  </a:ext>
+                </a:extLst>
+              </a:tr>
+              <a:tr h="370840">
+                <a:tc>
+                  <a:txBody>
+                    <a:bodyPr/>
+                    <a:lstStyle/>
+                    <a:p>
+                      <a:pPr indent="274320" algn="ctr">
+                        <a:lnSpc>
+                          <a:spcPct val="115000"/>
+                        </a:lnSpc>
+                        <a:spcAft>
+                          <a:spcPts val="800"/>
+                        </a:spcAft>
+                      </a:pPr>
+                      <a:r>
+                        <a:rPr lang="en-CA" sz="1800" kern="1200" dirty="0">
+                          <a:solidFill>
+                            <a:schemeClr val="dk1"/>
+                          </a:solidFill>
+                          <a:effectLst/>
+                          <a:latin typeface="+mn-lt"/>
+                          <a:ea typeface="+mn-ea"/>
+                          <a:cs typeface="+mn-cs"/>
+                        </a:rPr>
+                        <a:t>higher</a:t>
+                      </a:r>
+                    </a:p>
+                  </a:txBody>
+                  <a:tcPr marL="68580" marR="68580" marT="0" marB="0"/>
+                </a:tc>
+                <a:tc>
+                  <a:txBody>
+                    <a:bodyPr/>
+                    <a:lstStyle/>
+                    <a:p>
+                      <a:pPr indent="274320" algn="ctr">
+                        <a:lnSpc>
+                          <a:spcPct val="115000"/>
+                        </a:lnSpc>
+                        <a:spcAft>
+                          <a:spcPts val="800"/>
+                        </a:spcAft>
+                      </a:pPr>
+                      <a:r>
+                        <a:rPr lang="en-CA" sz="1800" kern="1200">
+                          <a:solidFill>
+                            <a:schemeClr val="dk1"/>
+                          </a:solidFill>
+                          <a:effectLst/>
+                          <a:latin typeface="+mn-lt"/>
+                          <a:ea typeface="+mn-ea"/>
+                          <a:cs typeface="+mn-cs"/>
+                        </a:rPr>
+                        <a:t>wants to take higher education</a:t>
+                      </a:r>
+                    </a:p>
+                  </a:txBody>
+                  <a:tcPr marL="68580" marR="68580" marT="0" marB="0"/>
+                </a:tc>
+                <a:tc>
+                  <a:txBody>
+                    <a:bodyPr/>
+                    <a:lstStyle/>
+                    <a:p>
+                      <a:pPr indent="274320" algn="ctr">
+                        <a:lnSpc>
+                          <a:spcPct val="115000"/>
+                        </a:lnSpc>
+                        <a:spcAft>
+                          <a:spcPts val="800"/>
+                        </a:spcAft>
+                      </a:pPr>
+                      <a:r>
+                        <a:rPr lang="en-CA" sz="1800" kern="1200">
+                          <a:solidFill>
+                            <a:schemeClr val="dk1"/>
+                          </a:solidFill>
+                          <a:effectLst/>
+                          <a:latin typeface="+mn-lt"/>
+                          <a:ea typeface="+mn-ea"/>
+                          <a:cs typeface="+mn-cs"/>
+                        </a:rPr>
+                        <a:t>binary: yes or no</a:t>
+                      </a:r>
+                    </a:p>
+                  </a:txBody>
+                  <a:tcPr marL="68580" marR="68580" marT="0" marB="0"/>
+                </a:tc>
+                <a:tc>
+                  <a:txBody>
+                    <a:bodyPr/>
+                    <a:lstStyle/>
+                    <a:p>
+                      <a:pPr indent="274320" algn="ctr">
+                        <a:lnSpc>
+                          <a:spcPct val="115000"/>
+                        </a:lnSpc>
+                        <a:spcAft>
+                          <a:spcPts val="800"/>
+                        </a:spcAft>
+                      </a:pPr>
+                      <a:r>
+                        <a:rPr lang="en-CA" sz="1800" kern="1200" dirty="0">
+                          <a:solidFill>
+                            <a:schemeClr val="dk1"/>
+                          </a:solidFill>
+                          <a:effectLst/>
+                          <a:latin typeface="+mn-lt"/>
+                          <a:ea typeface="+mn-ea"/>
+                          <a:cs typeface="+mn-cs"/>
+                        </a:rPr>
+                        <a:t>Qualitative</a:t>
+                      </a:r>
+                    </a:p>
+                  </a:txBody>
+                  <a:tcPr marL="68580" marR="68580" marT="0" marB="0"/>
+                </a:tc>
+                <a:extLst>
+                  <a:ext uri="{0D108BD9-81ED-4DB2-BD59-A6C34878D82A}">
+                    <a16:rowId xmlns:a16="http://schemas.microsoft.com/office/drawing/2014/main" val="3749629582"/>
+                  </a:ext>
+                </a:extLst>
+              </a:tr>
+              <a:tr h="370840">
+                <a:tc>
+                  <a:txBody>
+                    <a:bodyPr/>
+                    <a:lstStyle/>
+                    <a:p>
+                      <a:pPr indent="274320" algn="ctr">
+                        <a:lnSpc>
+                          <a:spcPct val="115000"/>
+                        </a:lnSpc>
+                        <a:spcAft>
+                          <a:spcPts val="800"/>
+                        </a:spcAft>
+                      </a:pPr>
+                      <a:r>
+                        <a:rPr lang="en-CA" sz="1800" kern="1200" dirty="0">
+                          <a:solidFill>
+                            <a:schemeClr val="dk1"/>
+                          </a:solidFill>
+                          <a:effectLst/>
+                          <a:latin typeface="+mn-lt"/>
+                          <a:ea typeface="+mn-ea"/>
+                          <a:cs typeface="+mn-cs"/>
+                        </a:rPr>
+                        <a:t>health</a:t>
+                      </a:r>
+                    </a:p>
+                  </a:txBody>
+                  <a:tcPr marL="68580" marR="68580" marT="0" marB="0"/>
+                </a:tc>
+                <a:tc>
+                  <a:txBody>
+                    <a:bodyPr/>
+                    <a:lstStyle/>
+                    <a:p>
+                      <a:pPr indent="274320" algn="ctr">
+                        <a:lnSpc>
+                          <a:spcPct val="115000"/>
+                        </a:lnSpc>
+                        <a:spcAft>
+                          <a:spcPts val="800"/>
+                        </a:spcAft>
+                      </a:pPr>
+                      <a:r>
+                        <a:rPr lang="en-CA" sz="1800" kern="1200" dirty="0">
+                          <a:solidFill>
+                            <a:schemeClr val="dk1"/>
+                          </a:solidFill>
+                          <a:effectLst/>
+                          <a:latin typeface="+mn-lt"/>
+                          <a:ea typeface="+mn-ea"/>
+                          <a:cs typeface="+mn-cs"/>
+                        </a:rPr>
+                        <a:t>current health status</a:t>
+                      </a:r>
+                    </a:p>
+                  </a:txBody>
+                  <a:tcPr marL="68580" marR="68580" marT="0" marB="0"/>
+                </a:tc>
+                <a:tc>
+                  <a:txBody>
+                    <a:bodyPr/>
+                    <a:lstStyle/>
+                    <a:p>
+                      <a:pPr indent="274320" algn="ctr">
+                        <a:lnSpc>
+                          <a:spcPct val="115000"/>
+                        </a:lnSpc>
+                        <a:spcAft>
+                          <a:spcPts val="800"/>
+                        </a:spcAft>
+                      </a:pPr>
+                      <a:r>
+                        <a:rPr lang="en-CA" sz="1800" kern="1200">
+                          <a:solidFill>
+                            <a:schemeClr val="dk1"/>
+                          </a:solidFill>
+                          <a:effectLst/>
+                          <a:latin typeface="+mn-lt"/>
+                          <a:ea typeface="+mn-ea"/>
+                          <a:cs typeface="+mn-cs"/>
+                        </a:rPr>
+                        <a:t>numeric: from 1 - very bad to 5 - very good</a:t>
+                      </a:r>
+                    </a:p>
+                  </a:txBody>
+                  <a:tcPr marL="68580" marR="68580" marT="0" marB="0"/>
+                </a:tc>
+                <a:tc>
+                  <a:txBody>
+                    <a:bodyPr/>
+                    <a:lstStyle/>
+                    <a:p>
+                      <a:pPr indent="274320" algn="ctr">
+                        <a:lnSpc>
+                          <a:spcPct val="115000"/>
+                        </a:lnSpc>
+                        <a:spcAft>
+                          <a:spcPts val="800"/>
+                        </a:spcAft>
+                      </a:pPr>
+                      <a:r>
+                        <a:rPr lang="en-CA" sz="1800" kern="1200" dirty="0">
+                          <a:solidFill>
+                            <a:schemeClr val="dk1"/>
+                          </a:solidFill>
+                          <a:effectLst/>
+                          <a:latin typeface="+mn-lt"/>
+                          <a:ea typeface="+mn-ea"/>
+                          <a:cs typeface="+mn-cs"/>
+                        </a:rPr>
+                        <a:t>Qualitative</a:t>
+                      </a:r>
+                    </a:p>
+                  </a:txBody>
+                  <a:tcPr marL="68580" marR="68580" marT="0" marB="0"/>
+                </a:tc>
+                <a:extLst>
+                  <a:ext uri="{0D108BD9-81ED-4DB2-BD59-A6C34878D82A}">
+                    <a16:rowId xmlns:a16="http://schemas.microsoft.com/office/drawing/2014/main" val="499276136"/>
+                  </a:ext>
+                </a:extLst>
+              </a:tr>
+              <a:tr h="370840">
+                <a:tc>
+                  <a:txBody>
+                    <a:bodyPr/>
+                    <a:lstStyle/>
+                    <a:p>
+                      <a:pPr indent="274320" algn="ctr">
+                        <a:lnSpc>
+                          <a:spcPct val="115000"/>
+                        </a:lnSpc>
+                        <a:spcAft>
+                          <a:spcPts val="800"/>
+                        </a:spcAft>
+                      </a:pPr>
+                      <a:r>
+                        <a:rPr lang="en-CA" sz="1800" kern="1200" dirty="0">
+                          <a:solidFill>
+                            <a:schemeClr val="dk1"/>
+                          </a:solidFill>
+                          <a:effectLst/>
+                          <a:latin typeface="+mn-lt"/>
+                          <a:ea typeface="+mn-ea"/>
+                          <a:cs typeface="+mn-cs"/>
+                        </a:rPr>
+                        <a:t>romantic</a:t>
+                      </a:r>
+                    </a:p>
+                  </a:txBody>
+                  <a:tcPr marL="68580" marR="68580" marT="0" marB="0"/>
+                </a:tc>
+                <a:tc>
+                  <a:txBody>
+                    <a:bodyPr/>
+                    <a:lstStyle/>
+                    <a:p>
+                      <a:pPr indent="274320" algn="ctr">
+                        <a:lnSpc>
+                          <a:spcPct val="115000"/>
+                        </a:lnSpc>
+                        <a:spcAft>
+                          <a:spcPts val="800"/>
+                        </a:spcAft>
+                      </a:pPr>
+                      <a:r>
+                        <a:rPr lang="en-CA" sz="1800" kern="1200" dirty="0">
+                          <a:solidFill>
+                            <a:schemeClr val="dk1"/>
+                          </a:solidFill>
+                          <a:effectLst/>
+                          <a:latin typeface="+mn-lt"/>
+                          <a:ea typeface="+mn-ea"/>
+                          <a:cs typeface="+mn-cs"/>
+                        </a:rPr>
+                        <a:t>with a romantic relationship</a:t>
+                      </a:r>
+                    </a:p>
+                  </a:txBody>
+                  <a:tcPr marL="68580" marR="68580" marT="0" marB="0"/>
+                </a:tc>
+                <a:tc>
+                  <a:txBody>
+                    <a:bodyPr/>
+                    <a:lstStyle/>
+                    <a:p>
+                      <a:pPr indent="274320" algn="ctr">
+                        <a:lnSpc>
+                          <a:spcPct val="115000"/>
+                        </a:lnSpc>
+                        <a:spcAft>
+                          <a:spcPts val="800"/>
+                        </a:spcAft>
+                      </a:pPr>
+                      <a:r>
+                        <a:rPr lang="en-CA" sz="1800" kern="1200" dirty="0">
+                          <a:solidFill>
+                            <a:schemeClr val="dk1"/>
+                          </a:solidFill>
+                          <a:effectLst/>
+                          <a:latin typeface="+mn-lt"/>
+                          <a:ea typeface="+mn-ea"/>
+                          <a:cs typeface="+mn-cs"/>
+                        </a:rPr>
+                        <a:t>binary: yes or no</a:t>
+                      </a:r>
+                    </a:p>
+                  </a:txBody>
+                  <a:tcPr marL="68580" marR="68580" marT="0" marB="0"/>
+                </a:tc>
+                <a:tc>
+                  <a:txBody>
+                    <a:bodyPr/>
+                    <a:lstStyle/>
+                    <a:p>
+                      <a:pPr indent="274320" algn="ctr">
+                        <a:lnSpc>
+                          <a:spcPct val="115000"/>
+                        </a:lnSpc>
+                        <a:spcAft>
+                          <a:spcPts val="800"/>
+                        </a:spcAft>
+                      </a:pPr>
+                      <a:r>
+                        <a:rPr lang="en-CA" sz="1800" kern="1200" dirty="0">
+                          <a:solidFill>
+                            <a:schemeClr val="dk1"/>
+                          </a:solidFill>
+                          <a:effectLst/>
+                          <a:latin typeface="+mn-lt"/>
+                          <a:ea typeface="+mn-ea"/>
+                          <a:cs typeface="+mn-cs"/>
+                        </a:rPr>
+                        <a:t>Qualitative</a:t>
+                      </a:r>
+                    </a:p>
+                  </a:txBody>
+                  <a:tcPr marL="68580" marR="68580" marT="0" marB="0"/>
+                </a:tc>
+                <a:extLst>
+                  <a:ext uri="{0D108BD9-81ED-4DB2-BD59-A6C34878D82A}">
+                    <a16:rowId xmlns:a16="http://schemas.microsoft.com/office/drawing/2014/main" val="1532932296"/>
+                  </a:ext>
+                </a:extLst>
+              </a:tr>
+              <a:tr h="370840">
+                <a:tc>
+                  <a:txBody>
+                    <a:bodyPr/>
+                    <a:lstStyle/>
+                    <a:p>
+                      <a:pPr indent="274320" algn="ctr">
+                        <a:lnSpc>
+                          <a:spcPct val="115000"/>
+                        </a:lnSpc>
+                        <a:spcAft>
+                          <a:spcPts val="800"/>
+                        </a:spcAft>
+                      </a:pPr>
+                      <a:r>
+                        <a:rPr lang="en-CA" sz="1800" kern="1200" dirty="0">
+                          <a:solidFill>
+                            <a:schemeClr val="dk1"/>
+                          </a:solidFill>
+                          <a:effectLst/>
+                          <a:latin typeface="+mn-lt"/>
+                          <a:ea typeface="+mn-ea"/>
+                          <a:cs typeface="+mn-cs"/>
+                        </a:rPr>
+                        <a:t>G3</a:t>
+                      </a:r>
+                    </a:p>
+                  </a:txBody>
+                  <a:tcPr marL="68580" marR="68580" marT="0" marB="0"/>
+                </a:tc>
+                <a:tc>
+                  <a:txBody>
+                    <a:bodyPr/>
+                    <a:lstStyle/>
+                    <a:p>
+                      <a:pPr indent="274320" algn="ctr">
+                        <a:lnSpc>
+                          <a:spcPct val="115000"/>
+                        </a:lnSpc>
+                        <a:spcAft>
+                          <a:spcPts val="800"/>
+                        </a:spcAft>
+                      </a:pPr>
+                      <a:r>
+                        <a:rPr lang="en-CA" sz="1800" kern="1200">
+                          <a:solidFill>
+                            <a:schemeClr val="dk1"/>
+                          </a:solidFill>
+                          <a:effectLst/>
+                          <a:latin typeface="+mn-lt"/>
+                          <a:ea typeface="+mn-ea"/>
+                          <a:cs typeface="+mn-cs"/>
+                        </a:rPr>
+                        <a:t>final grade</a:t>
+                      </a:r>
+                    </a:p>
+                  </a:txBody>
+                  <a:tcPr marL="68580" marR="68580" marT="0" marB="0"/>
+                </a:tc>
+                <a:tc>
+                  <a:txBody>
+                    <a:bodyPr/>
+                    <a:lstStyle/>
+                    <a:p>
+                      <a:pPr indent="274320" algn="ctr">
+                        <a:lnSpc>
+                          <a:spcPct val="115000"/>
+                        </a:lnSpc>
+                        <a:spcAft>
+                          <a:spcPts val="800"/>
+                        </a:spcAft>
+                      </a:pPr>
+                      <a:r>
+                        <a:rPr lang="en-CA" sz="1800" kern="1200" dirty="0">
+                          <a:solidFill>
+                            <a:schemeClr val="dk1"/>
+                          </a:solidFill>
+                          <a:effectLst/>
+                          <a:latin typeface="+mn-lt"/>
+                          <a:ea typeface="+mn-ea"/>
+                          <a:cs typeface="+mn-cs"/>
+                        </a:rPr>
+                        <a:t>numeric: from 0 to 20, output target</a:t>
+                      </a:r>
+                    </a:p>
+                  </a:txBody>
+                  <a:tcPr marL="68580" marR="68580" marT="0" marB="0"/>
+                </a:tc>
+                <a:tc>
+                  <a:txBody>
+                    <a:bodyPr/>
+                    <a:lstStyle/>
+                    <a:p>
+                      <a:pPr indent="274320" algn="ctr">
+                        <a:lnSpc>
+                          <a:spcPct val="115000"/>
+                        </a:lnSpc>
+                        <a:spcAft>
+                          <a:spcPts val="800"/>
+                        </a:spcAft>
+                      </a:pPr>
+                      <a:r>
+                        <a:rPr lang="en-CA" sz="1800" kern="1200" dirty="0">
+                          <a:solidFill>
+                            <a:schemeClr val="dk1"/>
+                          </a:solidFill>
+                          <a:effectLst/>
+                          <a:latin typeface="+mn-lt"/>
+                          <a:ea typeface="+mn-ea"/>
+                          <a:cs typeface="+mn-cs"/>
+                        </a:rPr>
+                        <a:t>Quantitative</a:t>
+                      </a:r>
+                    </a:p>
+                  </a:txBody>
+                  <a:tcPr marL="68580" marR="68580" marT="0" marB="0"/>
+                </a:tc>
+                <a:extLst>
+                  <a:ext uri="{0D108BD9-81ED-4DB2-BD59-A6C34878D82A}">
+                    <a16:rowId xmlns:a16="http://schemas.microsoft.com/office/drawing/2014/main" val="1434483812"/>
+                  </a:ext>
+                </a:extLst>
+              </a:tr>
+            </a:tbl>
+          </a:graphicData>
+        </a:graphic>
+      </p:graphicFrame>
+      <p:sp>
+        <p:nvSpPr>
+          <p:cNvPr id="5" name="TextBox 4">
+            <a:extLst>
+              <a:ext uri="{FF2B5EF4-FFF2-40B4-BE49-F238E27FC236}">
+                <a16:creationId xmlns:a16="http://schemas.microsoft.com/office/drawing/2014/main" id="{2E51CA9B-0935-593D-62A2-41AC7EEAFDE6}"/>
+              </a:ext>
+            </a:extLst>
+          </p:cNvPr>
+          <p:cNvSpPr txBox="1"/>
+          <p:nvPr/>
+        </p:nvSpPr>
+        <p:spPr>
+          <a:xfrm>
+            <a:off x="3367668" y="5542156"/>
+            <a:ext cx="5456663" cy="461665"/>
+          </a:xfrm>
+          <a:prstGeom prst="rect">
+            <a:avLst/>
+          </a:prstGeom>
+          <a:noFill/>
+        </p:spPr>
+        <p:txBody>
+          <a:bodyPr wrap="square" rtlCol="0">
+            <a:spAutoFit/>
+          </a:bodyPr>
+          <a:lstStyle/>
+          <a:p>
+            <a:r>
+              <a:rPr lang="en-US" sz="2400" dirty="0"/>
+              <a:t>Some of the variables from our dataset</a:t>
+            </a:r>
+          </a:p>
+        </p:txBody>
+      </p:sp>
+    </p:spTree>
+    <p:extLst>
+      <p:ext uri="{BB962C8B-B14F-4D97-AF65-F5344CB8AC3E}">
+        <p14:creationId xmlns:p14="http://schemas.microsoft.com/office/powerpoint/2010/main" val="1146617730"/>
+      </p:ext>
+    </p:extLst>
+  </p:cSld>
+  <p:clrMapOvr>
+    <a:masterClrMapping/>
+  </p:clrMapOvr>
+</p:sld>
+</file>
+
+<file path=ppt/slides/slide5.xml><?xml version="1.0" encoding="utf-8"?>
+<p:sld xmlns:a="http://schemas.openxmlformats.org/drawingml/2006/main" xmlns:r="http://schemas.openxmlformats.org/officeDocument/2006/relationships" xmlns:p="http://schemas.openxmlformats.org/presentationml/2006/main">
+  <p:cSld>
+    <p:spTree>
+      <p:nvGrpSpPr>
+        <p:cNvPr id="1" name=""/>
+        <p:cNvGrpSpPr/>
+        <p:nvPr/>
+      </p:nvGrpSpPr>
+      <p:grpSpPr>
+        <a:xfrm>
+          <a:off x="0" y="0"/>
+          <a:ext cx="0" cy="0"/>
+          <a:chOff x="0" y="0"/>
+          <a:chExt cx="0" cy="0"/>
+        </a:xfrm>
+      </p:grpSpPr>
+      <p:sp>
+        <p:nvSpPr>
+          <p:cNvPr id="2" name="Title 1">
+            <a:extLst>
+              <a:ext uri="{FF2B5EF4-FFF2-40B4-BE49-F238E27FC236}">
+                <a16:creationId xmlns:a16="http://schemas.microsoft.com/office/drawing/2014/main" id="{E8B1D40B-A410-FACE-4FF0-EFAAD5BBC61D}"/>
+              </a:ext>
+            </a:extLst>
+          </p:cNvPr>
+          <p:cNvSpPr>
+            <a:spLocks noGrp="1"/>
+          </p:cNvSpPr>
+          <p:nvPr>
+            <p:ph type="title"/>
+          </p:nvPr>
+        </p:nvSpPr>
+        <p:spPr/>
+        <p:txBody>
+          <a:bodyPr/>
+          <a:lstStyle/>
+          <a:p>
+            <a:r>
+              <a:rPr lang="en-US" dirty="0"/>
+              <a:t>Methodology</a:t>
+            </a:r>
+          </a:p>
+        </p:txBody>
+      </p:sp>
+      <p:sp>
+        <p:nvSpPr>
+          <p:cNvPr id="3" name="Content Placeholder 2">
+            <a:extLst>
+              <a:ext uri="{FF2B5EF4-FFF2-40B4-BE49-F238E27FC236}">
+                <a16:creationId xmlns:a16="http://schemas.microsoft.com/office/drawing/2014/main" id="{CC0C832C-3320-3E87-EF5C-0BE7C728F707}"/>
+              </a:ext>
+            </a:extLst>
+          </p:cNvPr>
+          <p:cNvSpPr>
+            <a:spLocks noGrp="1"/>
+          </p:cNvSpPr>
+          <p:nvPr>
+            <p:ph idx="1"/>
+          </p:nvPr>
+        </p:nvSpPr>
+        <p:spPr/>
+        <p:txBody>
+          <a:bodyPr/>
+          <a:lstStyle/>
+          <a:p>
+            <a:pPr marL="342900" lvl="0" indent="-342900">
+              <a:lnSpc>
+                <a:spcPct val="115000"/>
+              </a:lnSpc>
+              <a:buFont typeface="+mj-lt"/>
+              <a:buAutoNum type="arabicPeriod"/>
+            </a:pPr>
+            <a:r>
+              <a:rPr lang="en-CA" sz="1800" kern="100" dirty="0">
+                <a:effectLst/>
+                <a:latin typeface="Aptos" panose="020B0004020202020204" pitchFamily="34" charset="0"/>
+                <a:ea typeface="Malgun Gothic" panose="020B0503020000020004" pitchFamily="34" charset="-127"/>
+                <a:cs typeface="Times New Roman" panose="02020603050405020304" pitchFamily="18" charset="0"/>
+              </a:rPr>
+              <a:t>Build full additive model.</a:t>
+            </a:r>
+          </a:p>
+          <a:p>
+            <a:pPr marL="342900" lvl="0" indent="-342900">
+              <a:lnSpc>
+                <a:spcPct val="115000"/>
+              </a:lnSpc>
+              <a:buFont typeface="+mj-lt"/>
+              <a:buAutoNum type="arabicPeriod"/>
+            </a:pPr>
+            <a:r>
+              <a:rPr lang="en-CA" sz="1800" kern="100" dirty="0">
+                <a:effectLst/>
+                <a:latin typeface="Aptos" panose="020B0004020202020204" pitchFamily="34" charset="0"/>
+                <a:ea typeface="Malgun Gothic" panose="020B0503020000020004" pitchFamily="34" charset="-127"/>
+                <a:cs typeface="Times New Roman" panose="02020603050405020304" pitchFamily="18" charset="0"/>
+              </a:rPr>
+              <a:t>Use forward selection procedure to find significant variables.</a:t>
+            </a:r>
+          </a:p>
+          <a:p>
+            <a:pPr marL="342900" lvl="0" indent="-342900">
+              <a:lnSpc>
+                <a:spcPct val="115000"/>
+              </a:lnSpc>
+              <a:buFont typeface="+mj-lt"/>
+              <a:buAutoNum type="arabicPeriod"/>
+            </a:pPr>
+            <a:r>
+              <a:rPr lang="en-CA" sz="1800" kern="100" dirty="0">
+                <a:effectLst/>
+                <a:latin typeface="Aptos" panose="020B0004020202020204" pitchFamily="34" charset="0"/>
+                <a:ea typeface="Malgun Gothic" panose="020B0503020000020004" pitchFamily="34" charset="-127"/>
+                <a:cs typeface="Times New Roman" panose="02020603050405020304" pitchFamily="18" charset="0"/>
+              </a:rPr>
+              <a:t>Compare Full model with Final Additive model.</a:t>
+            </a:r>
+          </a:p>
+          <a:p>
+            <a:pPr marL="342900" lvl="0" indent="-342900">
+              <a:lnSpc>
+                <a:spcPct val="115000"/>
+              </a:lnSpc>
+              <a:buFont typeface="+mj-lt"/>
+              <a:buAutoNum type="arabicPeriod"/>
+            </a:pPr>
+            <a:r>
+              <a:rPr lang="en-CA" sz="1800" kern="100" dirty="0">
+                <a:effectLst/>
+                <a:latin typeface="Aptos" panose="020B0004020202020204" pitchFamily="34" charset="0"/>
+                <a:ea typeface="Malgun Gothic" panose="020B0503020000020004" pitchFamily="34" charset="-127"/>
+                <a:cs typeface="Times New Roman" panose="02020603050405020304" pitchFamily="18" charset="0"/>
+              </a:rPr>
+              <a:t>Check for interaction between variables and higher order terms.</a:t>
+            </a:r>
+          </a:p>
+          <a:p>
+            <a:pPr marL="342900" lvl="0" indent="-342900">
+              <a:lnSpc>
+                <a:spcPct val="115000"/>
+              </a:lnSpc>
+              <a:buFont typeface="+mj-lt"/>
+              <a:buAutoNum type="arabicPeriod"/>
+            </a:pPr>
+            <a:r>
+              <a:rPr lang="en-CA" sz="1800" kern="100" dirty="0">
+                <a:effectLst/>
+                <a:latin typeface="Aptos" panose="020B0004020202020204" pitchFamily="34" charset="0"/>
+                <a:ea typeface="Malgun Gothic" panose="020B0503020000020004" pitchFamily="34" charset="-127"/>
+                <a:cs typeface="Times New Roman" panose="02020603050405020304" pitchFamily="18" charset="0"/>
+              </a:rPr>
+              <a:t>Check usability of final model</a:t>
+            </a:r>
+          </a:p>
+          <a:p>
+            <a:pPr marL="342900" lvl="0" indent="-342900">
+              <a:lnSpc>
+                <a:spcPct val="115000"/>
+              </a:lnSpc>
+              <a:spcAft>
+                <a:spcPts val="800"/>
+              </a:spcAft>
+              <a:buFont typeface="+mj-lt"/>
+              <a:buAutoNum type="arabicPeriod"/>
+            </a:pPr>
+            <a:r>
+              <a:rPr lang="en-CA" sz="1800" kern="100" dirty="0">
+                <a:effectLst/>
+                <a:latin typeface="Aptos" panose="020B0004020202020204" pitchFamily="34" charset="0"/>
+                <a:ea typeface="Malgun Gothic" panose="020B0503020000020004" pitchFamily="34" charset="-127"/>
+                <a:cs typeface="Times New Roman" panose="02020603050405020304" pitchFamily="18" charset="0"/>
+              </a:rPr>
+              <a:t>Provide final model for G3.</a:t>
+            </a:r>
+          </a:p>
+          <a:p>
+            <a:pPr marL="342900" indent="-342900">
+              <a:lnSpc>
+                <a:spcPct val="115000"/>
+              </a:lnSpc>
+              <a:spcAft>
+                <a:spcPts val="800"/>
+              </a:spcAft>
+              <a:buFont typeface="+mj-lt"/>
+              <a:buAutoNum type="arabicPeriod"/>
+            </a:pPr>
+            <a:r>
+              <a:rPr lang="en-CA" sz="1800" kern="100" dirty="0">
+                <a:effectLst/>
+                <a:latin typeface="Aptos" panose="020B0004020202020204" pitchFamily="34" charset="0"/>
+                <a:ea typeface="Malgun Gothic" panose="020B0503020000020004" pitchFamily="34" charset="-127"/>
+                <a:cs typeface="Times New Roman" panose="02020603050405020304" pitchFamily="18" charset="0"/>
+              </a:rPr>
+              <a:t>Verify assumptions for multi-linear regression model.</a:t>
+            </a:r>
+          </a:p>
+        </p:txBody>
+      </p:sp>
+    </p:spTree>
+    <p:extLst>
+      <p:ext uri="{BB962C8B-B14F-4D97-AF65-F5344CB8AC3E}">
+        <p14:creationId xmlns:p14="http://schemas.microsoft.com/office/powerpoint/2010/main" val="1502845057"/>
+      </p:ext>
+    </p:extLst>
+  </p:cSld>
+  <p:clrMapOvr>
+    <a:masterClrMapping/>
+  </p:clrMapOvr>
+</p:sld>
+</file>
+
+<file path=ppt/slides/slide6.xml><?xml version="1.0" encoding="utf-8"?>
+<p:sld xmlns:a="http://schemas.openxmlformats.org/drawingml/2006/main" xmlns:r="http://schemas.openxmlformats.org/officeDocument/2006/relationships" xmlns:p="http://schemas.openxmlformats.org/presentationml/2006/main">
+  <p:cSld>
+    <p:spTree>
+      <p:nvGrpSpPr>
+        <p:cNvPr id="1" name=""/>
+        <p:cNvGrpSpPr/>
+        <p:nvPr/>
+      </p:nvGrpSpPr>
+      <p:grpSpPr>
+        <a:xfrm>
+          <a:off x="0" y="0"/>
+          <a:ext cx="0" cy="0"/>
+          <a:chOff x="0" y="0"/>
+          <a:chExt cx="0" cy="0"/>
+        </a:xfrm>
+      </p:grpSpPr>
+      <p:sp>
+        <p:nvSpPr>
+          <p:cNvPr id="2" name="Title 1">
+            <a:extLst>
+              <a:ext uri="{FF2B5EF4-FFF2-40B4-BE49-F238E27FC236}">
+                <a16:creationId xmlns:a16="http://schemas.microsoft.com/office/drawing/2014/main" id="{ED576D88-9382-52E2-FF7D-ECD02CE27324}"/>
+              </a:ext>
+            </a:extLst>
+          </p:cNvPr>
+          <p:cNvSpPr>
+            <a:spLocks noGrp="1"/>
+          </p:cNvSpPr>
+          <p:nvPr>
+            <p:ph type="title"/>
+          </p:nvPr>
+        </p:nvSpPr>
+        <p:spPr/>
+        <p:txBody>
+          <a:bodyPr/>
+          <a:lstStyle/>
+          <a:p>
+            <a:r>
+              <a:rPr lang="en-US" dirty="0"/>
+              <a:t>Model Building</a:t>
+            </a:r>
+          </a:p>
+        </p:txBody>
+      </p:sp>
+      <p:sp>
+        <p:nvSpPr>
+          <p:cNvPr id="3" name="Content Placeholder 2">
+            <a:extLst>
+              <a:ext uri="{FF2B5EF4-FFF2-40B4-BE49-F238E27FC236}">
+                <a16:creationId xmlns:a16="http://schemas.microsoft.com/office/drawing/2014/main" id="{3861DC0B-954F-4D28-A068-AA73BD3FE18D}"/>
+              </a:ext>
+            </a:extLst>
+          </p:cNvPr>
+          <p:cNvSpPr>
+            <a:spLocks noGrp="1"/>
+          </p:cNvSpPr>
+          <p:nvPr>
+            <p:ph idx="1"/>
+          </p:nvPr>
+        </p:nvSpPr>
+        <p:spPr/>
+        <p:txBody>
+          <a:bodyPr/>
+          <a:lstStyle/>
+          <a:p>
+            <a:endParaRPr lang="en-US" dirty="0"/>
+          </a:p>
+        </p:txBody>
+      </p:sp>
+    </p:spTree>
+    <p:extLst>
+      <p:ext uri="{BB962C8B-B14F-4D97-AF65-F5344CB8AC3E}">
+        <p14:creationId xmlns:p14="http://schemas.microsoft.com/office/powerpoint/2010/main" val="2372714253"/>
+      </p:ext>
+    </p:extLst>
+  </p:cSld>
+  <p:clrMapOvr>
+    <a:masterClrMapping/>
+  </p:clrMapOvr>
+</p:sld>
+</file>
+
+<file path=ppt/slides/slide7.xml><?xml version="1.0" encoding="utf-8"?>
+<p:sld xmlns:a="http://schemas.openxmlformats.org/drawingml/2006/main" xmlns:r="http://schemas.openxmlformats.org/officeDocument/2006/relationships" xmlns:p="http://schemas.openxmlformats.org/presentationml/2006/main">
+  <p:cSld>
+    <p:spTree>
+      <p:nvGrpSpPr>
+        <p:cNvPr id="1" name=""/>
+        <p:cNvGrpSpPr/>
+        <p:nvPr/>
+      </p:nvGrpSpPr>
+      <p:grpSpPr>
+        <a:xfrm>
+          <a:off x="0" y="0"/>
+          <a:ext cx="0" cy="0"/>
+          <a:chOff x="0" y="0"/>
+          <a:chExt cx="0" cy="0"/>
+        </a:xfrm>
+      </p:grpSpPr>
+      <p:sp>
+        <p:nvSpPr>
+          <p:cNvPr id="2" name="Title 1">
+            <a:extLst>
+              <a:ext uri="{FF2B5EF4-FFF2-40B4-BE49-F238E27FC236}">
+                <a16:creationId xmlns:a16="http://schemas.microsoft.com/office/drawing/2014/main" id="{8C544C38-D035-3558-FE16-B83BFA9C53EF}"/>
+              </a:ext>
+            </a:extLst>
+          </p:cNvPr>
+          <p:cNvSpPr>
+            <a:spLocks noGrp="1"/>
+          </p:cNvSpPr>
+          <p:nvPr>
+            <p:ph type="title"/>
+          </p:nvPr>
+        </p:nvSpPr>
+        <p:spPr/>
+        <p:txBody>
+          <a:bodyPr/>
+          <a:lstStyle/>
+          <a:p>
+            <a:r>
+              <a:rPr lang="en-US" dirty="0"/>
+              <a:t>Interaction &amp; Higher Order Model</a:t>
+            </a:r>
+          </a:p>
+        </p:txBody>
+      </p:sp>
+      <p:sp>
+        <p:nvSpPr>
+          <p:cNvPr id="3" name="Content Placeholder 2">
+            <a:extLst>
+              <a:ext uri="{FF2B5EF4-FFF2-40B4-BE49-F238E27FC236}">
+                <a16:creationId xmlns:a16="http://schemas.microsoft.com/office/drawing/2014/main" id="{D652947B-A0E2-455E-BCE5-B0C409F6E180}"/>
+              </a:ext>
+            </a:extLst>
+          </p:cNvPr>
+          <p:cNvSpPr>
+            <a:spLocks noGrp="1"/>
+          </p:cNvSpPr>
+          <p:nvPr>
+            <p:ph idx="1"/>
+          </p:nvPr>
+        </p:nvSpPr>
+        <p:spPr/>
+        <p:txBody>
+          <a:bodyPr/>
+          <a:lstStyle/>
+          <a:p>
+            <a:endParaRPr lang="en-US"/>
+          </a:p>
+        </p:txBody>
+      </p:sp>
+    </p:spTree>
+    <p:extLst>
+      <p:ext uri="{BB962C8B-B14F-4D97-AF65-F5344CB8AC3E}">
+        <p14:creationId xmlns:p14="http://schemas.microsoft.com/office/powerpoint/2010/main" val="3586025615"/>
+      </p:ext>
+    </p:extLst>
+  </p:cSld>
+  <p:clrMapOvr>
+    <a:masterClrMapping/>
+  </p:clrMapOvr>
+</p:sld>
+</file>
+
+<file path=ppt/slides/slide8.xml><?xml version="1.0" encoding="utf-8"?>
+<p:sld xmlns:a="http://schemas.openxmlformats.org/drawingml/2006/main" xmlns:r="http://schemas.openxmlformats.org/officeDocument/2006/relationships" xmlns:p="http://schemas.openxmlformats.org/presentationml/2006/main">
+  <p:cSld>
+    <p:spTree>
+      <p:nvGrpSpPr>
+        <p:cNvPr id="1" name=""/>
+        <p:cNvGrpSpPr/>
+        <p:nvPr/>
+      </p:nvGrpSpPr>
+      <p:grpSpPr>
+        <a:xfrm>
+          <a:off x="0" y="0"/>
+          <a:ext cx="0" cy="0"/>
+          <a:chOff x="0" y="0"/>
+          <a:chExt cx="0" cy="0"/>
+        </a:xfrm>
+      </p:grpSpPr>
+      <p:sp>
+        <p:nvSpPr>
+          <p:cNvPr id="2" name="Title 1">
+            <a:extLst>
+              <a:ext uri="{FF2B5EF4-FFF2-40B4-BE49-F238E27FC236}">
+                <a16:creationId xmlns:a16="http://schemas.microsoft.com/office/drawing/2014/main" id="{D3E3AADC-06C4-DC99-D496-8438D5B68644}"/>
+              </a:ext>
+            </a:extLst>
+          </p:cNvPr>
+          <p:cNvSpPr>
+            <a:spLocks noGrp="1"/>
+          </p:cNvSpPr>
+          <p:nvPr>
+            <p:ph type="title"/>
+          </p:nvPr>
+        </p:nvSpPr>
+        <p:spPr/>
+        <p:txBody>
+          <a:bodyPr/>
+          <a:lstStyle/>
+          <a:p>
+            <a:r>
+              <a:rPr lang="en-US" dirty="0"/>
+              <a:t>Assumption Verification</a:t>
+            </a:r>
+          </a:p>
+        </p:txBody>
+      </p:sp>
+      <p:sp>
+        <p:nvSpPr>
+          <p:cNvPr id="3" name="Content Placeholder 2">
+            <a:extLst>
+              <a:ext uri="{FF2B5EF4-FFF2-40B4-BE49-F238E27FC236}">
+                <a16:creationId xmlns:a16="http://schemas.microsoft.com/office/drawing/2014/main" id="{721174EB-60EA-56D0-655F-741509E329DB}"/>
+              </a:ext>
+            </a:extLst>
+          </p:cNvPr>
+          <p:cNvSpPr>
+            <a:spLocks noGrp="1"/>
+          </p:cNvSpPr>
+          <p:nvPr>
+            <p:ph idx="1"/>
+          </p:nvPr>
+        </p:nvSpPr>
+        <p:spPr/>
+        <p:txBody>
+          <a:bodyPr/>
+          <a:lstStyle/>
+          <a:p>
+            <a:pPr marL="514350" indent="-514350">
+              <a:buFont typeface="+mj-lt"/>
+              <a:buAutoNum type="arabicPeriod"/>
+            </a:pPr>
+            <a:r>
+              <a:rPr lang="en-US" dirty="0"/>
+              <a:t>Linearity Assumption</a:t>
+            </a:r>
+          </a:p>
+          <a:p>
+            <a:pPr marL="514350" indent="-514350">
+              <a:buFont typeface="+mj-lt"/>
+              <a:buAutoNum type="arabicPeriod"/>
+            </a:pPr>
+            <a:r>
+              <a:rPr lang="en-US" dirty="0"/>
+              <a:t>Equal Variance Assumption</a:t>
+            </a:r>
+          </a:p>
+          <a:p>
+            <a:pPr marL="514350" indent="-514350">
+              <a:buFont typeface="+mj-lt"/>
+              <a:buAutoNum type="arabicPeriod"/>
+            </a:pPr>
+            <a:r>
+              <a:rPr lang="en-US" dirty="0"/>
+              <a:t>Normality Assumption</a:t>
+            </a:r>
+          </a:p>
+          <a:p>
+            <a:pPr marL="514350" indent="-514350">
+              <a:buFont typeface="+mj-lt"/>
+              <a:buAutoNum type="arabicPeriod"/>
+            </a:pPr>
+            <a:r>
+              <a:rPr lang="en-US" dirty="0"/>
+              <a:t>Independence Assumption</a:t>
+            </a:r>
+          </a:p>
+          <a:p>
+            <a:pPr marL="514350" indent="-514350">
+              <a:buFont typeface="+mj-lt"/>
+              <a:buAutoNum type="arabicPeriod"/>
+            </a:pPr>
+            <a:r>
+              <a:rPr lang="en-US" dirty="0"/>
+              <a:t>Multi-Collinearity</a:t>
+            </a:r>
+          </a:p>
+          <a:p>
+            <a:pPr marL="514350" indent="-514350">
+              <a:buFont typeface="+mj-lt"/>
+              <a:buAutoNum type="arabicPeriod"/>
+            </a:pPr>
+            <a:r>
+              <a:rPr lang="en-US" dirty="0"/>
+              <a:t>Outliers</a:t>
+            </a:r>
+          </a:p>
+        </p:txBody>
+      </p:sp>
+    </p:spTree>
+    <p:extLst>
+      <p:ext uri="{BB962C8B-B14F-4D97-AF65-F5344CB8AC3E}">
+        <p14:creationId xmlns:p14="http://schemas.microsoft.com/office/powerpoint/2010/main" val="1486859568"/>
+      </p:ext>
+    </p:extLst>
+  </p:cSld>
+  <p:clrMapOvr>
+    <a:masterClrMapping/>
+  </p:clrMapOvr>
+</p:sld>
+</file>
+
+<file path=ppt/slides/slide9.xml><?xml version="1.0" encoding="utf-8"?>
+<p:sld xmlns:a="http://schemas.openxmlformats.org/drawingml/2006/main" xmlns:r="http://schemas.openxmlformats.org/officeDocument/2006/relationships" xmlns:p="http://schemas.openxmlformats.org/presentationml/2006/main">
+  <p:cSld>
+    <p:spTree>
+      <p:nvGrpSpPr>
+        <p:cNvPr id="1" name=""/>
+        <p:cNvGrpSpPr/>
+        <p:nvPr/>
+      </p:nvGrpSpPr>
+      <p:grpSpPr>
+        <a:xfrm>
+          <a:off x="0" y="0"/>
+          <a:ext cx="0" cy="0"/>
+          <a:chOff x="0" y="0"/>
+          <a:chExt cx="0" cy="0"/>
+        </a:xfrm>
+      </p:grpSpPr>
+      <p:sp>
+        <p:nvSpPr>
+          <p:cNvPr id="2" name="Title 1">
+            <a:extLst>
+              <a:ext uri="{FF2B5EF4-FFF2-40B4-BE49-F238E27FC236}">
+                <a16:creationId xmlns:a16="http://schemas.microsoft.com/office/drawing/2014/main" id="{B38DF1EC-0A54-5FDA-1560-BD71ED1E94FA}"/>
+              </a:ext>
+            </a:extLst>
+          </p:cNvPr>
+          <p:cNvSpPr>
+            <a:spLocks noGrp="1"/>
+          </p:cNvSpPr>
+          <p:nvPr>
+            <p:ph type="title"/>
+          </p:nvPr>
+        </p:nvSpPr>
+        <p:spPr/>
+        <p:txBody>
+          <a:bodyPr/>
+          <a:lstStyle/>
+          <a:p>
+            <a:endParaRPr lang="en-US" dirty="0"/>
+          </a:p>
+        </p:txBody>
+      </p:sp>
+      <p:sp>
+        <p:nvSpPr>
+          <p:cNvPr id="3" name="Content Placeholder 2">
+            <a:extLst>
+              <a:ext uri="{FF2B5EF4-FFF2-40B4-BE49-F238E27FC236}">
+                <a16:creationId xmlns:a16="http://schemas.microsoft.com/office/drawing/2014/main" id="{87881F5F-6130-443C-8192-D2120AAB4FC9}"/>
+              </a:ext>
+            </a:extLst>
+          </p:cNvPr>
+          <p:cNvSpPr>
+            <a:spLocks noGrp="1"/>
+          </p:cNvSpPr>
+          <p:nvPr>
+            <p:ph idx="1"/>
+          </p:nvPr>
+        </p:nvSpPr>
+        <p:spPr/>
+        <p:txBody>
+          <a:bodyPr/>
+          <a:lstStyle/>
+          <a:p>
+            <a:endParaRPr lang="en-US"/>
+          </a:p>
+        </p:txBody>
+      </p:sp>
+    </p:spTree>
+    <p:extLst>
+      <p:ext uri="{BB962C8B-B14F-4D97-AF65-F5344CB8AC3E}">
+        <p14:creationId xmlns:p14="http://schemas.microsoft.com/office/powerpoint/2010/main" val="2871423988"/>
       </p:ext>
     </p:extLst>
   </p:cSld>

--- a/Final_Presentation.pptx
+++ b/Final_Presentation.pptx
@@ -11,12 +11,19 @@
     <p:sldId id="259" r:id="rId5"/>
     <p:sldId id="260" r:id="rId6"/>
     <p:sldId id="261" r:id="rId7"/>
-    <p:sldId id="262" r:id="rId8"/>
-    <p:sldId id="263" r:id="rId9"/>
-    <p:sldId id="264" r:id="rId10"/>
-    <p:sldId id="265" r:id="rId11"/>
-    <p:sldId id="266" r:id="rId12"/>
-    <p:sldId id="267" r:id="rId13"/>
+    <p:sldId id="268" r:id="rId8"/>
+    <p:sldId id="269" r:id="rId9"/>
+    <p:sldId id="270" r:id="rId10"/>
+    <p:sldId id="271" r:id="rId11"/>
+    <p:sldId id="262" r:id="rId12"/>
+    <p:sldId id="273" r:id="rId13"/>
+    <p:sldId id="274" r:id="rId14"/>
+    <p:sldId id="275" r:id="rId15"/>
+    <p:sldId id="263" r:id="rId16"/>
+    <p:sldId id="264" r:id="rId17"/>
+    <p:sldId id="265" r:id="rId18"/>
+    <p:sldId id="266" r:id="rId19"/>
+    <p:sldId id="267" r:id="rId20"/>
   </p:sldIdLst>
   <p:sldSz cx="12192000" cy="6858000"/>
   <p:notesSz cx="6858000" cy="9144000"/>
@@ -270,7 +277,7 @@
           <a:p>
             <a:fld id="{F1D0BAB6-1FA9-5040-A287-CC96FBD3FD19}" type="datetimeFigureOut">
               <a:rPr lang="en-US" smtClean="0"/>
-              <a:t>4/6/24</a:t>
+              <a:t>4/7/2024</a:t>
             </a:fld>
             <a:endParaRPr lang="en-US"/>
           </a:p>
@@ -468,7 +475,7 @@
           <a:p>
             <a:fld id="{F1D0BAB6-1FA9-5040-A287-CC96FBD3FD19}" type="datetimeFigureOut">
               <a:rPr lang="en-US" smtClean="0"/>
-              <a:t>4/6/24</a:t>
+              <a:t>4/7/2024</a:t>
             </a:fld>
             <a:endParaRPr lang="en-US"/>
           </a:p>
@@ -676,7 +683,7 @@
           <a:p>
             <a:fld id="{F1D0BAB6-1FA9-5040-A287-CC96FBD3FD19}" type="datetimeFigureOut">
               <a:rPr lang="en-US" smtClean="0"/>
-              <a:t>4/6/24</a:t>
+              <a:t>4/7/2024</a:t>
             </a:fld>
             <a:endParaRPr lang="en-US"/>
           </a:p>
@@ -874,7 +881,7 @@
           <a:p>
             <a:fld id="{F1D0BAB6-1FA9-5040-A287-CC96FBD3FD19}" type="datetimeFigureOut">
               <a:rPr lang="en-US" smtClean="0"/>
-              <a:t>4/6/24</a:t>
+              <a:t>4/7/2024</a:t>
             </a:fld>
             <a:endParaRPr lang="en-US"/>
           </a:p>
@@ -1149,7 +1156,7 @@
           <a:p>
             <a:fld id="{F1D0BAB6-1FA9-5040-A287-CC96FBD3FD19}" type="datetimeFigureOut">
               <a:rPr lang="en-US" smtClean="0"/>
-              <a:t>4/6/24</a:t>
+              <a:t>4/7/2024</a:t>
             </a:fld>
             <a:endParaRPr lang="en-US"/>
           </a:p>
@@ -1414,7 +1421,7 @@
           <a:p>
             <a:fld id="{F1D0BAB6-1FA9-5040-A287-CC96FBD3FD19}" type="datetimeFigureOut">
               <a:rPr lang="en-US" smtClean="0"/>
-              <a:t>4/6/24</a:t>
+              <a:t>4/7/2024</a:t>
             </a:fld>
             <a:endParaRPr lang="en-US"/>
           </a:p>
@@ -1826,7 +1833,7 @@
           <a:p>
             <a:fld id="{F1D0BAB6-1FA9-5040-A287-CC96FBD3FD19}" type="datetimeFigureOut">
               <a:rPr lang="en-US" smtClean="0"/>
-              <a:t>4/6/24</a:t>
+              <a:t>4/7/2024</a:t>
             </a:fld>
             <a:endParaRPr lang="en-US"/>
           </a:p>
@@ -1967,7 +1974,7 @@
           <a:p>
             <a:fld id="{F1D0BAB6-1FA9-5040-A287-CC96FBD3FD19}" type="datetimeFigureOut">
               <a:rPr lang="en-US" smtClean="0"/>
-              <a:t>4/6/24</a:t>
+              <a:t>4/7/2024</a:t>
             </a:fld>
             <a:endParaRPr lang="en-US"/>
           </a:p>
@@ -2080,7 +2087,7 @@
           <a:p>
             <a:fld id="{F1D0BAB6-1FA9-5040-A287-CC96FBD3FD19}" type="datetimeFigureOut">
               <a:rPr lang="en-US" smtClean="0"/>
-              <a:t>4/6/24</a:t>
+              <a:t>4/7/2024</a:t>
             </a:fld>
             <a:endParaRPr lang="en-US"/>
           </a:p>
@@ -2391,7 +2398,7 @@
           <a:p>
             <a:fld id="{F1D0BAB6-1FA9-5040-A287-CC96FBD3FD19}" type="datetimeFigureOut">
               <a:rPr lang="en-US" smtClean="0"/>
-              <a:t>4/6/24</a:t>
+              <a:t>4/7/2024</a:t>
             </a:fld>
             <a:endParaRPr lang="en-US"/>
           </a:p>
@@ -2679,7 +2686,7 @@
           <a:p>
             <a:fld id="{F1D0BAB6-1FA9-5040-A287-CC96FBD3FD19}" type="datetimeFigureOut">
               <a:rPr lang="en-US" smtClean="0"/>
-              <a:t>4/6/24</a:t>
+              <a:t>4/7/2024</a:t>
             </a:fld>
             <a:endParaRPr lang="en-US"/>
           </a:p>
@@ -2920,7 +2927,7 @@
           <a:p>
             <a:fld id="{F1D0BAB6-1FA9-5040-A287-CC96FBD3FD19}" type="datetimeFigureOut">
               <a:rPr lang="en-US" smtClean="0"/>
-              <a:t>4/6/24</a:t>
+              <a:t>4/7/2024</a:t>
             </a:fld>
             <a:endParaRPr lang="en-US"/>
           </a:p>
@@ -3509,7 +3516,7 @@
           <p:cNvPr id="2" name="Title 1">
             <a:extLst>
               <a:ext uri="{FF2B5EF4-FFF2-40B4-BE49-F238E27FC236}">
-                <a16:creationId xmlns:a16="http://schemas.microsoft.com/office/drawing/2014/main" id="{D3022144-EA96-7697-63E3-2DAC78AD27F8}"/>
+                <a16:creationId xmlns:a16="http://schemas.microsoft.com/office/drawing/2014/main" id="{ED576D88-9382-52E2-FF7D-ECD02CE27324}"/>
               </a:ext>
             </a:extLst>
           </p:cNvPr>
@@ -3520,76 +3527,275 @@
             <p:ph type="title"/>
           </p:nvPr>
         </p:nvSpPr>
-        <p:spPr/>
+        <p:spPr>
+          <a:xfrm>
+            <a:off x="838200" y="365126"/>
+            <a:ext cx="10806404" cy="1141652"/>
+          </a:xfrm>
+        </p:spPr>
         <p:txBody>
           <a:bodyPr/>
           <a:lstStyle/>
           <a:p>
             <a:r>
-              <a:rPr lang="en-US" dirty="0"/>
-              <a:t>Conclusion</a:t>
-            </a:r>
-          </a:p>
-        </p:txBody>
-      </p:sp>
-      <p:sp>
-        <p:nvSpPr>
-          <p:cNvPr id="3" name="Content Placeholder 2">
-            <a:extLst>
-              <a:ext uri="{FF2B5EF4-FFF2-40B4-BE49-F238E27FC236}">
-                <a16:creationId xmlns:a16="http://schemas.microsoft.com/office/drawing/2014/main" id="{B0825F98-321D-6497-D3A5-B6DFD7EE8952}"/>
-              </a:ext>
-            </a:extLst>
-          </p:cNvPr>
-          <p:cNvSpPr>
-            <a:spLocks noGrp="1"/>
-          </p:cNvSpPr>
-          <p:nvPr>
-            <p:ph idx="1"/>
-          </p:nvPr>
-        </p:nvSpPr>
-        <p:spPr/>
-        <p:txBody>
-          <a:bodyPr/>
-          <a:lstStyle/>
-          <a:p>
-            <a:r>
-              <a:rPr lang="en-US" dirty="0"/>
-              <a:t>Some variables has positive impact like desire to go for higher education, spending time with friends, extra school support.</a:t>
-            </a:r>
-          </a:p>
-          <a:p>
-            <a:r>
-              <a:rPr lang="en-US" dirty="0"/>
-              <a:t>Variables like alcohol consumption, romantic relation, number of past failures has negative impact.</a:t>
-            </a:r>
-          </a:p>
-          <a:p>
-            <a:r>
-              <a:rPr lang="en-US" dirty="0"/>
-              <a:t>Adjusted R</a:t>
-            </a:r>
-            <a:r>
-              <a:rPr lang="en-US" baseline="30000" dirty="0"/>
-              <a:t>2 </a:t>
-            </a:r>
-            <a:r>
-              <a:rPr lang="en-US" dirty="0"/>
-              <a:t>is 23.84% which is not high, but our model met all the assumptions.</a:t>
-            </a:r>
-          </a:p>
-          <a:p>
-            <a:r>
-              <a:rPr lang="en-US" dirty="0"/>
-              <a:t>But it confirmed that social and demographic variables do play role in student’s academic performance.</a:t>
-            </a:r>
+              <a:rPr lang="en-CA" sz="4400" kern="100" dirty="0">
+                <a:effectLst/>
+                <a:latin typeface="Aptos" panose="020B0004020202020204" pitchFamily="34" charset="0"/>
+                <a:ea typeface="Malgun Gothic" panose="020B0503020000020004" pitchFamily="34" charset="-127"/>
+                <a:cs typeface="Times New Roman" panose="02020603050405020304" pitchFamily="18" charset="0"/>
+              </a:rPr>
+              <a:t>Interaction Model</a:t>
+            </a:r>
+            <a:endParaRPr lang="en-US" dirty="0"/>
+          </a:p>
+        </p:txBody>
+      </p:sp>
+      <p:pic>
+        <p:nvPicPr>
+          <p:cNvPr id="3" name="Picture 2" descr="A close up of a text&#10;&#10;Description automatically generated">
+            <a:extLst>
+              <a:ext uri="{FF2B5EF4-FFF2-40B4-BE49-F238E27FC236}">
+                <a16:creationId xmlns:a16="http://schemas.microsoft.com/office/drawing/2014/main" id="{21872D82-7CC9-4E16-97DD-4BB2FE0FA308}"/>
+              </a:ext>
+            </a:extLst>
+          </p:cNvPr>
+          <p:cNvPicPr>
+            <a:picLocks noChangeAspect="1"/>
+          </p:cNvPicPr>
+          <p:nvPr/>
+        </p:nvPicPr>
+        <p:blipFill>
+          <a:blip r:embed="rId2"/>
+          <a:stretch>
+            <a:fillRect/>
+          </a:stretch>
+        </p:blipFill>
+        <p:spPr>
+          <a:xfrm>
+            <a:off x="7462934" y="522514"/>
+            <a:ext cx="3957735" cy="6060525"/>
+          </a:xfrm>
+          <a:prstGeom prst="rect">
+            <a:avLst/>
+          </a:prstGeom>
+        </p:spPr>
+      </p:pic>
+      <p:sp>
+        <p:nvSpPr>
+          <p:cNvPr id="4" name="Content Placeholder 2">
+            <a:extLst>
+              <a:ext uri="{FF2B5EF4-FFF2-40B4-BE49-F238E27FC236}">
+                <a16:creationId xmlns:a16="http://schemas.microsoft.com/office/drawing/2014/main" id="{A24B00D9-E1C2-3810-33B9-CB45DB62634B}"/>
+              </a:ext>
+            </a:extLst>
+          </p:cNvPr>
+          <p:cNvSpPr txBox="1">
+            <a:spLocks/>
+          </p:cNvSpPr>
+          <p:nvPr/>
+        </p:nvSpPr>
+        <p:spPr>
+          <a:xfrm>
+            <a:off x="685983" y="3006272"/>
+            <a:ext cx="5814527" cy="1682270"/>
+          </a:xfrm>
+          <a:prstGeom prst="rect">
+            <a:avLst/>
+          </a:prstGeom>
+        </p:spPr>
+        <p:txBody>
+          <a:bodyPr vert="horz" lIns="91440" tIns="45720" rIns="91440" bIns="45720" rtlCol="0">
+            <a:normAutofit/>
+          </a:bodyPr>
+          <a:lstStyle>
+            <a:lvl1pPr marL="228600" indent="-228600" algn="l" defTabSz="914400" rtl="0" eaLnBrk="1" latinLnBrk="0" hangingPunct="1">
+              <a:lnSpc>
+                <a:spcPct val="90000"/>
+              </a:lnSpc>
+              <a:spcBef>
+                <a:spcPts val="1000"/>
+              </a:spcBef>
+              <a:buFont typeface="Arial" panose="020B0604020202020204" pitchFamily="34" charset="0"/>
+              <a:buChar char="•"/>
+              <a:defRPr sz="2800" kern="1200">
+                <a:solidFill>
+                  <a:schemeClr val="tx1"/>
+                </a:solidFill>
+                <a:latin typeface="+mn-lt"/>
+                <a:ea typeface="+mn-ea"/>
+                <a:cs typeface="+mn-cs"/>
+              </a:defRPr>
+            </a:lvl1pPr>
+            <a:lvl2pPr marL="685800" indent="-228600" algn="l" defTabSz="914400" rtl="0" eaLnBrk="1" latinLnBrk="0" hangingPunct="1">
+              <a:lnSpc>
+                <a:spcPct val="90000"/>
+              </a:lnSpc>
+              <a:spcBef>
+                <a:spcPts val="500"/>
+              </a:spcBef>
+              <a:buFont typeface="Arial" panose="020B0604020202020204" pitchFamily="34" charset="0"/>
+              <a:buChar char="•"/>
+              <a:defRPr sz="2400" kern="1200">
+                <a:solidFill>
+                  <a:schemeClr val="tx1"/>
+                </a:solidFill>
+                <a:latin typeface="+mn-lt"/>
+                <a:ea typeface="+mn-ea"/>
+                <a:cs typeface="+mn-cs"/>
+              </a:defRPr>
+            </a:lvl2pPr>
+            <a:lvl3pPr marL="1143000" indent="-228600" algn="l" defTabSz="914400" rtl="0" eaLnBrk="1" latinLnBrk="0" hangingPunct="1">
+              <a:lnSpc>
+                <a:spcPct val="90000"/>
+              </a:lnSpc>
+              <a:spcBef>
+                <a:spcPts val="500"/>
+              </a:spcBef>
+              <a:buFont typeface="Arial" panose="020B0604020202020204" pitchFamily="34" charset="0"/>
+              <a:buChar char="•"/>
+              <a:defRPr sz="2000" kern="1200">
+                <a:solidFill>
+                  <a:schemeClr val="tx1"/>
+                </a:solidFill>
+                <a:latin typeface="+mn-lt"/>
+                <a:ea typeface="+mn-ea"/>
+                <a:cs typeface="+mn-cs"/>
+              </a:defRPr>
+            </a:lvl3pPr>
+            <a:lvl4pPr marL="1600200" indent="-228600" algn="l" defTabSz="914400" rtl="0" eaLnBrk="1" latinLnBrk="0" hangingPunct="1">
+              <a:lnSpc>
+                <a:spcPct val="90000"/>
+              </a:lnSpc>
+              <a:spcBef>
+                <a:spcPts val="500"/>
+              </a:spcBef>
+              <a:buFont typeface="Arial" panose="020B0604020202020204" pitchFamily="34" charset="0"/>
+              <a:buChar char="•"/>
+              <a:defRPr sz="1800" kern="1200">
+                <a:solidFill>
+                  <a:schemeClr val="tx1"/>
+                </a:solidFill>
+                <a:latin typeface="+mn-lt"/>
+                <a:ea typeface="+mn-ea"/>
+                <a:cs typeface="+mn-cs"/>
+              </a:defRPr>
+            </a:lvl4pPr>
+            <a:lvl5pPr marL="2057400" indent="-228600" algn="l" defTabSz="914400" rtl="0" eaLnBrk="1" latinLnBrk="0" hangingPunct="1">
+              <a:lnSpc>
+                <a:spcPct val="90000"/>
+              </a:lnSpc>
+              <a:spcBef>
+                <a:spcPts val="500"/>
+              </a:spcBef>
+              <a:buFont typeface="Arial" panose="020B0604020202020204" pitchFamily="34" charset="0"/>
+              <a:buChar char="•"/>
+              <a:defRPr sz="1800" kern="1200">
+                <a:solidFill>
+                  <a:schemeClr val="tx1"/>
+                </a:solidFill>
+                <a:latin typeface="+mn-lt"/>
+                <a:ea typeface="+mn-ea"/>
+                <a:cs typeface="+mn-cs"/>
+              </a:defRPr>
+            </a:lvl5pPr>
+            <a:lvl6pPr marL="2514600" indent="-228600" algn="l" defTabSz="914400" rtl="0" eaLnBrk="1" latinLnBrk="0" hangingPunct="1">
+              <a:lnSpc>
+                <a:spcPct val="90000"/>
+              </a:lnSpc>
+              <a:spcBef>
+                <a:spcPts val="500"/>
+              </a:spcBef>
+              <a:buFont typeface="Arial" panose="020B0604020202020204" pitchFamily="34" charset="0"/>
+              <a:buChar char="•"/>
+              <a:defRPr sz="1800" kern="1200">
+                <a:solidFill>
+                  <a:schemeClr val="tx1"/>
+                </a:solidFill>
+                <a:latin typeface="+mn-lt"/>
+                <a:ea typeface="+mn-ea"/>
+                <a:cs typeface="+mn-cs"/>
+              </a:defRPr>
+            </a:lvl6pPr>
+            <a:lvl7pPr marL="2971800" indent="-228600" algn="l" defTabSz="914400" rtl="0" eaLnBrk="1" latinLnBrk="0" hangingPunct="1">
+              <a:lnSpc>
+                <a:spcPct val="90000"/>
+              </a:lnSpc>
+              <a:spcBef>
+                <a:spcPts val="500"/>
+              </a:spcBef>
+              <a:buFont typeface="Arial" panose="020B0604020202020204" pitchFamily="34" charset="0"/>
+              <a:buChar char="•"/>
+              <a:defRPr sz="1800" kern="1200">
+                <a:solidFill>
+                  <a:schemeClr val="tx1"/>
+                </a:solidFill>
+                <a:latin typeface="+mn-lt"/>
+                <a:ea typeface="+mn-ea"/>
+                <a:cs typeface="+mn-cs"/>
+              </a:defRPr>
+            </a:lvl7pPr>
+            <a:lvl8pPr marL="3429000" indent="-228600" algn="l" defTabSz="914400" rtl="0" eaLnBrk="1" latinLnBrk="0" hangingPunct="1">
+              <a:lnSpc>
+                <a:spcPct val="90000"/>
+              </a:lnSpc>
+              <a:spcBef>
+                <a:spcPts val="500"/>
+              </a:spcBef>
+              <a:buFont typeface="Arial" panose="020B0604020202020204" pitchFamily="34" charset="0"/>
+              <a:buChar char="•"/>
+              <a:defRPr sz="1800" kern="1200">
+                <a:solidFill>
+                  <a:schemeClr val="tx1"/>
+                </a:solidFill>
+                <a:latin typeface="+mn-lt"/>
+                <a:ea typeface="+mn-ea"/>
+                <a:cs typeface="+mn-cs"/>
+              </a:defRPr>
+            </a:lvl8pPr>
+            <a:lvl9pPr marL="3886200" indent="-228600" algn="l" defTabSz="914400" rtl="0" eaLnBrk="1" latinLnBrk="0" hangingPunct="1">
+              <a:lnSpc>
+                <a:spcPct val="90000"/>
+              </a:lnSpc>
+              <a:spcBef>
+                <a:spcPts val="500"/>
+              </a:spcBef>
+              <a:buFont typeface="Arial" panose="020B0604020202020204" pitchFamily="34" charset="0"/>
+              <a:buChar char="•"/>
+              <a:defRPr sz="1800" kern="1200">
+                <a:solidFill>
+                  <a:schemeClr val="tx1"/>
+                </a:solidFill>
+                <a:latin typeface="+mn-lt"/>
+                <a:ea typeface="+mn-ea"/>
+                <a:cs typeface="+mn-cs"/>
+              </a:defRPr>
+            </a:lvl9pPr>
+          </a:lstStyle>
+          <a:p>
+            <a:r>
+              <a:rPr lang="en-CA" sz="3200" dirty="0"/>
+              <a:t>Use the best additive model.</a:t>
+            </a:r>
+          </a:p>
+          <a:p>
+            <a:r>
+              <a:rPr lang="en-CA" sz="3200" dirty="0"/>
+              <a:t>All the interaction terms are significant</a:t>
+            </a:r>
+          </a:p>
+          <a:p>
+            <a:pPr lvl="1"/>
+            <a:endParaRPr lang="en-CA" sz="3200" dirty="0"/>
+          </a:p>
+          <a:p>
+            <a:endParaRPr lang="en-US" sz="3200" dirty="0"/>
           </a:p>
         </p:txBody>
       </p:sp>
     </p:spTree>
     <p:extLst>
       <p:ext uri="{BB962C8B-B14F-4D97-AF65-F5344CB8AC3E}">
-        <p14:creationId xmlns:p14="http://schemas.microsoft.com/office/powerpoint/2010/main" val="1931152677"/>
+        <p14:creationId xmlns:p14="http://schemas.microsoft.com/office/powerpoint/2010/main" val="3433569401"/>
       </p:ext>
     </p:extLst>
   </p:cSld>
@@ -3621,6 +3827,1885 @@
           <p:cNvPr id="2" name="Title 1">
             <a:extLst>
               <a:ext uri="{FF2B5EF4-FFF2-40B4-BE49-F238E27FC236}">
+                <a16:creationId xmlns:a16="http://schemas.microsoft.com/office/drawing/2014/main" id="{8C544C38-D035-3558-FE16-B83BFA9C53EF}"/>
+              </a:ext>
+            </a:extLst>
+          </p:cNvPr>
+          <p:cNvSpPr>
+            <a:spLocks noGrp="1"/>
+          </p:cNvSpPr>
+          <p:nvPr>
+            <p:ph type="title"/>
+          </p:nvPr>
+        </p:nvSpPr>
+        <p:spPr/>
+        <p:txBody>
+          <a:bodyPr/>
+          <a:lstStyle/>
+          <a:p>
+            <a:r>
+              <a:rPr lang="en-US" dirty="0"/>
+              <a:t>Higher Order Model</a:t>
+            </a:r>
+          </a:p>
+        </p:txBody>
+      </p:sp>
+      <p:sp>
+        <p:nvSpPr>
+          <p:cNvPr id="3" name="Content Placeholder 2">
+            <a:extLst>
+              <a:ext uri="{FF2B5EF4-FFF2-40B4-BE49-F238E27FC236}">
+                <a16:creationId xmlns:a16="http://schemas.microsoft.com/office/drawing/2014/main" id="{D652947B-A0E2-455E-BCE5-B0C409F6E180}"/>
+              </a:ext>
+            </a:extLst>
+          </p:cNvPr>
+          <p:cNvSpPr>
+            <a:spLocks noGrp="1"/>
+          </p:cNvSpPr>
+          <p:nvPr>
+            <p:ph idx="1"/>
+          </p:nvPr>
+        </p:nvSpPr>
+        <p:spPr>
+          <a:xfrm>
+            <a:off x="6293597" y="3107094"/>
+            <a:ext cx="5722774" cy="1660849"/>
+          </a:xfrm>
+        </p:spPr>
+        <p:txBody>
+          <a:bodyPr>
+            <a:normAutofit fontScale="85000" lnSpcReduction="10000"/>
+          </a:bodyPr>
+          <a:lstStyle/>
+          <a:p>
+            <a:r>
+              <a:rPr lang="en-US" dirty="0"/>
+              <a:t>Failures variable – Quantitative variable.</a:t>
+            </a:r>
+          </a:p>
+          <a:p>
+            <a:r>
+              <a:rPr lang="en-US" dirty="0"/>
+              <a:t>Pairs Plot</a:t>
+            </a:r>
+          </a:p>
+          <a:p>
+            <a:pPr lvl="1"/>
+            <a:r>
+              <a:rPr lang="en-US" dirty="0"/>
+              <a:t>No clear visual indication that we should add higher order term for our variable.</a:t>
+            </a:r>
+          </a:p>
+        </p:txBody>
+      </p:sp>
+      <p:pic>
+        <p:nvPicPr>
+          <p:cNvPr id="5" name="Picture 4">
+            <a:extLst>
+              <a:ext uri="{FF2B5EF4-FFF2-40B4-BE49-F238E27FC236}">
+                <a16:creationId xmlns:a16="http://schemas.microsoft.com/office/drawing/2014/main" id="{38B43BE0-7191-2E94-1441-9F8FF0E021C0}"/>
+              </a:ext>
+            </a:extLst>
+          </p:cNvPr>
+          <p:cNvPicPr>
+            <a:picLocks noChangeAspect="1"/>
+          </p:cNvPicPr>
+          <p:nvPr/>
+        </p:nvPicPr>
+        <p:blipFill>
+          <a:blip r:embed="rId2"/>
+          <a:stretch>
+            <a:fillRect/>
+          </a:stretch>
+        </p:blipFill>
+        <p:spPr>
+          <a:xfrm>
+            <a:off x="175629" y="2115145"/>
+            <a:ext cx="5920371" cy="3361924"/>
+          </a:xfrm>
+          <a:prstGeom prst="rect">
+            <a:avLst/>
+          </a:prstGeom>
+        </p:spPr>
+      </p:pic>
+      <p:sp>
+        <p:nvSpPr>
+          <p:cNvPr id="6" name="Content Placeholder 2">
+            <a:extLst>
+              <a:ext uri="{FF2B5EF4-FFF2-40B4-BE49-F238E27FC236}">
+                <a16:creationId xmlns:a16="http://schemas.microsoft.com/office/drawing/2014/main" id="{2A5051D2-128C-EACE-F030-585553DBF8FA}"/>
+              </a:ext>
+            </a:extLst>
+          </p:cNvPr>
+          <p:cNvSpPr txBox="1">
+            <a:spLocks/>
+          </p:cNvSpPr>
+          <p:nvPr/>
+        </p:nvSpPr>
+        <p:spPr>
+          <a:xfrm>
+            <a:off x="2273560" y="5719665"/>
+            <a:ext cx="7738187" cy="587829"/>
+          </a:xfrm>
+          <a:prstGeom prst="rect">
+            <a:avLst/>
+          </a:prstGeom>
+        </p:spPr>
+        <p:txBody>
+          <a:bodyPr vert="horz" lIns="91440" tIns="45720" rIns="91440" bIns="45720" rtlCol="0">
+            <a:normAutofit fontScale="92500"/>
+          </a:bodyPr>
+          <a:lstStyle>
+            <a:lvl1pPr marL="228600" indent="-228600" algn="l" defTabSz="914400" rtl="0" eaLnBrk="1" latinLnBrk="0" hangingPunct="1">
+              <a:lnSpc>
+                <a:spcPct val="90000"/>
+              </a:lnSpc>
+              <a:spcBef>
+                <a:spcPts val="1000"/>
+              </a:spcBef>
+              <a:buFont typeface="Arial" panose="020B0604020202020204" pitchFamily="34" charset="0"/>
+              <a:buChar char="•"/>
+              <a:defRPr sz="2800" kern="1200">
+                <a:solidFill>
+                  <a:schemeClr val="tx1"/>
+                </a:solidFill>
+                <a:latin typeface="+mn-lt"/>
+                <a:ea typeface="+mn-ea"/>
+                <a:cs typeface="+mn-cs"/>
+              </a:defRPr>
+            </a:lvl1pPr>
+            <a:lvl2pPr marL="685800" indent="-228600" algn="l" defTabSz="914400" rtl="0" eaLnBrk="1" latinLnBrk="0" hangingPunct="1">
+              <a:lnSpc>
+                <a:spcPct val="90000"/>
+              </a:lnSpc>
+              <a:spcBef>
+                <a:spcPts val="500"/>
+              </a:spcBef>
+              <a:buFont typeface="Arial" panose="020B0604020202020204" pitchFamily="34" charset="0"/>
+              <a:buChar char="•"/>
+              <a:defRPr sz="2400" kern="1200">
+                <a:solidFill>
+                  <a:schemeClr val="tx1"/>
+                </a:solidFill>
+                <a:latin typeface="+mn-lt"/>
+                <a:ea typeface="+mn-ea"/>
+                <a:cs typeface="+mn-cs"/>
+              </a:defRPr>
+            </a:lvl2pPr>
+            <a:lvl3pPr marL="1143000" indent="-228600" algn="l" defTabSz="914400" rtl="0" eaLnBrk="1" latinLnBrk="0" hangingPunct="1">
+              <a:lnSpc>
+                <a:spcPct val="90000"/>
+              </a:lnSpc>
+              <a:spcBef>
+                <a:spcPts val="500"/>
+              </a:spcBef>
+              <a:buFont typeface="Arial" panose="020B0604020202020204" pitchFamily="34" charset="0"/>
+              <a:buChar char="•"/>
+              <a:defRPr sz="2000" kern="1200">
+                <a:solidFill>
+                  <a:schemeClr val="tx1"/>
+                </a:solidFill>
+                <a:latin typeface="+mn-lt"/>
+                <a:ea typeface="+mn-ea"/>
+                <a:cs typeface="+mn-cs"/>
+              </a:defRPr>
+            </a:lvl3pPr>
+            <a:lvl4pPr marL="1600200" indent="-228600" algn="l" defTabSz="914400" rtl="0" eaLnBrk="1" latinLnBrk="0" hangingPunct="1">
+              <a:lnSpc>
+                <a:spcPct val="90000"/>
+              </a:lnSpc>
+              <a:spcBef>
+                <a:spcPts val="500"/>
+              </a:spcBef>
+              <a:buFont typeface="Arial" panose="020B0604020202020204" pitchFamily="34" charset="0"/>
+              <a:buChar char="•"/>
+              <a:defRPr sz="1800" kern="1200">
+                <a:solidFill>
+                  <a:schemeClr val="tx1"/>
+                </a:solidFill>
+                <a:latin typeface="+mn-lt"/>
+                <a:ea typeface="+mn-ea"/>
+                <a:cs typeface="+mn-cs"/>
+              </a:defRPr>
+            </a:lvl4pPr>
+            <a:lvl5pPr marL="2057400" indent="-228600" algn="l" defTabSz="914400" rtl="0" eaLnBrk="1" latinLnBrk="0" hangingPunct="1">
+              <a:lnSpc>
+                <a:spcPct val="90000"/>
+              </a:lnSpc>
+              <a:spcBef>
+                <a:spcPts val="500"/>
+              </a:spcBef>
+              <a:buFont typeface="Arial" panose="020B0604020202020204" pitchFamily="34" charset="0"/>
+              <a:buChar char="•"/>
+              <a:defRPr sz="1800" kern="1200">
+                <a:solidFill>
+                  <a:schemeClr val="tx1"/>
+                </a:solidFill>
+                <a:latin typeface="+mn-lt"/>
+                <a:ea typeface="+mn-ea"/>
+                <a:cs typeface="+mn-cs"/>
+              </a:defRPr>
+            </a:lvl5pPr>
+            <a:lvl6pPr marL="2514600" indent="-228600" algn="l" defTabSz="914400" rtl="0" eaLnBrk="1" latinLnBrk="0" hangingPunct="1">
+              <a:lnSpc>
+                <a:spcPct val="90000"/>
+              </a:lnSpc>
+              <a:spcBef>
+                <a:spcPts val="500"/>
+              </a:spcBef>
+              <a:buFont typeface="Arial" panose="020B0604020202020204" pitchFamily="34" charset="0"/>
+              <a:buChar char="•"/>
+              <a:defRPr sz="1800" kern="1200">
+                <a:solidFill>
+                  <a:schemeClr val="tx1"/>
+                </a:solidFill>
+                <a:latin typeface="+mn-lt"/>
+                <a:ea typeface="+mn-ea"/>
+                <a:cs typeface="+mn-cs"/>
+              </a:defRPr>
+            </a:lvl6pPr>
+            <a:lvl7pPr marL="2971800" indent="-228600" algn="l" defTabSz="914400" rtl="0" eaLnBrk="1" latinLnBrk="0" hangingPunct="1">
+              <a:lnSpc>
+                <a:spcPct val="90000"/>
+              </a:lnSpc>
+              <a:spcBef>
+                <a:spcPts val="500"/>
+              </a:spcBef>
+              <a:buFont typeface="Arial" panose="020B0604020202020204" pitchFamily="34" charset="0"/>
+              <a:buChar char="•"/>
+              <a:defRPr sz="1800" kern="1200">
+                <a:solidFill>
+                  <a:schemeClr val="tx1"/>
+                </a:solidFill>
+                <a:latin typeface="+mn-lt"/>
+                <a:ea typeface="+mn-ea"/>
+                <a:cs typeface="+mn-cs"/>
+              </a:defRPr>
+            </a:lvl7pPr>
+            <a:lvl8pPr marL="3429000" indent="-228600" algn="l" defTabSz="914400" rtl="0" eaLnBrk="1" latinLnBrk="0" hangingPunct="1">
+              <a:lnSpc>
+                <a:spcPct val="90000"/>
+              </a:lnSpc>
+              <a:spcBef>
+                <a:spcPts val="500"/>
+              </a:spcBef>
+              <a:buFont typeface="Arial" panose="020B0604020202020204" pitchFamily="34" charset="0"/>
+              <a:buChar char="•"/>
+              <a:defRPr sz="1800" kern="1200">
+                <a:solidFill>
+                  <a:schemeClr val="tx1"/>
+                </a:solidFill>
+                <a:latin typeface="+mn-lt"/>
+                <a:ea typeface="+mn-ea"/>
+                <a:cs typeface="+mn-cs"/>
+              </a:defRPr>
+            </a:lvl8pPr>
+            <a:lvl9pPr marL="3886200" indent="-228600" algn="l" defTabSz="914400" rtl="0" eaLnBrk="1" latinLnBrk="0" hangingPunct="1">
+              <a:lnSpc>
+                <a:spcPct val="90000"/>
+              </a:lnSpc>
+              <a:spcBef>
+                <a:spcPts val="500"/>
+              </a:spcBef>
+              <a:buFont typeface="Arial" panose="020B0604020202020204" pitchFamily="34" charset="0"/>
+              <a:buChar char="•"/>
+              <a:defRPr sz="1800" kern="1200">
+                <a:solidFill>
+                  <a:schemeClr val="tx1"/>
+                </a:solidFill>
+                <a:latin typeface="+mn-lt"/>
+                <a:ea typeface="+mn-ea"/>
+                <a:cs typeface="+mn-cs"/>
+              </a:defRPr>
+            </a:lvl9pPr>
+          </a:lstStyle>
+          <a:p>
+            <a:pPr marL="0" indent="0">
+              <a:buNone/>
+            </a:pPr>
+            <a:r>
+              <a:rPr lang="en-US" b="1" dirty="0"/>
+              <a:t>However, we still try adding the higher order term</a:t>
+            </a:r>
+          </a:p>
+        </p:txBody>
+      </p:sp>
+    </p:spTree>
+    <p:extLst>
+      <p:ext uri="{BB962C8B-B14F-4D97-AF65-F5344CB8AC3E}">
+        <p14:creationId xmlns:p14="http://schemas.microsoft.com/office/powerpoint/2010/main" val="3586025615"/>
+      </p:ext>
+    </p:extLst>
+  </p:cSld>
+  <p:clrMapOvr>
+    <a:masterClrMapping/>
+  </p:clrMapOvr>
+</p:sld>
+</file>
+
+<file path=ppt/slides/slide12.xml><?xml version="1.0" encoding="utf-8"?>
+<p:sld xmlns:a="http://schemas.openxmlformats.org/drawingml/2006/main" xmlns:r="http://schemas.openxmlformats.org/officeDocument/2006/relationships" xmlns:p="http://schemas.openxmlformats.org/presentationml/2006/main">
+  <p:cSld>
+    <p:spTree>
+      <p:nvGrpSpPr>
+        <p:cNvPr id="1" name=""/>
+        <p:cNvGrpSpPr/>
+        <p:nvPr/>
+      </p:nvGrpSpPr>
+      <p:grpSpPr>
+        <a:xfrm>
+          <a:off x="0" y="0"/>
+          <a:ext cx="0" cy="0"/>
+          <a:chOff x="0" y="0"/>
+          <a:chExt cx="0" cy="0"/>
+        </a:xfrm>
+      </p:grpSpPr>
+      <p:sp>
+        <p:nvSpPr>
+          <p:cNvPr id="2" name="Title 1">
+            <a:extLst>
+              <a:ext uri="{FF2B5EF4-FFF2-40B4-BE49-F238E27FC236}">
+                <a16:creationId xmlns:a16="http://schemas.microsoft.com/office/drawing/2014/main" id="{8C544C38-D035-3558-FE16-B83BFA9C53EF}"/>
+              </a:ext>
+            </a:extLst>
+          </p:cNvPr>
+          <p:cNvSpPr>
+            <a:spLocks noGrp="1"/>
+          </p:cNvSpPr>
+          <p:nvPr>
+            <p:ph type="title"/>
+          </p:nvPr>
+        </p:nvSpPr>
+        <p:spPr/>
+        <p:txBody>
+          <a:bodyPr/>
+          <a:lstStyle/>
+          <a:p>
+            <a:r>
+              <a:rPr lang="en-US" dirty="0"/>
+              <a:t>Higher Order Model - Cont.</a:t>
+            </a:r>
+          </a:p>
+        </p:txBody>
+      </p:sp>
+      <p:sp>
+        <p:nvSpPr>
+          <p:cNvPr id="8" name="Content Placeholder 2">
+            <a:extLst>
+              <a:ext uri="{FF2B5EF4-FFF2-40B4-BE49-F238E27FC236}">
+                <a16:creationId xmlns:a16="http://schemas.microsoft.com/office/drawing/2014/main" id="{4B7A758D-CADB-C06A-E28F-1695972061DD}"/>
+              </a:ext>
+            </a:extLst>
+          </p:cNvPr>
+          <p:cNvSpPr>
+            <a:spLocks noGrp="1"/>
+          </p:cNvSpPr>
+          <p:nvPr>
+            <p:ph idx="1"/>
+          </p:nvPr>
+        </p:nvSpPr>
+        <p:spPr>
+          <a:xfrm>
+            <a:off x="905809" y="2085118"/>
+            <a:ext cx="9322920" cy="487754"/>
+          </a:xfrm>
+        </p:spPr>
+        <p:txBody>
+          <a:bodyPr>
+            <a:normAutofit/>
+          </a:bodyPr>
+          <a:lstStyle/>
+          <a:p>
+            <a:r>
+              <a:rPr lang="en-US" dirty="0"/>
+              <a:t>Comparison of Adjusted R2 and RSE</a:t>
+            </a:r>
+          </a:p>
+        </p:txBody>
+      </p:sp>
+      <p:pic>
+        <p:nvPicPr>
+          <p:cNvPr id="12" name="Picture 11">
+            <a:extLst>
+              <a:ext uri="{FF2B5EF4-FFF2-40B4-BE49-F238E27FC236}">
+                <a16:creationId xmlns:a16="http://schemas.microsoft.com/office/drawing/2014/main" id="{7E37038D-4D9A-298D-AFCE-08AF24D5AB08}"/>
+              </a:ext>
+            </a:extLst>
+          </p:cNvPr>
+          <p:cNvPicPr>
+            <a:picLocks noChangeAspect="1"/>
+          </p:cNvPicPr>
+          <p:nvPr/>
+        </p:nvPicPr>
+        <p:blipFill>
+          <a:blip r:embed="rId2"/>
+          <a:stretch>
+            <a:fillRect/>
+          </a:stretch>
+        </p:blipFill>
+        <p:spPr>
+          <a:xfrm>
+            <a:off x="1884383" y="2967302"/>
+            <a:ext cx="7804249" cy="1325563"/>
+          </a:xfrm>
+          <a:prstGeom prst="rect">
+            <a:avLst/>
+          </a:prstGeom>
+        </p:spPr>
+      </p:pic>
+      <p:sp>
+        <p:nvSpPr>
+          <p:cNvPr id="15" name="Content Placeholder 2">
+            <a:extLst>
+              <a:ext uri="{FF2B5EF4-FFF2-40B4-BE49-F238E27FC236}">
+                <a16:creationId xmlns:a16="http://schemas.microsoft.com/office/drawing/2014/main" id="{FC97BA99-0593-DB78-2845-265E17220E1C}"/>
+              </a:ext>
+            </a:extLst>
+          </p:cNvPr>
+          <p:cNvSpPr txBox="1">
+            <a:spLocks/>
+          </p:cNvSpPr>
+          <p:nvPr/>
+        </p:nvSpPr>
+        <p:spPr>
+          <a:xfrm>
+            <a:off x="905809" y="4560840"/>
+            <a:ext cx="9322920" cy="1113819"/>
+          </a:xfrm>
+          <a:prstGeom prst="rect">
+            <a:avLst/>
+          </a:prstGeom>
+        </p:spPr>
+        <p:txBody>
+          <a:bodyPr vert="horz" lIns="91440" tIns="45720" rIns="91440" bIns="45720" rtlCol="0">
+            <a:normAutofit/>
+          </a:bodyPr>
+          <a:lstStyle>
+            <a:lvl1pPr marL="228600" indent="-228600" algn="l" defTabSz="914400" rtl="0" eaLnBrk="1" latinLnBrk="0" hangingPunct="1">
+              <a:lnSpc>
+                <a:spcPct val="90000"/>
+              </a:lnSpc>
+              <a:spcBef>
+                <a:spcPts val="1000"/>
+              </a:spcBef>
+              <a:buFont typeface="Arial" panose="020B0604020202020204" pitchFamily="34" charset="0"/>
+              <a:buChar char="•"/>
+              <a:defRPr sz="2800" kern="1200">
+                <a:solidFill>
+                  <a:schemeClr val="tx1"/>
+                </a:solidFill>
+                <a:latin typeface="+mn-lt"/>
+                <a:ea typeface="+mn-ea"/>
+                <a:cs typeface="+mn-cs"/>
+              </a:defRPr>
+            </a:lvl1pPr>
+            <a:lvl2pPr marL="685800" indent="-228600" algn="l" defTabSz="914400" rtl="0" eaLnBrk="1" latinLnBrk="0" hangingPunct="1">
+              <a:lnSpc>
+                <a:spcPct val="90000"/>
+              </a:lnSpc>
+              <a:spcBef>
+                <a:spcPts val="500"/>
+              </a:spcBef>
+              <a:buFont typeface="Arial" panose="020B0604020202020204" pitchFamily="34" charset="0"/>
+              <a:buChar char="•"/>
+              <a:defRPr sz="2400" kern="1200">
+                <a:solidFill>
+                  <a:schemeClr val="tx1"/>
+                </a:solidFill>
+                <a:latin typeface="+mn-lt"/>
+                <a:ea typeface="+mn-ea"/>
+                <a:cs typeface="+mn-cs"/>
+              </a:defRPr>
+            </a:lvl2pPr>
+            <a:lvl3pPr marL="1143000" indent="-228600" algn="l" defTabSz="914400" rtl="0" eaLnBrk="1" latinLnBrk="0" hangingPunct="1">
+              <a:lnSpc>
+                <a:spcPct val="90000"/>
+              </a:lnSpc>
+              <a:spcBef>
+                <a:spcPts val="500"/>
+              </a:spcBef>
+              <a:buFont typeface="Arial" panose="020B0604020202020204" pitchFamily="34" charset="0"/>
+              <a:buChar char="•"/>
+              <a:defRPr sz="2000" kern="1200">
+                <a:solidFill>
+                  <a:schemeClr val="tx1"/>
+                </a:solidFill>
+                <a:latin typeface="+mn-lt"/>
+                <a:ea typeface="+mn-ea"/>
+                <a:cs typeface="+mn-cs"/>
+              </a:defRPr>
+            </a:lvl3pPr>
+            <a:lvl4pPr marL="1600200" indent="-228600" algn="l" defTabSz="914400" rtl="0" eaLnBrk="1" latinLnBrk="0" hangingPunct="1">
+              <a:lnSpc>
+                <a:spcPct val="90000"/>
+              </a:lnSpc>
+              <a:spcBef>
+                <a:spcPts val="500"/>
+              </a:spcBef>
+              <a:buFont typeface="Arial" panose="020B0604020202020204" pitchFamily="34" charset="0"/>
+              <a:buChar char="•"/>
+              <a:defRPr sz="1800" kern="1200">
+                <a:solidFill>
+                  <a:schemeClr val="tx1"/>
+                </a:solidFill>
+                <a:latin typeface="+mn-lt"/>
+                <a:ea typeface="+mn-ea"/>
+                <a:cs typeface="+mn-cs"/>
+              </a:defRPr>
+            </a:lvl4pPr>
+            <a:lvl5pPr marL="2057400" indent="-228600" algn="l" defTabSz="914400" rtl="0" eaLnBrk="1" latinLnBrk="0" hangingPunct="1">
+              <a:lnSpc>
+                <a:spcPct val="90000"/>
+              </a:lnSpc>
+              <a:spcBef>
+                <a:spcPts val="500"/>
+              </a:spcBef>
+              <a:buFont typeface="Arial" panose="020B0604020202020204" pitchFamily="34" charset="0"/>
+              <a:buChar char="•"/>
+              <a:defRPr sz="1800" kern="1200">
+                <a:solidFill>
+                  <a:schemeClr val="tx1"/>
+                </a:solidFill>
+                <a:latin typeface="+mn-lt"/>
+                <a:ea typeface="+mn-ea"/>
+                <a:cs typeface="+mn-cs"/>
+              </a:defRPr>
+            </a:lvl5pPr>
+            <a:lvl6pPr marL="2514600" indent="-228600" algn="l" defTabSz="914400" rtl="0" eaLnBrk="1" latinLnBrk="0" hangingPunct="1">
+              <a:lnSpc>
+                <a:spcPct val="90000"/>
+              </a:lnSpc>
+              <a:spcBef>
+                <a:spcPts val="500"/>
+              </a:spcBef>
+              <a:buFont typeface="Arial" panose="020B0604020202020204" pitchFamily="34" charset="0"/>
+              <a:buChar char="•"/>
+              <a:defRPr sz="1800" kern="1200">
+                <a:solidFill>
+                  <a:schemeClr val="tx1"/>
+                </a:solidFill>
+                <a:latin typeface="+mn-lt"/>
+                <a:ea typeface="+mn-ea"/>
+                <a:cs typeface="+mn-cs"/>
+              </a:defRPr>
+            </a:lvl6pPr>
+            <a:lvl7pPr marL="2971800" indent="-228600" algn="l" defTabSz="914400" rtl="0" eaLnBrk="1" latinLnBrk="0" hangingPunct="1">
+              <a:lnSpc>
+                <a:spcPct val="90000"/>
+              </a:lnSpc>
+              <a:spcBef>
+                <a:spcPts val="500"/>
+              </a:spcBef>
+              <a:buFont typeface="Arial" panose="020B0604020202020204" pitchFamily="34" charset="0"/>
+              <a:buChar char="•"/>
+              <a:defRPr sz="1800" kern="1200">
+                <a:solidFill>
+                  <a:schemeClr val="tx1"/>
+                </a:solidFill>
+                <a:latin typeface="+mn-lt"/>
+                <a:ea typeface="+mn-ea"/>
+                <a:cs typeface="+mn-cs"/>
+              </a:defRPr>
+            </a:lvl7pPr>
+            <a:lvl8pPr marL="3429000" indent="-228600" algn="l" defTabSz="914400" rtl="0" eaLnBrk="1" latinLnBrk="0" hangingPunct="1">
+              <a:lnSpc>
+                <a:spcPct val="90000"/>
+              </a:lnSpc>
+              <a:spcBef>
+                <a:spcPts val="500"/>
+              </a:spcBef>
+              <a:buFont typeface="Arial" panose="020B0604020202020204" pitchFamily="34" charset="0"/>
+              <a:buChar char="•"/>
+              <a:defRPr sz="1800" kern="1200">
+                <a:solidFill>
+                  <a:schemeClr val="tx1"/>
+                </a:solidFill>
+                <a:latin typeface="+mn-lt"/>
+                <a:ea typeface="+mn-ea"/>
+                <a:cs typeface="+mn-cs"/>
+              </a:defRPr>
+            </a:lvl8pPr>
+            <a:lvl9pPr marL="3886200" indent="-228600" algn="l" defTabSz="914400" rtl="0" eaLnBrk="1" latinLnBrk="0" hangingPunct="1">
+              <a:lnSpc>
+                <a:spcPct val="90000"/>
+              </a:lnSpc>
+              <a:spcBef>
+                <a:spcPts val="500"/>
+              </a:spcBef>
+              <a:buFont typeface="Arial" panose="020B0604020202020204" pitchFamily="34" charset="0"/>
+              <a:buChar char="•"/>
+              <a:defRPr sz="1800" kern="1200">
+                <a:solidFill>
+                  <a:schemeClr val="tx1"/>
+                </a:solidFill>
+                <a:latin typeface="+mn-lt"/>
+                <a:ea typeface="+mn-ea"/>
+                <a:cs typeface="+mn-cs"/>
+              </a:defRPr>
+            </a:lvl9pPr>
+          </a:lstStyle>
+          <a:p>
+            <a:r>
+              <a:rPr lang="en-US" dirty="0"/>
+              <a:t>Adjusted R2 increased from </a:t>
+            </a:r>
+            <a:r>
+              <a:rPr lang="en-CA" kern="100" dirty="0">
+                <a:effectLst/>
+                <a:latin typeface="Aptos" panose="020B0004020202020204" pitchFamily="34" charset="0"/>
+                <a:ea typeface="Malgun Gothic" panose="020B0503020000020004" pitchFamily="34" charset="-127"/>
+                <a:cs typeface="Times New Roman" panose="02020603050405020304" pitchFamily="18" charset="0"/>
+              </a:rPr>
+              <a:t>0.22271 to 0.2384.</a:t>
+            </a:r>
+          </a:p>
+          <a:p>
+            <a:r>
+              <a:rPr lang="en-CA" kern="100" dirty="0">
+                <a:latin typeface="Aptos" panose="020B0004020202020204" pitchFamily="34" charset="0"/>
+                <a:ea typeface="Malgun Gothic" panose="020B0503020000020004" pitchFamily="34" charset="-127"/>
+                <a:cs typeface="Times New Roman" panose="02020603050405020304" pitchFamily="18" charset="0"/>
+              </a:rPr>
+              <a:t>RSE decreased from 3.398 to 3.373</a:t>
+            </a:r>
+            <a:endParaRPr lang="en-US" dirty="0"/>
+          </a:p>
+        </p:txBody>
+      </p:sp>
+      <p:sp>
+        <p:nvSpPr>
+          <p:cNvPr id="16" name="Content Placeholder 2">
+            <a:extLst>
+              <a:ext uri="{FF2B5EF4-FFF2-40B4-BE49-F238E27FC236}">
+                <a16:creationId xmlns:a16="http://schemas.microsoft.com/office/drawing/2014/main" id="{419AF549-83E1-E0C4-9F3B-3C4288366B64}"/>
+              </a:ext>
+            </a:extLst>
+          </p:cNvPr>
+          <p:cNvSpPr txBox="1">
+            <a:spLocks/>
+          </p:cNvSpPr>
+          <p:nvPr/>
+        </p:nvSpPr>
+        <p:spPr>
+          <a:xfrm>
+            <a:off x="1663327" y="5942634"/>
+            <a:ext cx="9322920" cy="487754"/>
+          </a:xfrm>
+          <a:prstGeom prst="rect">
+            <a:avLst/>
+          </a:prstGeom>
+        </p:spPr>
+        <p:txBody>
+          <a:bodyPr vert="horz" lIns="91440" tIns="45720" rIns="91440" bIns="45720" rtlCol="0">
+            <a:normAutofit/>
+          </a:bodyPr>
+          <a:lstStyle>
+            <a:lvl1pPr marL="228600" indent="-228600" algn="l" defTabSz="914400" rtl="0" eaLnBrk="1" latinLnBrk="0" hangingPunct="1">
+              <a:lnSpc>
+                <a:spcPct val="90000"/>
+              </a:lnSpc>
+              <a:spcBef>
+                <a:spcPts val="1000"/>
+              </a:spcBef>
+              <a:buFont typeface="Arial" panose="020B0604020202020204" pitchFamily="34" charset="0"/>
+              <a:buChar char="•"/>
+              <a:defRPr sz="2800" kern="1200">
+                <a:solidFill>
+                  <a:schemeClr val="tx1"/>
+                </a:solidFill>
+                <a:latin typeface="+mn-lt"/>
+                <a:ea typeface="+mn-ea"/>
+                <a:cs typeface="+mn-cs"/>
+              </a:defRPr>
+            </a:lvl1pPr>
+            <a:lvl2pPr marL="685800" indent="-228600" algn="l" defTabSz="914400" rtl="0" eaLnBrk="1" latinLnBrk="0" hangingPunct="1">
+              <a:lnSpc>
+                <a:spcPct val="90000"/>
+              </a:lnSpc>
+              <a:spcBef>
+                <a:spcPts val="500"/>
+              </a:spcBef>
+              <a:buFont typeface="Arial" panose="020B0604020202020204" pitchFamily="34" charset="0"/>
+              <a:buChar char="•"/>
+              <a:defRPr sz="2400" kern="1200">
+                <a:solidFill>
+                  <a:schemeClr val="tx1"/>
+                </a:solidFill>
+                <a:latin typeface="+mn-lt"/>
+                <a:ea typeface="+mn-ea"/>
+                <a:cs typeface="+mn-cs"/>
+              </a:defRPr>
+            </a:lvl2pPr>
+            <a:lvl3pPr marL="1143000" indent="-228600" algn="l" defTabSz="914400" rtl="0" eaLnBrk="1" latinLnBrk="0" hangingPunct="1">
+              <a:lnSpc>
+                <a:spcPct val="90000"/>
+              </a:lnSpc>
+              <a:spcBef>
+                <a:spcPts val="500"/>
+              </a:spcBef>
+              <a:buFont typeface="Arial" panose="020B0604020202020204" pitchFamily="34" charset="0"/>
+              <a:buChar char="•"/>
+              <a:defRPr sz="2000" kern="1200">
+                <a:solidFill>
+                  <a:schemeClr val="tx1"/>
+                </a:solidFill>
+                <a:latin typeface="+mn-lt"/>
+                <a:ea typeface="+mn-ea"/>
+                <a:cs typeface="+mn-cs"/>
+              </a:defRPr>
+            </a:lvl3pPr>
+            <a:lvl4pPr marL="1600200" indent="-228600" algn="l" defTabSz="914400" rtl="0" eaLnBrk="1" latinLnBrk="0" hangingPunct="1">
+              <a:lnSpc>
+                <a:spcPct val="90000"/>
+              </a:lnSpc>
+              <a:spcBef>
+                <a:spcPts val="500"/>
+              </a:spcBef>
+              <a:buFont typeface="Arial" panose="020B0604020202020204" pitchFamily="34" charset="0"/>
+              <a:buChar char="•"/>
+              <a:defRPr sz="1800" kern="1200">
+                <a:solidFill>
+                  <a:schemeClr val="tx1"/>
+                </a:solidFill>
+                <a:latin typeface="+mn-lt"/>
+                <a:ea typeface="+mn-ea"/>
+                <a:cs typeface="+mn-cs"/>
+              </a:defRPr>
+            </a:lvl4pPr>
+            <a:lvl5pPr marL="2057400" indent="-228600" algn="l" defTabSz="914400" rtl="0" eaLnBrk="1" latinLnBrk="0" hangingPunct="1">
+              <a:lnSpc>
+                <a:spcPct val="90000"/>
+              </a:lnSpc>
+              <a:spcBef>
+                <a:spcPts val="500"/>
+              </a:spcBef>
+              <a:buFont typeface="Arial" panose="020B0604020202020204" pitchFamily="34" charset="0"/>
+              <a:buChar char="•"/>
+              <a:defRPr sz="1800" kern="1200">
+                <a:solidFill>
+                  <a:schemeClr val="tx1"/>
+                </a:solidFill>
+                <a:latin typeface="+mn-lt"/>
+                <a:ea typeface="+mn-ea"/>
+                <a:cs typeface="+mn-cs"/>
+              </a:defRPr>
+            </a:lvl5pPr>
+            <a:lvl6pPr marL="2514600" indent="-228600" algn="l" defTabSz="914400" rtl="0" eaLnBrk="1" latinLnBrk="0" hangingPunct="1">
+              <a:lnSpc>
+                <a:spcPct val="90000"/>
+              </a:lnSpc>
+              <a:spcBef>
+                <a:spcPts val="500"/>
+              </a:spcBef>
+              <a:buFont typeface="Arial" panose="020B0604020202020204" pitchFamily="34" charset="0"/>
+              <a:buChar char="•"/>
+              <a:defRPr sz="1800" kern="1200">
+                <a:solidFill>
+                  <a:schemeClr val="tx1"/>
+                </a:solidFill>
+                <a:latin typeface="+mn-lt"/>
+                <a:ea typeface="+mn-ea"/>
+                <a:cs typeface="+mn-cs"/>
+              </a:defRPr>
+            </a:lvl6pPr>
+            <a:lvl7pPr marL="2971800" indent="-228600" algn="l" defTabSz="914400" rtl="0" eaLnBrk="1" latinLnBrk="0" hangingPunct="1">
+              <a:lnSpc>
+                <a:spcPct val="90000"/>
+              </a:lnSpc>
+              <a:spcBef>
+                <a:spcPts val="500"/>
+              </a:spcBef>
+              <a:buFont typeface="Arial" panose="020B0604020202020204" pitchFamily="34" charset="0"/>
+              <a:buChar char="•"/>
+              <a:defRPr sz="1800" kern="1200">
+                <a:solidFill>
+                  <a:schemeClr val="tx1"/>
+                </a:solidFill>
+                <a:latin typeface="+mn-lt"/>
+                <a:ea typeface="+mn-ea"/>
+                <a:cs typeface="+mn-cs"/>
+              </a:defRPr>
+            </a:lvl7pPr>
+            <a:lvl8pPr marL="3429000" indent="-228600" algn="l" defTabSz="914400" rtl="0" eaLnBrk="1" latinLnBrk="0" hangingPunct="1">
+              <a:lnSpc>
+                <a:spcPct val="90000"/>
+              </a:lnSpc>
+              <a:spcBef>
+                <a:spcPts val="500"/>
+              </a:spcBef>
+              <a:buFont typeface="Arial" panose="020B0604020202020204" pitchFamily="34" charset="0"/>
+              <a:buChar char="•"/>
+              <a:defRPr sz="1800" kern="1200">
+                <a:solidFill>
+                  <a:schemeClr val="tx1"/>
+                </a:solidFill>
+                <a:latin typeface="+mn-lt"/>
+                <a:ea typeface="+mn-ea"/>
+                <a:cs typeface="+mn-cs"/>
+              </a:defRPr>
+            </a:lvl8pPr>
+            <a:lvl9pPr marL="3886200" indent="-228600" algn="l" defTabSz="914400" rtl="0" eaLnBrk="1" latinLnBrk="0" hangingPunct="1">
+              <a:lnSpc>
+                <a:spcPct val="90000"/>
+              </a:lnSpc>
+              <a:spcBef>
+                <a:spcPts val="500"/>
+              </a:spcBef>
+              <a:buFont typeface="Arial" panose="020B0604020202020204" pitchFamily="34" charset="0"/>
+              <a:buChar char="•"/>
+              <a:defRPr sz="1800" kern="1200">
+                <a:solidFill>
+                  <a:schemeClr val="tx1"/>
+                </a:solidFill>
+                <a:latin typeface="+mn-lt"/>
+                <a:ea typeface="+mn-ea"/>
+                <a:cs typeface="+mn-cs"/>
+              </a:defRPr>
+            </a:lvl9pPr>
+          </a:lstStyle>
+          <a:p>
+            <a:pPr marL="0" indent="0">
+              <a:buNone/>
+            </a:pPr>
+            <a:r>
+              <a:rPr lang="en-US" b="1" dirty="0"/>
+              <a:t>We selected our higher order model as the final model.</a:t>
+            </a:r>
+          </a:p>
+        </p:txBody>
+      </p:sp>
+    </p:spTree>
+    <p:extLst>
+      <p:ext uri="{BB962C8B-B14F-4D97-AF65-F5344CB8AC3E}">
+        <p14:creationId xmlns:p14="http://schemas.microsoft.com/office/powerpoint/2010/main" val="1232069670"/>
+      </p:ext>
+    </p:extLst>
+  </p:cSld>
+  <p:clrMapOvr>
+    <a:masterClrMapping/>
+  </p:clrMapOvr>
+</p:sld>
+</file>
+
+<file path=ppt/slides/slide13.xml><?xml version="1.0" encoding="utf-8"?>
+<p:sld xmlns:a="http://schemas.openxmlformats.org/drawingml/2006/main" xmlns:r="http://schemas.openxmlformats.org/officeDocument/2006/relationships" xmlns:p="http://schemas.openxmlformats.org/presentationml/2006/main">
+  <p:cSld>
+    <p:spTree>
+      <p:nvGrpSpPr>
+        <p:cNvPr id="1" name=""/>
+        <p:cNvGrpSpPr/>
+        <p:nvPr/>
+      </p:nvGrpSpPr>
+      <p:grpSpPr>
+        <a:xfrm>
+          <a:off x="0" y="0"/>
+          <a:ext cx="0" cy="0"/>
+          <a:chOff x="0" y="0"/>
+          <a:chExt cx="0" cy="0"/>
+        </a:xfrm>
+      </p:grpSpPr>
+      <p:sp>
+        <p:nvSpPr>
+          <p:cNvPr id="2" name="Title 1">
+            <a:extLst>
+              <a:ext uri="{FF2B5EF4-FFF2-40B4-BE49-F238E27FC236}">
+                <a16:creationId xmlns:a16="http://schemas.microsoft.com/office/drawing/2014/main" id="{8C544C38-D035-3558-FE16-B83BFA9C53EF}"/>
+              </a:ext>
+            </a:extLst>
+          </p:cNvPr>
+          <p:cNvSpPr>
+            <a:spLocks noGrp="1"/>
+          </p:cNvSpPr>
+          <p:nvPr>
+            <p:ph type="title"/>
+          </p:nvPr>
+        </p:nvSpPr>
+        <p:spPr/>
+        <p:txBody>
+          <a:bodyPr/>
+          <a:lstStyle/>
+          <a:p>
+            <a:r>
+              <a:rPr lang="en-US" dirty="0"/>
+              <a:t>Usability of our final model</a:t>
+            </a:r>
+          </a:p>
+        </p:txBody>
+      </p:sp>
+      <p:sp>
+        <p:nvSpPr>
+          <p:cNvPr id="8" name="Content Placeholder 2">
+            <a:extLst>
+              <a:ext uri="{FF2B5EF4-FFF2-40B4-BE49-F238E27FC236}">
+                <a16:creationId xmlns:a16="http://schemas.microsoft.com/office/drawing/2014/main" id="{4B7A758D-CADB-C06A-E28F-1695972061DD}"/>
+              </a:ext>
+            </a:extLst>
+          </p:cNvPr>
+          <p:cNvSpPr>
+            <a:spLocks noGrp="1"/>
+          </p:cNvSpPr>
+          <p:nvPr>
+            <p:ph idx="1"/>
+          </p:nvPr>
+        </p:nvSpPr>
+        <p:spPr>
+          <a:xfrm>
+            <a:off x="1176953" y="4060355"/>
+            <a:ext cx="9322920" cy="487754"/>
+          </a:xfrm>
+        </p:spPr>
+        <p:txBody>
+          <a:bodyPr>
+            <a:normAutofit/>
+          </a:bodyPr>
+          <a:lstStyle/>
+          <a:p>
+            <a:r>
+              <a:rPr lang="en-US" dirty="0"/>
+              <a:t>ANOVA (Best additive model vs Higher Order Model)</a:t>
+            </a:r>
+          </a:p>
+        </p:txBody>
+      </p:sp>
+      <p:pic>
+        <p:nvPicPr>
+          <p:cNvPr id="4" name="Picture 3">
+            <a:extLst>
+              <a:ext uri="{FF2B5EF4-FFF2-40B4-BE49-F238E27FC236}">
+                <a16:creationId xmlns:a16="http://schemas.microsoft.com/office/drawing/2014/main" id="{6515C720-07CA-FF0D-B4B0-77934CE1B8AD}"/>
+              </a:ext>
+            </a:extLst>
+          </p:cNvPr>
+          <p:cNvPicPr>
+            <a:picLocks noChangeAspect="1"/>
+          </p:cNvPicPr>
+          <p:nvPr/>
+        </p:nvPicPr>
+        <p:blipFill>
+          <a:blip r:embed="rId2"/>
+          <a:stretch>
+            <a:fillRect/>
+          </a:stretch>
+        </p:blipFill>
+        <p:spPr>
+          <a:xfrm>
+            <a:off x="1058209" y="2137073"/>
+            <a:ext cx="7891144" cy="1534066"/>
+          </a:xfrm>
+          <a:prstGeom prst="rect">
+            <a:avLst/>
+          </a:prstGeom>
+        </p:spPr>
+      </p:pic>
+      <p:sp>
+        <p:nvSpPr>
+          <p:cNvPr id="5" name="Content Placeholder 2">
+            <a:extLst>
+              <a:ext uri="{FF2B5EF4-FFF2-40B4-BE49-F238E27FC236}">
+                <a16:creationId xmlns:a16="http://schemas.microsoft.com/office/drawing/2014/main" id="{10D0AB1F-183D-82AC-903A-B7392A71A6A4}"/>
+              </a:ext>
+            </a:extLst>
+          </p:cNvPr>
+          <p:cNvSpPr txBox="1">
+            <a:spLocks/>
+          </p:cNvSpPr>
+          <p:nvPr/>
+        </p:nvSpPr>
+        <p:spPr>
+          <a:xfrm>
+            <a:off x="1058209" y="1761657"/>
+            <a:ext cx="9322920" cy="487754"/>
+          </a:xfrm>
+          <a:prstGeom prst="rect">
+            <a:avLst/>
+          </a:prstGeom>
+        </p:spPr>
+        <p:txBody>
+          <a:bodyPr vert="horz" lIns="91440" tIns="45720" rIns="91440" bIns="45720" rtlCol="0">
+            <a:normAutofit/>
+          </a:bodyPr>
+          <a:lstStyle>
+            <a:lvl1pPr marL="228600" indent="-228600" algn="l" defTabSz="914400" rtl="0" eaLnBrk="1" latinLnBrk="0" hangingPunct="1">
+              <a:lnSpc>
+                <a:spcPct val="90000"/>
+              </a:lnSpc>
+              <a:spcBef>
+                <a:spcPts val="1000"/>
+              </a:spcBef>
+              <a:buFont typeface="Arial" panose="020B0604020202020204" pitchFamily="34" charset="0"/>
+              <a:buChar char="•"/>
+              <a:defRPr sz="2800" kern="1200">
+                <a:solidFill>
+                  <a:schemeClr val="tx1"/>
+                </a:solidFill>
+                <a:latin typeface="+mn-lt"/>
+                <a:ea typeface="+mn-ea"/>
+                <a:cs typeface="+mn-cs"/>
+              </a:defRPr>
+            </a:lvl1pPr>
+            <a:lvl2pPr marL="685800" indent="-228600" algn="l" defTabSz="914400" rtl="0" eaLnBrk="1" latinLnBrk="0" hangingPunct="1">
+              <a:lnSpc>
+                <a:spcPct val="90000"/>
+              </a:lnSpc>
+              <a:spcBef>
+                <a:spcPts val="500"/>
+              </a:spcBef>
+              <a:buFont typeface="Arial" panose="020B0604020202020204" pitchFamily="34" charset="0"/>
+              <a:buChar char="•"/>
+              <a:defRPr sz="2400" kern="1200">
+                <a:solidFill>
+                  <a:schemeClr val="tx1"/>
+                </a:solidFill>
+                <a:latin typeface="+mn-lt"/>
+                <a:ea typeface="+mn-ea"/>
+                <a:cs typeface="+mn-cs"/>
+              </a:defRPr>
+            </a:lvl2pPr>
+            <a:lvl3pPr marL="1143000" indent="-228600" algn="l" defTabSz="914400" rtl="0" eaLnBrk="1" latinLnBrk="0" hangingPunct="1">
+              <a:lnSpc>
+                <a:spcPct val="90000"/>
+              </a:lnSpc>
+              <a:spcBef>
+                <a:spcPts val="500"/>
+              </a:spcBef>
+              <a:buFont typeface="Arial" panose="020B0604020202020204" pitchFamily="34" charset="0"/>
+              <a:buChar char="•"/>
+              <a:defRPr sz="2000" kern="1200">
+                <a:solidFill>
+                  <a:schemeClr val="tx1"/>
+                </a:solidFill>
+                <a:latin typeface="+mn-lt"/>
+                <a:ea typeface="+mn-ea"/>
+                <a:cs typeface="+mn-cs"/>
+              </a:defRPr>
+            </a:lvl3pPr>
+            <a:lvl4pPr marL="1600200" indent="-228600" algn="l" defTabSz="914400" rtl="0" eaLnBrk="1" latinLnBrk="0" hangingPunct="1">
+              <a:lnSpc>
+                <a:spcPct val="90000"/>
+              </a:lnSpc>
+              <a:spcBef>
+                <a:spcPts val="500"/>
+              </a:spcBef>
+              <a:buFont typeface="Arial" panose="020B0604020202020204" pitchFamily="34" charset="0"/>
+              <a:buChar char="•"/>
+              <a:defRPr sz="1800" kern="1200">
+                <a:solidFill>
+                  <a:schemeClr val="tx1"/>
+                </a:solidFill>
+                <a:latin typeface="+mn-lt"/>
+                <a:ea typeface="+mn-ea"/>
+                <a:cs typeface="+mn-cs"/>
+              </a:defRPr>
+            </a:lvl4pPr>
+            <a:lvl5pPr marL="2057400" indent="-228600" algn="l" defTabSz="914400" rtl="0" eaLnBrk="1" latinLnBrk="0" hangingPunct="1">
+              <a:lnSpc>
+                <a:spcPct val="90000"/>
+              </a:lnSpc>
+              <a:spcBef>
+                <a:spcPts val="500"/>
+              </a:spcBef>
+              <a:buFont typeface="Arial" panose="020B0604020202020204" pitchFamily="34" charset="0"/>
+              <a:buChar char="•"/>
+              <a:defRPr sz="1800" kern="1200">
+                <a:solidFill>
+                  <a:schemeClr val="tx1"/>
+                </a:solidFill>
+                <a:latin typeface="+mn-lt"/>
+                <a:ea typeface="+mn-ea"/>
+                <a:cs typeface="+mn-cs"/>
+              </a:defRPr>
+            </a:lvl5pPr>
+            <a:lvl6pPr marL="2514600" indent="-228600" algn="l" defTabSz="914400" rtl="0" eaLnBrk="1" latinLnBrk="0" hangingPunct="1">
+              <a:lnSpc>
+                <a:spcPct val="90000"/>
+              </a:lnSpc>
+              <a:spcBef>
+                <a:spcPts val="500"/>
+              </a:spcBef>
+              <a:buFont typeface="Arial" panose="020B0604020202020204" pitchFamily="34" charset="0"/>
+              <a:buChar char="•"/>
+              <a:defRPr sz="1800" kern="1200">
+                <a:solidFill>
+                  <a:schemeClr val="tx1"/>
+                </a:solidFill>
+                <a:latin typeface="+mn-lt"/>
+                <a:ea typeface="+mn-ea"/>
+                <a:cs typeface="+mn-cs"/>
+              </a:defRPr>
+            </a:lvl6pPr>
+            <a:lvl7pPr marL="2971800" indent="-228600" algn="l" defTabSz="914400" rtl="0" eaLnBrk="1" latinLnBrk="0" hangingPunct="1">
+              <a:lnSpc>
+                <a:spcPct val="90000"/>
+              </a:lnSpc>
+              <a:spcBef>
+                <a:spcPts val="500"/>
+              </a:spcBef>
+              <a:buFont typeface="Arial" panose="020B0604020202020204" pitchFamily="34" charset="0"/>
+              <a:buChar char="•"/>
+              <a:defRPr sz="1800" kern="1200">
+                <a:solidFill>
+                  <a:schemeClr val="tx1"/>
+                </a:solidFill>
+                <a:latin typeface="+mn-lt"/>
+                <a:ea typeface="+mn-ea"/>
+                <a:cs typeface="+mn-cs"/>
+              </a:defRPr>
+            </a:lvl7pPr>
+            <a:lvl8pPr marL="3429000" indent="-228600" algn="l" defTabSz="914400" rtl="0" eaLnBrk="1" latinLnBrk="0" hangingPunct="1">
+              <a:lnSpc>
+                <a:spcPct val="90000"/>
+              </a:lnSpc>
+              <a:spcBef>
+                <a:spcPts val="500"/>
+              </a:spcBef>
+              <a:buFont typeface="Arial" panose="020B0604020202020204" pitchFamily="34" charset="0"/>
+              <a:buChar char="•"/>
+              <a:defRPr sz="1800" kern="1200">
+                <a:solidFill>
+                  <a:schemeClr val="tx1"/>
+                </a:solidFill>
+                <a:latin typeface="+mn-lt"/>
+                <a:ea typeface="+mn-ea"/>
+                <a:cs typeface="+mn-cs"/>
+              </a:defRPr>
+            </a:lvl8pPr>
+            <a:lvl9pPr marL="3886200" indent="-228600" algn="l" defTabSz="914400" rtl="0" eaLnBrk="1" latinLnBrk="0" hangingPunct="1">
+              <a:lnSpc>
+                <a:spcPct val="90000"/>
+              </a:lnSpc>
+              <a:spcBef>
+                <a:spcPts val="500"/>
+              </a:spcBef>
+              <a:buFont typeface="Arial" panose="020B0604020202020204" pitchFamily="34" charset="0"/>
+              <a:buChar char="•"/>
+              <a:defRPr sz="1800" kern="1200">
+                <a:solidFill>
+                  <a:schemeClr val="tx1"/>
+                </a:solidFill>
+                <a:latin typeface="+mn-lt"/>
+                <a:ea typeface="+mn-ea"/>
+                <a:cs typeface="+mn-cs"/>
+              </a:defRPr>
+            </a:lvl9pPr>
+          </a:lstStyle>
+          <a:p>
+            <a:r>
+              <a:rPr lang="en-US" dirty="0"/>
+              <a:t>ANOVA (Interaction Model vs Higher Order Model)</a:t>
+            </a:r>
+          </a:p>
+        </p:txBody>
+      </p:sp>
+      <p:pic>
+        <p:nvPicPr>
+          <p:cNvPr id="7" name="Picture 6">
+            <a:extLst>
+              <a:ext uri="{FF2B5EF4-FFF2-40B4-BE49-F238E27FC236}">
+                <a16:creationId xmlns:a16="http://schemas.microsoft.com/office/drawing/2014/main" id="{8985914C-E604-C7A1-8D45-79364E7E4CFE}"/>
+              </a:ext>
+            </a:extLst>
+          </p:cNvPr>
+          <p:cNvPicPr>
+            <a:picLocks noChangeAspect="1"/>
+          </p:cNvPicPr>
+          <p:nvPr/>
+        </p:nvPicPr>
+        <p:blipFill>
+          <a:blip r:embed="rId3"/>
+          <a:stretch>
+            <a:fillRect/>
+          </a:stretch>
+        </p:blipFill>
+        <p:spPr>
+          <a:xfrm>
+            <a:off x="1176953" y="4618189"/>
+            <a:ext cx="7864879" cy="1322730"/>
+          </a:xfrm>
+          <a:prstGeom prst="rect">
+            <a:avLst/>
+          </a:prstGeom>
+        </p:spPr>
+      </p:pic>
+      <p:sp>
+        <p:nvSpPr>
+          <p:cNvPr id="13" name="TextBox 12">
+            <a:extLst>
+              <a:ext uri="{FF2B5EF4-FFF2-40B4-BE49-F238E27FC236}">
+                <a16:creationId xmlns:a16="http://schemas.microsoft.com/office/drawing/2014/main" id="{767145FB-F755-E4F3-5D87-D1575C936C95}"/>
+              </a:ext>
+            </a:extLst>
+          </p:cNvPr>
+          <p:cNvSpPr txBox="1"/>
+          <p:nvPr/>
+        </p:nvSpPr>
+        <p:spPr>
+          <a:xfrm>
+            <a:off x="8917602" y="2637109"/>
+            <a:ext cx="3164541" cy="646331"/>
+          </a:xfrm>
+          <a:prstGeom prst="rect">
+            <a:avLst/>
+          </a:prstGeom>
+          <a:noFill/>
+        </p:spPr>
+        <p:txBody>
+          <a:bodyPr wrap="square">
+            <a:spAutoFit/>
+          </a:bodyPr>
+          <a:lstStyle/>
+          <a:p>
+            <a:r>
+              <a:rPr lang="en-US" b="1" dirty="0"/>
+              <a:t>-P-value </a:t>
+            </a:r>
+            <a:r>
+              <a:rPr lang="en-CA" sz="1800" b="1" kern="100" dirty="0">
+                <a:solidFill>
+                  <a:srgbClr val="000000"/>
+                </a:solidFill>
+                <a:effectLst/>
+                <a:latin typeface="Aptos" panose="020B0004020202020204" pitchFamily="34" charset="0"/>
+                <a:ea typeface="Malgun Gothic" panose="020B0503020000020004" pitchFamily="34" charset="-127"/>
+                <a:cs typeface="Times New Roman" panose="02020603050405020304" pitchFamily="18" charset="0"/>
+              </a:rPr>
+              <a:t>8.087e-05</a:t>
+            </a:r>
+            <a:r>
+              <a:rPr lang="en-CA" b="1" kern="100" dirty="0">
+                <a:solidFill>
+                  <a:srgbClr val="333333"/>
+                </a:solidFill>
+                <a:effectLst/>
+                <a:highlight>
+                  <a:srgbClr val="FFFFFF"/>
+                </a:highlight>
+                <a:ea typeface="Malgun Gothic" panose="020B0503020000020004" pitchFamily="34" charset="-127"/>
+                <a:cs typeface="Times New Roman" panose="02020603050405020304" pitchFamily="18" charset="0"/>
+              </a:rPr>
+              <a:t> &lt; α=0.05</a:t>
+            </a:r>
+          </a:p>
+          <a:p>
+            <a:r>
+              <a:rPr lang="en-US" b="1" dirty="0"/>
+              <a:t>- Reject the null hypothesis</a:t>
+            </a:r>
+          </a:p>
+        </p:txBody>
+      </p:sp>
+      <p:sp>
+        <p:nvSpPr>
+          <p:cNvPr id="17" name="TextBox 16">
+            <a:extLst>
+              <a:ext uri="{FF2B5EF4-FFF2-40B4-BE49-F238E27FC236}">
+                <a16:creationId xmlns:a16="http://schemas.microsoft.com/office/drawing/2014/main" id="{18DD1BB6-EAB6-DFEB-2AE2-9F035E3F4EAF}"/>
+              </a:ext>
+            </a:extLst>
+          </p:cNvPr>
+          <p:cNvSpPr txBox="1"/>
+          <p:nvPr/>
+        </p:nvSpPr>
+        <p:spPr>
+          <a:xfrm>
+            <a:off x="9137611" y="4937325"/>
+            <a:ext cx="3242647" cy="923330"/>
+          </a:xfrm>
+          <a:prstGeom prst="rect">
+            <a:avLst/>
+          </a:prstGeom>
+          <a:noFill/>
+        </p:spPr>
+        <p:txBody>
+          <a:bodyPr wrap="square">
+            <a:spAutoFit/>
+          </a:bodyPr>
+          <a:lstStyle/>
+          <a:p>
+            <a:r>
+              <a:rPr lang="en-US" b="1" dirty="0"/>
+              <a:t>-P-value </a:t>
+            </a:r>
+            <a:r>
+              <a:rPr lang="en-CA" sz="1800" b="1" kern="100" dirty="0">
+                <a:solidFill>
+                  <a:srgbClr val="000000"/>
+                </a:solidFill>
+                <a:effectLst/>
+                <a:latin typeface="Aptos" panose="020B0004020202020204" pitchFamily="34" charset="0"/>
+                <a:ea typeface="Malgun Gothic" panose="020B0503020000020004" pitchFamily="34" charset="-127"/>
+                <a:cs typeface="Times New Roman" panose="02020603050405020304" pitchFamily="18" charset="0"/>
+              </a:rPr>
+              <a:t>2.008e-05</a:t>
+            </a:r>
+            <a:r>
+              <a:rPr lang="en-CA" b="1" kern="100" dirty="0">
+                <a:solidFill>
+                  <a:srgbClr val="333333"/>
+                </a:solidFill>
+                <a:effectLst/>
+                <a:highlight>
+                  <a:srgbClr val="FFFFFF"/>
+                </a:highlight>
+                <a:ea typeface="Malgun Gothic" panose="020B0503020000020004" pitchFamily="34" charset="-127"/>
+                <a:cs typeface="Times New Roman" panose="02020603050405020304" pitchFamily="18" charset="0"/>
+              </a:rPr>
+              <a:t> &lt; α=0.05</a:t>
+            </a:r>
+          </a:p>
+          <a:p>
+            <a:r>
+              <a:rPr lang="en-US" b="1" dirty="0"/>
+              <a:t>- Reject the null hypothesis</a:t>
+            </a:r>
+          </a:p>
+          <a:p>
+            <a:endParaRPr lang="en-US" b="1" dirty="0"/>
+          </a:p>
+        </p:txBody>
+      </p:sp>
+      <p:sp>
+        <p:nvSpPr>
+          <p:cNvPr id="18" name="TextBox 17">
+            <a:extLst>
+              <a:ext uri="{FF2B5EF4-FFF2-40B4-BE49-F238E27FC236}">
+                <a16:creationId xmlns:a16="http://schemas.microsoft.com/office/drawing/2014/main" id="{44B1A6CC-F73B-509D-15E8-7080F0F3FB41}"/>
+              </a:ext>
+            </a:extLst>
+          </p:cNvPr>
+          <p:cNvSpPr txBox="1"/>
+          <p:nvPr/>
+        </p:nvSpPr>
+        <p:spPr>
+          <a:xfrm>
+            <a:off x="3560463" y="3590666"/>
+            <a:ext cx="2886635" cy="369332"/>
+          </a:xfrm>
+          <a:prstGeom prst="rect">
+            <a:avLst/>
+          </a:prstGeom>
+          <a:noFill/>
+        </p:spPr>
+        <p:txBody>
+          <a:bodyPr wrap="square" rtlCol="0">
+            <a:spAutoFit/>
+          </a:bodyPr>
+          <a:lstStyle/>
+          <a:p>
+            <a:r>
+              <a:rPr lang="en-US" b="1" dirty="0">
+                <a:solidFill>
+                  <a:srgbClr val="FF0000"/>
+                </a:solidFill>
+              </a:rPr>
+              <a:t>Higher Order Model Wins</a:t>
+            </a:r>
+            <a:endParaRPr lang="en-CA" b="1" dirty="0">
+              <a:solidFill>
+                <a:srgbClr val="FF0000"/>
+              </a:solidFill>
+            </a:endParaRPr>
+          </a:p>
+        </p:txBody>
+      </p:sp>
+      <p:sp>
+        <p:nvSpPr>
+          <p:cNvPr id="19" name="TextBox 18">
+            <a:extLst>
+              <a:ext uri="{FF2B5EF4-FFF2-40B4-BE49-F238E27FC236}">
+                <a16:creationId xmlns:a16="http://schemas.microsoft.com/office/drawing/2014/main" id="{1546A449-8DB5-7F76-E696-629B3FA09EED}"/>
+              </a:ext>
+            </a:extLst>
+          </p:cNvPr>
+          <p:cNvSpPr txBox="1"/>
+          <p:nvPr/>
+        </p:nvSpPr>
+        <p:spPr>
+          <a:xfrm>
+            <a:off x="3560462" y="5940919"/>
+            <a:ext cx="2886635" cy="369332"/>
+          </a:xfrm>
+          <a:prstGeom prst="rect">
+            <a:avLst/>
+          </a:prstGeom>
+          <a:noFill/>
+        </p:spPr>
+        <p:txBody>
+          <a:bodyPr wrap="square" rtlCol="0">
+            <a:spAutoFit/>
+          </a:bodyPr>
+          <a:lstStyle/>
+          <a:p>
+            <a:r>
+              <a:rPr lang="en-US" b="1" dirty="0">
+                <a:solidFill>
+                  <a:srgbClr val="FF0000"/>
+                </a:solidFill>
+              </a:rPr>
+              <a:t>Higher Order Model Wins</a:t>
+            </a:r>
+            <a:endParaRPr lang="en-CA" b="1" dirty="0">
+              <a:solidFill>
+                <a:srgbClr val="FF0000"/>
+              </a:solidFill>
+            </a:endParaRPr>
+          </a:p>
+        </p:txBody>
+      </p:sp>
+    </p:spTree>
+    <p:extLst>
+      <p:ext uri="{BB962C8B-B14F-4D97-AF65-F5344CB8AC3E}">
+        <p14:creationId xmlns:p14="http://schemas.microsoft.com/office/powerpoint/2010/main" val="2969149402"/>
+      </p:ext>
+    </p:extLst>
+  </p:cSld>
+  <p:clrMapOvr>
+    <a:masterClrMapping/>
+  </p:clrMapOvr>
+</p:sld>
+</file>
+
+<file path=ppt/slides/slide14.xml><?xml version="1.0" encoding="utf-8"?>
+<p:sld xmlns:a="http://schemas.openxmlformats.org/drawingml/2006/main" xmlns:r="http://schemas.openxmlformats.org/officeDocument/2006/relationships" xmlns:p="http://schemas.openxmlformats.org/presentationml/2006/main">
+  <p:cSld>
+    <p:spTree>
+      <p:nvGrpSpPr>
+        <p:cNvPr id="1" name=""/>
+        <p:cNvGrpSpPr/>
+        <p:nvPr/>
+      </p:nvGrpSpPr>
+      <p:grpSpPr>
+        <a:xfrm>
+          <a:off x="0" y="0"/>
+          <a:ext cx="0" cy="0"/>
+          <a:chOff x="0" y="0"/>
+          <a:chExt cx="0" cy="0"/>
+        </a:xfrm>
+      </p:grpSpPr>
+      <p:sp>
+        <p:nvSpPr>
+          <p:cNvPr id="2" name="Title 1">
+            <a:extLst>
+              <a:ext uri="{FF2B5EF4-FFF2-40B4-BE49-F238E27FC236}">
+                <a16:creationId xmlns:a16="http://schemas.microsoft.com/office/drawing/2014/main" id="{8C544C38-D035-3558-FE16-B83BFA9C53EF}"/>
+              </a:ext>
+            </a:extLst>
+          </p:cNvPr>
+          <p:cNvSpPr>
+            <a:spLocks noGrp="1"/>
+          </p:cNvSpPr>
+          <p:nvPr>
+            <p:ph type="title"/>
+          </p:nvPr>
+        </p:nvSpPr>
+        <p:spPr/>
+        <p:txBody>
+          <a:bodyPr/>
+          <a:lstStyle/>
+          <a:p>
+            <a:r>
+              <a:rPr lang="en-US" dirty="0"/>
+              <a:t>Final Model</a:t>
+            </a:r>
+          </a:p>
+        </p:txBody>
+      </p:sp>
+      <p:pic>
+        <p:nvPicPr>
+          <p:cNvPr id="9" name="Picture 8" descr="A screenshot of a computer&#10;&#10;Description automatically generated">
+            <a:extLst>
+              <a:ext uri="{FF2B5EF4-FFF2-40B4-BE49-F238E27FC236}">
+                <a16:creationId xmlns:a16="http://schemas.microsoft.com/office/drawing/2014/main" id="{6693E817-C6CC-69EB-4B8B-55893BB5421E}"/>
+              </a:ext>
+            </a:extLst>
+          </p:cNvPr>
+          <p:cNvPicPr>
+            <a:picLocks noChangeAspect="1"/>
+          </p:cNvPicPr>
+          <p:nvPr/>
+        </p:nvPicPr>
+        <p:blipFill>
+          <a:blip r:embed="rId2"/>
+          <a:stretch>
+            <a:fillRect/>
+          </a:stretch>
+        </p:blipFill>
+        <p:spPr>
+          <a:xfrm>
+            <a:off x="2083404" y="1565304"/>
+            <a:ext cx="7816375" cy="4995738"/>
+          </a:xfrm>
+          <a:prstGeom prst="rect">
+            <a:avLst/>
+          </a:prstGeom>
+        </p:spPr>
+      </p:pic>
+    </p:spTree>
+    <p:extLst>
+      <p:ext uri="{BB962C8B-B14F-4D97-AF65-F5344CB8AC3E}">
+        <p14:creationId xmlns:p14="http://schemas.microsoft.com/office/powerpoint/2010/main" val="2775318170"/>
+      </p:ext>
+    </p:extLst>
+  </p:cSld>
+  <p:clrMapOvr>
+    <a:masterClrMapping/>
+  </p:clrMapOvr>
+</p:sld>
+</file>
+
+<file path=ppt/slides/slide15.xml><?xml version="1.0" encoding="utf-8"?>
+<p:sld xmlns:a="http://schemas.openxmlformats.org/drawingml/2006/main" xmlns:r="http://schemas.openxmlformats.org/officeDocument/2006/relationships" xmlns:p="http://schemas.openxmlformats.org/presentationml/2006/main">
+  <p:cSld>
+    <p:spTree>
+      <p:nvGrpSpPr>
+        <p:cNvPr id="1" name=""/>
+        <p:cNvGrpSpPr/>
+        <p:nvPr/>
+      </p:nvGrpSpPr>
+      <p:grpSpPr>
+        <a:xfrm>
+          <a:off x="0" y="0"/>
+          <a:ext cx="0" cy="0"/>
+          <a:chOff x="0" y="0"/>
+          <a:chExt cx="0" cy="0"/>
+        </a:xfrm>
+      </p:grpSpPr>
+      <p:sp>
+        <p:nvSpPr>
+          <p:cNvPr id="2" name="Title 1">
+            <a:extLst>
+              <a:ext uri="{FF2B5EF4-FFF2-40B4-BE49-F238E27FC236}">
+                <a16:creationId xmlns:a16="http://schemas.microsoft.com/office/drawing/2014/main" id="{D3E3AADC-06C4-DC99-D496-8438D5B68644}"/>
+              </a:ext>
+            </a:extLst>
+          </p:cNvPr>
+          <p:cNvSpPr>
+            <a:spLocks noGrp="1"/>
+          </p:cNvSpPr>
+          <p:nvPr>
+            <p:ph type="title"/>
+          </p:nvPr>
+        </p:nvSpPr>
+        <p:spPr/>
+        <p:txBody>
+          <a:bodyPr/>
+          <a:lstStyle/>
+          <a:p>
+            <a:r>
+              <a:rPr lang="en-US" dirty="0"/>
+              <a:t>Assumption Verification</a:t>
+            </a:r>
+          </a:p>
+        </p:txBody>
+      </p:sp>
+      <p:sp>
+        <p:nvSpPr>
+          <p:cNvPr id="3" name="Content Placeholder 2">
+            <a:extLst>
+              <a:ext uri="{FF2B5EF4-FFF2-40B4-BE49-F238E27FC236}">
+                <a16:creationId xmlns:a16="http://schemas.microsoft.com/office/drawing/2014/main" id="{721174EB-60EA-56D0-655F-741509E329DB}"/>
+              </a:ext>
+            </a:extLst>
+          </p:cNvPr>
+          <p:cNvSpPr>
+            <a:spLocks noGrp="1"/>
+          </p:cNvSpPr>
+          <p:nvPr>
+            <p:ph idx="1"/>
+          </p:nvPr>
+        </p:nvSpPr>
+        <p:spPr/>
+        <p:txBody>
+          <a:bodyPr/>
+          <a:lstStyle/>
+          <a:p>
+            <a:pPr marL="514350" indent="-514350">
+              <a:buFont typeface="+mj-lt"/>
+              <a:buAutoNum type="arabicPeriod"/>
+            </a:pPr>
+            <a:r>
+              <a:rPr lang="en-US" dirty="0"/>
+              <a:t>Linearity Assumption</a:t>
+            </a:r>
+          </a:p>
+          <a:p>
+            <a:pPr marL="514350" indent="-514350">
+              <a:buFont typeface="+mj-lt"/>
+              <a:buAutoNum type="arabicPeriod"/>
+            </a:pPr>
+            <a:r>
+              <a:rPr lang="en-US" dirty="0"/>
+              <a:t>Equal Variance Assumption</a:t>
+            </a:r>
+          </a:p>
+          <a:p>
+            <a:pPr marL="514350" indent="-514350">
+              <a:buFont typeface="+mj-lt"/>
+              <a:buAutoNum type="arabicPeriod"/>
+            </a:pPr>
+            <a:r>
+              <a:rPr lang="en-US" dirty="0"/>
+              <a:t>Normality Assumption</a:t>
+            </a:r>
+          </a:p>
+          <a:p>
+            <a:pPr marL="514350" indent="-514350">
+              <a:buFont typeface="+mj-lt"/>
+              <a:buAutoNum type="arabicPeriod"/>
+            </a:pPr>
+            <a:r>
+              <a:rPr lang="en-US" dirty="0"/>
+              <a:t>Independence Assumption</a:t>
+            </a:r>
+          </a:p>
+          <a:p>
+            <a:pPr marL="514350" indent="-514350">
+              <a:buFont typeface="+mj-lt"/>
+              <a:buAutoNum type="arabicPeriod"/>
+            </a:pPr>
+            <a:r>
+              <a:rPr lang="en-US" dirty="0"/>
+              <a:t>Multi-Collinearity</a:t>
+            </a:r>
+          </a:p>
+          <a:p>
+            <a:pPr marL="514350" indent="-514350">
+              <a:buFont typeface="+mj-lt"/>
+              <a:buAutoNum type="arabicPeriod"/>
+            </a:pPr>
+            <a:r>
+              <a:rPr lang="en-US" dirty="0"/>
+              <a:t>Outliers</a:t>
+            </a:r>
+          </a:p>
+        </p:txBody>
+      </p:sp>
+    </p:spTree>
+    <p:extLst>
+      <p:ext uri="{BB962C8B-B14F-4D97-AF65-F5344CB8AC3E}">
+        <p14:creationId xmlns:p14="http://schemas.microsoft.com/office/powerpoint/2010/main" val="1486859568"/>
+      </p:ext>
+    </p:extLst>
+  </p:cSld>
+  <p:clrMapOvr>
+    <a:masterClrMapping/>
+  </p:clrMapOvr>
+</p:sld>
+</file>
+
+<file path=ppt/slides/slide16.xml><?xml version="1.0" encoding="utf-8"?>
+<p:sld xmlns:a="http://schemas.openxmlformats.org/drawingml/2006/main" xmlns:r="http://schemas.openxmlformats.org/officeDocument/2006/relationships" xmlns:p="http://schemas.openxmlformats.org/presentationml/2006/main">
+  <p:cSld>
+    <p:spTree>
+      <p:nvGrpSpPr>
+        <p:cNvPr id="1" name=""/>
+        <p:cNvGrpSpPr/>
+        <p:nvPr/>
+      </p:nvGrpSpPr>
+      <p:grpSpPr>
+        <a:xfrm>
+          <a:off x="0" y="0"/>
+          <a:ext cx="0" cy="0"/>
+          <a:chOff x="0" y="0"/>
+          <a:chExt cx="0" cy="0"/>
+        </a:xfrm>
+      </p:grpSpPr>
+      <p:sp>
+        <p:nvSpPr>
+          <p:cNvPr id="2" name="Title 1">
+            <a:extLst>
+              <a:ext uri="{FF2B5EF4-FFF2-40B4-BE49-F238E27FC236}">
+                <a16:creationId xmlns:a16="http://schemas.microsoft.com/office/drawing/2014/main" id="{B38DF1EC-0A54-5FDA-1560-BD71ED1E94FA}"/>
+              </a:ext>
+            </a:extLst>
+          </p:cNvPr>
+          <p:cNvSpPr>
+            <a:spLocks noGrp="1"/>
+          </p:cNvSpPr>
+          <p:nvPr>
+            <p:ph type="title"/>
+          </p:nvPr>
+        </p:nvSpPr>
+        <p:spPr/>
+        <p:txBody>
+          <a:bodyPr/>
+          <a:lstStyle/>
+          <a:p>
+            <a:endParaRPr lang="en-US" dirty="0"/>
+          </a:p>
+        </p:txBody>
+      </p:sp>
+      <p:sp>
+        <p:nvSpPr>
+          <p:cNvPr id="3" name="Content Placeholder 2">
+            <a:extLst>
+              <a:ext uri="{FF2B5EF4-FFF2-40B4-BE49-F238E27FC236}">
+                <a16:creationId xmlns:a16="http://schemas.microsoft.com/office/drawing/2014/main" id="{87881F5F-6130-443C-8192-D2120AAB4FC9}"/>
+              </a:ext>
+            </a:extLst>
+          </p:cNvPr>
+          <p:cNvSpPr>
+            <a:spLocks noGrp="1"/>
+          </p:cNvSpPr>
+          <p:nvPr>
+            <p:ph idx="1"/>
+          </p:nvPr>
+        </p:nvSpPr>
+        <p:spPr/>
+        <p:txBody>
+          <a:bodyPr/>
+          <a:lstStyle/>
+          <a:p>
+            <a:endParaRPr lang="en-US"/>
+          </a:p>
+        </p:txBody>
+      </p:sp>
+    </p:spTree>
+    <p:extLst>
+      <p:ext uri="{BB962C8B-B14F-4D97-AF65-F5344CB8AC3E}">
+        <p14:creationId xmlns:p14="http://schemas.microsoft.com/office/powerpoint/2010/main" val="2871423988"/>
+      </p:ext>
+    </p:extLst>
+  </p:cSld>
+  <p:clrMapOvr>
+    <a:masterClrMapping/>
+  </p:clrMapOvr>
+</p:sld>
+</file>
+
+<file path=ppt/slides/slide17.xml><?xml version="1.0" encoding="utf-8"?>
+<p:sld xmlns:a="http://schemas.openxmlformats.org/drawingml/2006/main" xmlns:r="http://schemas.openxmlformats.org/officeDocument/2006/relationships" xmlns:p="http://schemas.openxmlformats.org/presentationml/2006/main">
+  <p:cSld>
+    <p:spTree>
+      <p:nvGrpSpPr>
+        <p:cNvPr id="1" name=""/>
+        <p:cNvGrpSpPr/>
+        <p:nvPr/>
+      </p:nvGrpSpPr>
+      <p:grpSpPr>
+        <a:xfrm>
+          <a:off x="0" y="0"/>
+          <a:ext cx="0" cy="0"/>
+          <a:chOff x="0" y="0"/>
+          <a:chExt cx="0" cy="0"/>
+        </a:xfrm>
+      </p:grpSpPr>
+      <p:sp>
+        <p:nvSpPr>
+          <p:cNvPr id="2" name="Title 1">
+            <a:extLst>
+              <a:ext uri="{FF2B5EF4-FFF2-40B4-BE49-F238E27FC236}">
+                <a16:creationId xmlns:a16="http://schemas.microsoft.com/office/drawing/2014/main" id="{D3022144-EA96-7697-63E3-2DAC78AD27F8}"/>
+              </a:ext>
+            </a:extLst>
+          </p:cNvPr>
+          <p:cNvSpPr>
+            <a:spLocks noGrp="1"/>
+          </p:cNvSpPr>
+          <p:nvPr>
+            <p:ph type="title"/>
+          </p:nvPr>
+        </p:nvSpPr>
+        <p:spPr/>
+        <p:txBody>
+          <a:bodyPr/>
+          <a:lstStyle/>
+          <a:p>
+            <a:r>
+              <a:rPr lang="en-US" dirty="0"/>
+              <a:t>Conclusion</a:t>
+            </a:r>
+          </a:p>
+        </p:txBody>
+      </p:sp>
+      <p:sp>
+        <p:nvSpPr>
+          <p:cNvPr id="3" name="Content Placeholder 2">
+            <a:extLst>
+              <a:ext uri="{FF2B5EF4-FFF2-40B4-BE49-F238E27FC236}">
+                <a16:creationId xmlns:a16="http://schemas.microsoft.com/office/drawing/2014/main" id="{B0825F98-321D-6497-D3A5-B6DFD7EE8952}"/>
+              </a:ext>
+            </a:extLst>
+          </p:cNvPr>
+          <p:cNvSpPr>
+            <a:spLocks noGrp="1"/>
+          </p:cNvSpPr>
+          <p:nvPr>
+            <p:ph idx="1"/>
+          </p:nvPr>
+        </p:nvSpPr>
+        <p:spPr/>
+        <p:txBody>
+          <a:bodyPr/>
+          <a:lstStyle/>
+          <a:p>
+            <a:r>
+              <a:rPr lang="en-US" dirty="0"/>
+              <a:t>Some variables has positive impact like desire to go for higher education, spending time with friends, extra school support.</a:t>
+            </a:r>
+          </a:p>
+          <a:p>
+            <a:r>
+              <a:rPr lang="en-US" dirty="0"/>
+              <a:t>Variables like alcohol consumption, romantic relation, number of past failures has negative impact.</a:t>
+            </a:r>
+          </a:p>
+          <a:p>
+            <a:r>
+              <a:rPr lang="en-US" dirty="0"/>
+              <a:t>Adjusted R</a:t>
+            </a:r>
+            <a:r>
+              <a:rPr lang="en-US" baseline="30000" dirty="0"/>
+              <a:t>2 </a:t>
+            </a:r>
+            <a:r>
+              <a:rPr lang="en-US" dirty="0"/>
+              <a:t>is 23.84% which is not high, but our model met all the assumptions.</a:t>
+            </a:r>
+          </a:p>
+          <a:p>
+            <a:r>
+              <a:rPr lang="en-US" dirty="0"/>
+              <a:t>But it confirmed that social and demographic variables do play role in student’s academic performance.</a:t>
+            </a:r>
+          </a:p>
+        </p:txBody>
+      </p:sp>
+    </p:spTree>
+    <p:extLst>
+      <p:ext uri="{BB962C8B-B14F-4D97-AF65-F5344CB8AC3E}">
+        <p14:creationId xmlns:p14="http://schemas.microsoft.com/office/powerpoint/2010/main" val="1931152677"/>
+      </p:ext>
+    </p:extLst>
+  </p:cSld>
+  <p:clrMapOvr>
+    <a:masterClrMapping/>
+  </p:clrMapOvr>
+</p:sld>
+</file>
+
+<file path=ppt/slides/slide18.xml><?xml version="1.0" encoding="utf-8"?>
+<p:sld xmlns:a="http://schemas.openxmlformats.org/drawingml/2006/main" xmlns:r="http://schemas.openxmlformats.org/officeDocument/2006/relationships" xmlns:p="http://schemas.openxmlformats.org/presentationml/2006/main">
+  <p:cSld>
+    <p:spTree>
+      <p:nvGrpSpPr>
+        <p:cNvPr id="1" name=""/>
+        <p:cNvGrpSpPr/>
+        <p:nvPr/>
+      </p:nvGrpSpPr>
+      <p:grpSpPr>
+        <a:xfrm>
+          <a:off x="0" y="0"/>
+          <a:ext cx="0" cy="0"/>
+          <a:chOff x="0" y="0"/>
+          <a:chExt cx="0" cy="0"/>
+        </a:xfrm>
+      </p:grpSpPr>
+      <p:sp>
+        <p:nvSpPr>
+          <p:cNvPr id="2" name="Title 1">
+            <a:extLst>
+              <a:ext uri="{FF2B5EF4-FFF2-40B4-BE49-F238E27FC236}">
                 <a16:creationId xmlns:a16="http://schemas.microsoft.com/office/drawing/2014/main" id="{CF9F2F6B-5816-F460-809C-7F6D57824D85}"/>
               </a:ext>
             </a:extLst>
@@ -3838,7 +5923,7 @@
 </p:sld>
 </file>
 
-<file path=ppt/slides/slide12.xml><?xml version="1.0" encoding="utf-8"?>
+<file path=ppt/slides/slide19.xml><?xml version="1.0" encoding="utf-8"?>
 <p:sld xmlns:a="http://schemas.openxmlformats.org/drawingml/2006/main" xmlns:r="http://schemas.openxmlformats.org/officeDocument/2006/relationships" xmlns:p="http://schemas.openxmlformats.org/presentationml/2006/main">
   <p:cSld>
     <p:spTree>
@@ -5538,7 +7623,7 @@
           <a:p>
             <a:r>
               <a:rPr lang="en-US" dirty="0"/>
-              <a:t>Model Building</a:t>
+              <a:t>Full Additive Model</a:t>
             </a:r>
           </a:p>
         </p:txBody>
@@ -5559,12 +7644,306 @@
             <p:ph idx="1"/>
           </p:nvPr>
         </p:nvSpPr>
-        <p:spPr/>
+        <p:spPr>
+          <a:xfrm>
+            <a:off x="838200" y="2674959"/>
+            <a:ext cx="10515600" cy="553434"/>
+          </a:xfrm>
+        </p:spPr>
         <p:txBody>
           <a:bodyPr/>
           <a:lstStyle/>
           <a:p>
+            <a:r>
+              <a:rPr lang="en-US" dirty="0"/>
+              <a:t>ANOVA Test (Null Model vs. Full Model)</a:t>
+            </a:r>
+          </a:p>
+        </p:txBody>
+      </p:sp>
+      <p:pic>
+        <p:nvPicPr>
+          <p:cNvPr id="7" name="Picture 6">
+            <a:extLst>
+              <a:ext uri="{FF2B5EF4-FFF2-40B4-BE49-F238E27FC236}">
+                <a16:creationId xmlns:a16="http://schemas.microsoft.com/office/drawing/2014/main" id="{0495155B-3609-CD7F-D714-AA8915C1A228}"/>
+              </a:ext>
+            </a:extLst>
+          </p:cNvPr>
+          <p:cNvPicPr>
+            <a:picLocks noChangeAspect="1"/>
+          </p:cNvPicPr>
+          <p:nvPr/>
+        </p:nvPicPr>
+        <p:blipFill>
+          <a:blip r:embed="rId2"/>
+          <a:stretch>
+            <a:fillRect/>
+          </a:stretch>
+        </p:blipFill>
+        <p:spPr>
+          <a:xfrm>
+            <a:off x="3242084" y="1433078"/>
+            <a:ext cx="5352724" cy="1002212"/>
+          </a:xfrm>
+          <a:prstGeom prst="rect">
+            <a:avLst/>
+          </a:prstGeom>
+        </p:spPr>
+      </p:pic>
+      <p:pic>
+        <p:nvPicPr>
+          <p:cNvPr id="9" name="Picture 8">
+            <a:extLst>
+              <a:ext uri="{FF2B5EF4-FFF2-40B4-BE49-F238E27FC236}">
+                <a16:creationId xmlns:a16="http://schemas.microsoft.com/office/drawing/2014/main" id="{6A73521E-5635-7B7E-8B12-277AC3DECB19}"/>
+              </a:ext>
+            </a:extLst>
+          </p:cNvPr>
+          <p:cNvPicPr>
+            <a:picLocks noChangeAspect="1"/>
+          </p:cNvPicPr>
+          <p:nvPr/>
+        </p:nvPicPr>
+        <p:blipFill>
+          <a:blip r:embed="rId3"/>
+          <a:stretch>
+            <a:fillRect/>
+          </a:stretch>
+        </p:blipFill>
+        <p:spPr>
+          <a:xfrm>
+            <a:off x="1434020" y="3228393"/>
+            <a:ext cx="8160403" cy="1362131"/>
+          </a:xfrm>
+          <a:prstGeom prst="rect">
+            <a:avLst/>
+          </a:prstGeom>
+        </p:spPr>
+      </p:pic>
+      <p:sp>
+        <p:nvSpPr>
+          <p:cNvPr id="11" name="Content Placeholder 2">
+            <a:extLst>
+              <a:ext uri="{FF2B5EF4-FFF2-40B4-BE49-F238E27FC236}">
+                <a16:creationId xmlns:a16="http://schemas.microsoft.com/office/drawing/2014/main" id="{B77C2BEA-C622-725F-8934-8492888A98DD}"/>
+              </a:ext>
+            </a:extLst>
+          </p:cNvPr>
+          <p:cNvSpPr txBox="1">
+            <a:spLocks/>
+          </p:cNvSpPr>
+          <p:nvPr/>
+        </p:nvSpPr>
+        <p:spPr>
+          <a:xfrm>
+            <a:off x="838200" y="4945120"/>
+            <a:ext cx="10515600" cy="1841168"/>
+          </a:xfrm>
+          <a:prstGeom prst="rect">
+            <a:avLst/>
+          </a:prstGeom>
+        </p:spPr>
+        <p:txBody>
+          <a:bodyPr vert="horz" lIns="91440" tIns="45720" rIns="91440" bIns="45720" rtlCol="0">
+            <a:normAutofit lnSpcReduction="10000"/>
+          </a:bodyPr>
+          <a:lstStyle>
+            <a:lvl1pPr marL="228600" indent="-228600" algn="l" defTabSz="914400" rtl="0" eaLnBrk="1" latinLnBrk="0" hangingPunct="1">
+              <a:lnSpc>
+                <a:spcPct val="90000"/>
+              </a:lnSpc>
+              <a:spcBef>
+                <a:spcPts val="1000"/>
+              </a:spcBef>
+              <a:buFont typeface="Arial" panose="020B0604020202020204" pitchFamily="34" charset="0"/>
+              <a:buChar char="•"/>
+              <a:defRPr sz="2800" kern="1200">
+                <a:solidFill>
+                  <a:schemeClr val="tx1"/>
+                </a:solidFill>
+                <a:latin typeface="+mn-lt"/>
+                <a:ea typeface="+mn-ea"/>
+                <a:cs typeface="+mn-cs"/>
+              </a:defRPr>
+            </a:lvl1pPr>
+            <a:lvl2pPr marL="685800" indent="-228600" algn="l" defTabSz="914400" rtl="0" eaLnBrk="1" latinLnBrk="0" hangingPunct="1">
+              <a:lnSpc>
+                <a:spcPct val="90000"/>
+              </a:lnSpc>
+              <a:spcBef>
+                <a:spcPts val="500"/>
+              </a:spcBef>
+              <a:buFont typeface="Arial" panose="020B0604020202020204" pitchFamily="34" charset="0"/>
+              <a:buChar char="•"/>
+              <a:defRPr sz="2400" kern="1200">
+                <a:solidFill>
+                  <a:schemeClr val="tx1"/>
+                </a:solidFill>
+                <a:latin typeface="+mn-lt"/>
+                <a:ea typeface="+mn-ea"/>
+                <a:cs typeface="+mn-cs"/>
+              </a:defRPr>
+            </a:lvl2pPr>
+            <a:lvl3pPr marL="1143000" indent="-228600" algn="l" defTabSz="914400" rtl="0" eaLnBrk="1" latinLnBrk="0" hangingPunct="1">
+              <a:lnSpc>
+                <a:spcPct val="90000"/>
+              </a:lnSpc>
+              <a:spcBef>
+                <a:spcPts val="500"/>
+              </a:spcBef>
+              <a:buFont typeface="Arial" panose="020B0604020202020204" pitchFamily="34" charset="0"/>
+              <a:buChar char="•"/>
+              <a:defRPr sz="2000" kern="1200">
+                <a:solidFill>
+                  <a:schemeClr val="tx1"/>
+                </a:solidFill>
+                <a:latin typeface="+mn-lt"/>
+                <a:ea typeface="+mn-ea"/>
+                <a:cs typeface="+mn-cs"/>
+              </a:defRPr>
+            </a:lvl3pPr>
+            <a:lvl4pPr marL="1600200" indent="-228600" algn="l" defTabSz="914400" rtl="0" eaLnBrk="1" latinLnBrk="0" hangingPunct="1">
+              <a:lnSpc>
+                <a:spcPct val="90000"/>
+              </a:lnSpc>
+              <a:spcBef>
+                <a:spcPts val="500"/>
+              </a:spcBef>
+              <a:buFont typeface="Arial" panose="020B0604020202020204" pitchFamily="34" charset="0"/>
+              <a:buChar char="•"/>
+              <a:defRPr sz="1800" kern="1200">
+                <a:solidFill>
+                  <a:schemeClr val="tx1"/>
+                </a:solidFill>
+                <a:latin typeface="+mn-lt"/>
+                <a:ea typeface="+mn-ea"/>
+                <a:cs typeface="+mn-cs"/>
+              </a:defRPr>
+            </a:lvl4pPr>
+            <a:lvl5pPr marL="2057400" indent="-228600" algn="l" defTabSz="914400" rtl="0" eaLnBrk="1" latinLnBrk="0" hangingPunct="1">
+              <a:lnSpc>
+                <a:spcPct val="90000"/>
+              </a:lnSpc>
+              <a:spcBef>
+                <a:spcPts val="500"/>
+              </a:spcBef>
+              <a:buFont typeface="Arial" panose="020B0604020202020204" pitchFamily="34" charset="0"/>
+              <a:buChar char="•"/>
+              <a:defRPr sz="1800" kern="1200">
+                <a:solidFill>
+                  <a:schemeClr val="tx1"/>
+                </a:solidFill>
+                <a:latin typeface="+mn-lt"/>
+                <a:ea typeface="+mn-ea"/>
+                <a:cs typeface="+mn-cs"/>
+              </a:defRPr>
+            </a:lvl5pPr>
+            <a:lvl6pPr marL="2514600" indent="-228600" algn="l" defTabSz="914400" rtl="0" eaLnBrk="1" latinLnBrk="0" hangingPunct="1">
+              <a:lnSpc>
+                <a:spcPct val="90000"/>
+              </a:lnSpc>
+              <a:spcBef>
+                <a:spcPts val="500"/>
+              </a:spcBef>
+              <a:buFont typeface="Arial" panose="020B0604020202020204" pitchFamily="34" charset="0"/>
+              <a:buChar char="•"/>
+              <a:defRPr sz="1800" kern="1200">
+                <a:solidFill>
+                  <a:schemeClr val="tx1"/>
+                </a:solidFill>
+                <a:latin typeface="+mn-lt"/>
+                <a:ea typeface="+mn-ea"/>
+                <a:cs typeface="+mn-cs"/>
+              </a:defRPr>
+            </a:lvl6pPr>
+            <a:lvl7pPr marL="2971800" indent="-228600" algn="l" defTabSz="914400" rtl="0" eaLnBrk="1" latinLnBrk="0" hangingPunct="1">
+              <a:lnSpc>
+                <a:spcPct val="90000"/>
+              </a:lnSpc>
+              <a:spcBef>
+                <a:spcPts val="500"/>
+              </a:spcBef>
+              <a:buFont typeface="Arial" panose="020B0604020202020204" pitchFamily="34" charset="0"/>
+              <a:buChar char="•"/>
+              <a:defRPr sz="1800" kern="1200">
+                <a:solidFill>
+                  <a:schemeClr val="tx1"/>
+                </a:solidFill>
+                <a:latin typeface="+mn-lt"/>
+                <a:ea typeface="+mn-ea"/>
+                <a:cs typeface="+mn-cs"/>
+              </a:defRPr>
+            </a:lvl7pPr>
+            <a:lvl8pPr marL="3429000" indent="-228600" algn="l" defTabSz="914400" rtl="0" eaLnBrk="1" latinLnBrk="0" hangingPunct="1">
+              <a:lnSpc>
+                <a:spcPct val="90000"/>
+              </a:lnSpc>
+              <a:spcBef>
+                <a:spcPts val="500"/>
+              </a:spcBef>
+              <a:buFont typeface="Arial" panose="020B0604020202020204" pitchFamily="34" charset="0"/>
+              <a:buChar char="•"/>
+              <a:defRPr sz="1800" kern="1200">
+                <a:solidFill>
+                  <a:schemeClr val="tx1"/>
+                </a:solidFill>
+                <a:latin typeface="+mn-lt"/>
+                <a:ea typeface="+mn-ea"/>
+                <a:cs typeface="+mn-cs"/>
+              </a:defRPr>
+            </a:lvl8pPr>
+            <a:lvl9pPr marL="3886200" indent="-228600" algn="l" defTabSz="914400" rtl="0" eaLnBrk="1" latinLnBrk="0" hangingPunct="1">
+              <a:lnSpc>
+                <a:spcPct val="90000"/>
+              </a:lnSpc>
+              <a:spcBef>
+                <a:spcPts val="500"/>
+              </a:spcBef>
+              <a:buFont typeface="Arial" panose="020B0604020202020204" pitchFamily="34" charset="0"/>
+              <a:buChar char="•"/>
+              <a:defRPr sz="1800" kern="1200">
+                <a:solidFill>
+                  <a:schemeClr val="tx1"/>
+                </a:solidFill>
+                <a:latin typeface="+mn-lt"/>
+                <a:ea typeface="+mn-ea"/>
+                <a:cs typeface="+mn-cs"/>
+              </a:defRPr>
+            </a:lvl9pPr>
+          </a:lstStyle>
+          <a:p>
+            <a:r>
+              <a:rPr lang="en-US" dirty="0"/>
+              <a:t>P-value </a:t>
+            </a:r>
+            <a:r>
+              <a:rPr lang="en-CA" kern="100" dirty="0">
+                <a:solidFill>
+                  <a:srgbClr val="333333"/>
+                </a:solidFill>
+                <a:effectLst/>
+                <a:highlight>
+                  <a:srgbClr val="FFFFFF"/>
+                </a:highlight>
+                <a:ea typeface="Malgun Gothic" panose="020B0503020000020004" pitchFamily="34" charset="-127"/>
+                <a:cs typeface="Times New Roman" panose="02020603050405020304" pitchFamily="18" charset="0"/>
+              </a:rPr>
+              <a:t>2.2e-16 &lt; α=0.05</a:t>
+            </a:r>
             <a:endParaRPr lang="en-US" dirty="0"/>
+          </a:p>
+          <a:p>
+            <a:r>
+              <a:rPr lang="en-US" dirty="0"/>
+              <a:t>Clearly reject the null hypothesis.</a:t>
+            </a:r>
+          </a:p>
+          <a:p>
+            <a:r>
+              <a:rPr lang="en-US" dirty="0"/>
+              <a:t>At least one of student performance variables must be related to Final grade.</a:t>
+            </a:r>
           </a:p>
         </p:txBody>
       </p:sp>
@@ -5603,7 +7982,7 @@
           <p:cNvPr id="2" name="Title 1">
             <a:extLst>
               <a:ext uri="{FF2B5EF4-FFF2-40B4-BE49-F238E27FC236}">
-                <a16:creationId xmlns:a16="http://schemas.microsoft.com/office/drawing/2014/main" id="{8C544C38-D035-3558-FE16-B83BFA9C53EF}"/>
+                <a16:creationId xmlns:a16="http://schemas.microsoft.com/office/drawing/2014/main" id="{ED576D88-9382-52E2-FF7D-ECD02CE27324}"/>
               </a:ext>
             </a:extLst>
           </p:cNvPr>
@@ -5614,47 +7993,339 @@
             <p:ph type="title"/>
           </p:nvPr>
         </p:nvSpPr>
-        <p:spPr/>
+        <p:spPr>
+          <a:xfrm>
+            <a:off x="838200" y="365125"/>
+            <a:ext cx="10806404" cy="1325563"/>
+          </a:xfrm>
+        </p:spPr>
         <p:txBody>
           <a:bodyPr/>
           <a:lstStyle/>
           <a:p>
             <a:r>
-              <a:rPr lang="en-US" dirty="0"/>
-              <a:t>Interaction &amp; Higher Order Model</a:t>
-            </a:r>
-          </a:p>
-        </p:txBody>
-      </p:sp>
-      <p:sp>
-        <p:nvSpPr>
-          <p:cNvPr id="3" name="Content Placeholder 2">
-            <a:extLst>
-              <a:ext uri="{FF2B5EF4-FFF2-40B4-BE49-F238E27FC236}">
-                <a16:creationId xmlns:a16="http://schemas.microsoft.com/office/drawing/2014/main" id="{D652947B-A0E2-455E-BCE5-B0C409F6E180}"/>
-              </a:ext>
-            </a:extLst>
-          </p:cNvPr>
-          <p:cNvSpPr>
-            <a:spLocks noGrp="1"/>
-          </p:cNvSpPr>
-          <p:nvPr>
-            <p:ph idx="1"/>
-          </p:nvPr>
-        </p:nvSpPr>
-        <p:spPr/>
-        <p:txBody>
-          <a:bodyPr/>
-          <a:lstStyle/>
-          <a:p>
-            <a:endParaRPr lang="en-US"/>
-          </a:p>
-        </p:txBody>
-      </p:sp>
+              <a:rPr lang="en-CA" sz="4400" kern="100" dirty="0">
+                <a:effectLst/>
+                <a:latin typeface="Aptos" panose="020B0004020202020204" pitchFamily="34" charset="0"/>
+                <a:ea typeface="Malgun Gothic" panose="020B0503020000020004" pitchFamily="34" charset="-127"/>
+                <a:cs typeface="Times New Roman" panose="02020603050405020304" pitchFamily="18" charset="0"/>
+              </a:rPr>
+              <a:t>Individual T-test to find significant variables</a:t>
+            </a:r>
+            <a:endParaRPr lang="en-US" dirty="0"/>
+          </a:p>
+        </p:txBody>
+      </p:sp>
+      <p:sp>
+        <p:nvSpPr>
+          <p:cNvPr id="11" name="Content Placeholder 2">
+            <a:extLst>
+              <a:ext uri="{FF2B5EF4-FFF2-40B4-BE49-F238E27FC236}">
+                <a16:creationId xmlns:a16="http://schemas.microsoft.com/office/drawing/2014/main" id="{B77C2BEA-C622-725F-8934-8492888A98DD}"/>
+              </a:ext>
+            </a:extLst>
+          </p:cNvPr>
+          <p:cNvSpPr txBox="1">
+            <a:spLocks/>
+          </p:cNvSpPr>
+          <p:nvPr/>
+        </p:nvSpPr>
+        <p:spPr>
+          <a:xfrm>
+            <a:off x="829060" y="2808513"/>
+            <a:ext cx="10515600" cy="3517641"/>
+          </a:xfrm>
+          <a:prstGeom prst="rect">
+            <a:avLst/>
+          </a:prstGeom>
+        </p:spPr>
+        <p:txBody>
+          <a:bodyPr vert="horz" lIns="91440" tIns="45720" rIns="91440" bIns="45720" rtlCol="0">
+            <a:normAutofit fontScale="92500" lnSpcReduction="10000"/>
+          </a:bodyPr>
+          <a:lstStyle>
+            <a:lvl1pPr marL="228600" indent="-228600" algn="l" defTabSz="914400" rtl="0" eaLnBrk="1" latinLnBrk="0" hangingPunct="1">
+              <a:lnSpc>
+                <a:spcPct val="90000"/>
+              </a:lnSpc>
+              <a:spcBef>
+                <a:spcPts val="1000"/>
+              </a:spcBef>
+              <a:buFont typeface="Arial" panose="020B0604020202020204" pitchFamily="34" charset="0"/>
+              <a:buChar char="•"/>
+              <a:defRPr sz="2800" kern="1200">
+                <a:solidFill>
+                  <a:schemeClr val="tx1"/>
+                </a:solidFill>
+                <a:latin typeface="+mn-lt"/>
+                <a:ea typeface="+mn-ea"/>
+                <a:cs typeface="+mn-cs"/>
+              </a:defRPr>
+            </a:lvl1pPr>
+            <a:lvl2pPr marL="685800" indent="-228600" algn="l" defTabSz="914400" rtl="0" eaLnBrk="1" latinLnBrk="0" hangingPunct="1">
+              <a:lnSpc>
+                <a:spcPct val="90000"/>
+              </a:lnSpc>
+              <a:spcBef>
+                <a:spcPts val="500"/>
+              </a:spcBef>
+              <a:buFont typeface="Arial" panose="020B0604020202020204" pitchFamily="34" charset="0"/>
+              <a:buChar char="•"/>
+              <a:defRPr sz="2400" kern="1200">
+                <a:solidFill>
+                  <a:schemeClr val="tx1"/>
+                </a:solidFill>
+                <a:latin typeface="+mn-lt"/>
+                <a:ea typeface="+mn-ea"/>
+                <a:cs typeface="+mn-cs"/>
+              </a:defRPr>
+            </a:lvl2pPr>
+            <a:lvl3pPr marL="1143000" indent="-228600" algn="l" defTabSz="914400" rtl="0" eaLnBrk="1" latinLnBrk="0" hangingPunct="1">
+              <a:lnSpc>
+                <a:spcPct val="90000"/>
+              </a:lnSpc>
+              <a:spcBef>
+                <a:spcPts val="500"/>
+              </a:spcBef>
+              <a:buFont typeface="Arial" panose="020B0604020202020204" pitchFamily="34" charset="0"/>
+              <a:buChar char="•"/>
+              <a:defRPr sz="2000" kern="1200">
+                <a:solidFill>
+                  <a:schemeClr val="tx1"/>
+                </a:solidFill>
+                <a:latin typeface="+mn-lt"/>
+                <a:ea typeface="+mn-ea"/>
+                <a:cs typeface="+mn-cs"/>
+              </a:defRPr>
+            </a:lvl3pPr>
+            <a:lvl4pPr marL="1600200" indent="-228600" algn="l" defTabSz="914400" rtl="0" eaLnBrk="1" latinLnBrk="0" hangingPunct="1">
+              <a:lnSpc>
+                <a:spcPct val="90000"/>
+              </a:lnSpc>
+              <a:spcBef>
+                <a:spcPts val="500"/>
+              </a:spcBef>
+              <a:buFont typeface="Arial" panose="020B0604020202020204" pitchFamily="34" charset="0"/>
+              <a:buChar char="•"/>
+              <a:defRPr sz="1800" kern="1200">
+                <a:solidFill>
+                  <a:schemeClr val="tx1"/>
+                </a:solidFill>
+                <a:latin typeface="+mn-lt"/>
+                <a:ea typeface="+mn-ea"/>
+                <a:cs typeface="+mn-cs"/>
+              </a:defRPr>
+            </a:lvl4pPr>
+            <a:lvl5pPr marL="2057400" indent="-228600" algn="l" defTabSz="914400" rtl="0" eaLnBrk="1" latinLnBrk="0" hangingPunct="1">
+              <a:lnSpc>
+                <a:spcPct val="90000"/>
+              </a:lnSpc>
+              <a:spcBef>
+                <a:spcPts val="500"/>
+              </a:spcBef>
+              <a:buFont typeface="Arial" panose="020B0604020202020204" pitchFamily="34" charset="0"/>
+              <a:buChar char="•"/>
+              <a:defRPr sz="1800" kern="1200">
+                <a:solidFill>
+                  <a:schemeClr val="tx1"/>
+                </a:solidFill>
+                <a:latin typeface="+mn-lt"/>
+                <a:ea typeface="+mn-ea"/>
+                <a:cs typeface="+mn-cs"/>
+              </a:defRPr>
+            </a:lvl5pPr>
+            <a:lvl6pPr marL="2514600" indent="-228600" algn="l" defTabSz="914400" rtl="0" eaLnBrk="1" latinLnBrk="0" hangingPunct="1">
+              <a:lnSpc>
+                <a:spcPct val="90000"/>
+              </a:lnSpc>
+              <a:spcBef>
+                <a:spcPts val="500"/>
+              </a:spcBef>
+              <a:buFont typeface="Arial" panose="020B0604020202020204" pitchFamily="34" charset="0"/>
+              <a:buChar char="•"/>
+              <a:defRPr sz="1800" kern="1200">
+                <a:solidFill>
+                  <a:schemeClr val="tx1"/>
+                </a:solidFill>
+                <a:latin typeface="+mn-lt"/>
+                <a:ea typeface="+mn-ea"/>
+                <a:cs typeface="+mn-cs"/>
+              </a:defRPr>
+            </a:lvl6pPr>
+            <a:lvl7pPr marL="2971800" indent="-228600" algn="l" defTabSz="914400" rtl="0" eaLnBrk="1" latinLnBrk="0" hangingPunct="1">
+              <a:lnSpc>
+                <a:spcPct val="90000"/>
+              </a:lnSpc>
+              <a:spcBef>
+                <a:spcPts val="500"/>
+              </a:spcBef>
+              <a:buFont typeface="Arial" panose="020B0604020202020204" pitchFamily="34" charset="0"/>
+              <a:buChar char="•"/>
+              <a:defRPr sz="1800" kern="1200">
+                <a:solidFill>
+                  <a:schemeClr val="tx1"/>
+                </a:solidFill>
+                <a:latin typeface="+mn-lt"/>
+                <a:ea typeface="+mn-ea"/>
+                <a:cs typeface="+mn-cs"/>
+              </a:defRPr>
+            </a:lvl7pPr>
+            <a:lvl8pPr marL="3429000" indent="-228600" algn="l" defTabSz="914400" rtl="0" eaLnBrk="1" latinLnBrk="0" hangingPunct="1">
+              <a:lnSpc>
+                <a:spcPct val="90000"/>
+              </a:lnSpc>
+              <a:spcBef>
+                <a:spcPts val="500"/>
+              </a:spcBef>
+              <a:buFont typeface="Arial" panose="020B0604020202020204" pitchFamily="34" charset="0"/>
+              <a:buChar char="•"/>
+              <a:defRPr sz="1800" kern="1200">
+                <a:solidFill>
+                  <a:schemeClr val="tx1"/>
+                </a:solidFill>
+                <a:latin typeface="+mn-lt"/>
+                <a:ea typeface="+mn-ea"/>
+                <a:cs typeface="+mn-cs"/>
+              </a:defRPr>
+            </a:lvl8pPr>
+            <a:lvl9pPr marL="3886200" indent="-228600" algn="l" defTabSz="914400" rtl="0" eaLnBrk="1" latinLnBrk="0" hangingPunct="1">
+              <a:lnSpc>
+                <a:spcPct val="90000"/>
+              </a:lnSpc>
+              <a:spcBef>
+                <a:spcPts val="500"/>
+              </a:spcBef>
+              <a:buFont typeface="Arial" panose="020B0604020202020204" pitchFamily="34" charset="0"/>
+              <a:buChar char="•"/>
+              <a:defRPr sz="1800" kern="1200">
+                <a:solidFill>
+                  <a:schemeClr val="tx1"/>
+                </a:solidFill>
+                <a:latin typeface="+mn-lt"/>
+                <a:ea typeface="+mn-ea"/>
+                <a:cs typeface="+mn-cs"/>
+              </a:defRPr>
+            </a:lvl9pPr>
+          </a:lstStyle>
+          <a:p>
+            <a:r>
+              <a:rPr lang="en-CA" dirty="0"/>
+              <a:t>Use </a:t>
+            </a:r>
+            <a:r>
+              <a:rPr lang="en-CA" i="1" dirty="0"/>
+              <a:t>Forward selection procedure </a:t>
+            </a:r>
+            <a:r>
+              <a:rPr lang="en-CA" dirty="0"/>
+              <a:t>(33 variables)</a:t>
+            </a:r>
+          </a:p>
+          <a:p>
+            <a:r>
+              <a:rPr lang="en-CA" dirty="0"/>
+              <a:t>8 Variables are significant.</a:t>
+            </a:r>
+          </a:p>
+          <a:p>
+            <a:pPr lvl="1"/>
+            <a:r>
+              <a:rPr lang="en-CA" dirty="0"/>
+              <a:t>Failures</a:t>
+            </a:r>
+          </a:p>
+          <a:p>
+            <a:pPr lvl="1"/>
+            <a:r>
+              <a:rPr lang="en-CA" dirty="0"/>
+              <a:t>Study Time</a:t>
+            </a:r>
+          </a:p>
+          <a:p>
+            <a:pPr lvl="1"/>
+            <a:r>
+              <a:rPr lang="en-CA" dirty="0"/>
+              <a:t>School Support</a:t>
+            </a:r>
+          </a:p>
+          <a:p>
+            <a:pPr lvl="1"/>
+            <a:r>
+              <a:rPr lang="en-CA" dirty="0"/>
+              <a:t>Daily Alcohol Consumption</a:t>
+            </a:r>
+          </a:p>
+          <a:p>
+            <a:pPr lvl="1"/>
+            <a:r>
+              <a:rPr lang="en-CA" dirty="0"/>
+              <a:t>Health</a:t>
+            </a:r>
+          </a:p>
+          <a:p>
+            <a:pPr lvl="1"/>
+            <a:r>
+              <a:rPr lang="en-CA" dirty="0"/>
+              <a:t>Romantic</a:t>
+            </a:r>
+          </a:p>
+          <a:p>
+            <a:pPr lvl="1"/>
+            <a:r>
+              <a:rPr lang="en-CA" dirty="0"/>
+              <a:t>Family Size</a:t>
+            </a:r>
+          </a:p>
+          <a:p>
+            <a:pPr lvl="1"/>
+            <a:r>
+              <a:rPr lang="en-CA" dirty="0"/>
+              <a:t>Going out with Friends</a:t>
+            </a:r>
+          </a:p>
+          <a:p>
+            <a:pPr lvl="1"/>
+            <a:endParaRPr lang="en-CA" dirty="0"/>
+          </a:p>
+          <a:p>
+            <a:endParaRPr lang="en-US" dirty="0"/>
+          </a:p>
+        </p:txBody>
+      </p:sp>
+      <p:pic>
+        <p:nvPicPr>
+          <p:cNvPr id="8" name="Picture 7">
+            <a:extLst>
+              <a:ext uri="{FF2B5EF4-FFF2-40B4-BE49-F238E27FC236}">
+                <a16:creationId xmlns:a16="http://schemas.microsoft.com/office/drawing/2014/main" id="{F229982A-03EF-4C57-CC0A-4029886BDAF0}"/>
+              </a:ext>
+            </a:extLst>
+          </p:cNvPr>
+          <p:cNvPicPr>
+            <a:picLocks noChangeAspect="1"/>
+          </p:cNvPicPr>
+          <p:nvPr/>
+        </p:nvPicPr>
+        <p:blipFill>
+          <a:blip r:embed="rId2"/>
+          <a:stretch>
+            <a:fillRect/>
+          </a:stretch>
+        </p:blipFill>
+        <p:spPr>
+          <a:xfrm>
+            <a:off x="4077668" y="1671489"/>
+            <a:ext cx="3844095" cy="997062"/>
+          </a:xfrm>
+          <a:prstGeom prst="rect">
+            <a:avLst/>
+          </a:prstGeom>
+        </p:spPr>
+      </p:pic>
     </p:spTree>
     <p:extLst>
       <p:ext uri="{BB962C8B-B14F-4D97-AF65-F5344CB8AC3E}">
-        <p14:creationId xmlns:p14="http://schemas.microsoft.com/office/powerpoint/2010/main" val="3586025615"/>
+        <p14:creationId xmlns:p14="http://schemas.microsoft.com/office/powerpoint/2010/main" val="3855017058"/>
       </p:ext>
     </p:extLst>
   </p:cSld>
@@ -5686,7 +8357,7 @@
           <p:cNvPr id="2" name="Title 1">
             <a:extLst>
               <a:ext uri="{FF2B5EF4-FFF2-40B4-BE49-F238E27FC236}">
-                <a16:creationId xmlns:a16="http://schemas.microsoft.com/office/drawing/2014/main" id="{D3E3AADC-06C4-DC99-D496-8438D5B68644}"/>
+                <a16:creationId xmlns:a16="http://schemas.microsoft.com/office/drawing/2014/main" id="{ED576D88-9382-52E2-FF7D-ECD02CE27324}"/>
               </a:ext>
             </a:extLst>
           </p:cNvPr>
@@ -5697,104 +8368,269 @@
             <p:ph type="title"/>
           </p:nvPr>
         </p:nvSpPr>
-        <p:spPr/>
+        <p:spPr>
+          <a:xfrm>
+            <a:off x="838200" y="365125"/>
+            <a:ext cx="10806404" cy="1325563"/>
+          </a:xfrm>
+        </p:spPr>
         <p:txBody>
           <a:bodyPr/>
           <a:lstStyle/>
           <a:p>
             <a:r>
-              <a:rPr lang="en-US" dirty="0"/>
-              <a:t>Assumption Verification</a:t>
-            </a:r>
-          </a:p>
-        </p:txBody>
-      </p:sp>
-      <p:sp>
-        <p:nvSpPr>
-          <p:cNvPr id="3" name="Content Placeholder 2">
-            <a:extLst>
-              <a:ext uri="{FF2B5EF4-FFF2-40B4-BE49-F238E27FC236}">
-                <a16:creationId xmlns:a16="http://schemas.microsoft.com/office/drawing/2014/main" id="{721174EB-60EA-56D0-655F-741509E329DB}"/>
-              </a:ext>
-            </a:extLst>
-          </p:cNvPr>
-          <p:cNvSpPr>
-            <a:spLocks noGrp="1"/>
-          </p:cNvSpPr>
-          <p:nvPr>
-            <p:ph idx="1"/>
-          </p:nvPr>
-        </p:nvSpPr>
-        <p:spPr/>
-        <p:txBody>
-          <a:bodyPr/>
-          <a:lstStyle/>
-          <a:p>
-            <a:pPr marL="514350" indent="-514350">
-              <a:buFont typeface="+mj-lt"/>
-              <a:buAutoNum type="arabicPeriod"/>
-            </a:pPr>
-            <a:r>
-              <a:rPr lang="en-US" dirty="0"/>
-              <a:t>Linearity Assumption</a:t>
-            </a:r>
-          </a:p>
-          <a:p>
-            <a:pPr marL="514350" indent="-514350">
-              <a:buFont typeface="+mj-lt"/>
-              <a:buAutoNum type="arabicPeriod"/>
-            </a:pPr>
-            <a:r>
-              <a:rPr lang="en-US" dirty="0"/>
-              <a:t>Equal Variance Assumption</a:t>
-            </a:r>
-          </a:p>
-          <a:p>
-            <a:pPr marL="514350" indent="-514350">
-              <a:buFont typeface="+mj-lt"/>
-              <a:buAutoNum type="arabicPeriod"/>
-            </a:pPr>
-            <a:r>
-              <a:rPr lang="en-US" dirty="0"/>
-              <a:t>Normality Assumption</a:t>
-            </a:r>
-          </a:p>
-          <a:p>
-            <a:pPr marL="514350" indent="-514350">
-              <a:buFont typeface="+mj-lt"/>
-              <a:buAutoNum type="arabicPeriod"/>
-            </a:pPr>
-            <a:r>
-              <a:rPr lang="en-US" dirty="0"/>
-              <a:t>Independence Assumption</a:t>
-            </a:r>
-          </a:p>
-          <a:p>
-            <a:pPr marL="514350" indent="-514350">
-              <a:buFont typeface="+mj-lt"/>
-              <a:buAutoNum type="arabicPeriod"/>
-            </a:pPr>
-            <a:r>
-              <a:rPr lang="en-US" dirty="0"/>
-              <a:t>Multi-Collinearity</a:t>
-            </a:r>
-          </a:p>
-          <a:p>
-            <a:pPr marL="514350" indent="-514350">
-              <a:buFont typeface="+mj-lt"/>
-              <a:buAutoNum type="arabicPeriod"/>
-            </a:pPr>
-            <a:r>
-              <a:rPr lang="en-US" dirty="0"/>
-              <a:t>Outliers</a:t>
-            </a:r>
-          </a:p>
-        </p:txBody>
-      </p:sp>
+              <a:rPr lang="en-CA" sz="4400" kern="100" dirty="0">
+                <a:effectLst/>
+                <a:latin typeface="Aptos" panose="020B0004020202020204" pitchFamily="34" charset="0"/>
+                <a:ea typeface="Malgun Gothic" panose="020B0503020000020004" pitchFamily="34" charset="-127"/>
+                <a:cs typeface="Times New Roman" panose="02020603050405020304" pitchFamily="18" charset="0"/>
+              </a:rPr>
+              <a:t>Individual T-test to find significant variables - Cont. </a:t>
+            </a:r>
+            <a:endParaRPr lang="en-US" dirty="0"/>
+          </a:p>
+        </p:txBody>
+      </p:sp>
+      <p:sp>
+        <p:nvSpPr>
+          <p:cNvPr id="11" name="Content Placeholder 2">
+            <a:extLst>
+              <a:ext uri="{FF2B5EF4-FFF2-40B4-BE49-F238E27FC236}">
+                <a16:creationId xmlns:a16="http://schemas.microsoft.com/office/drawing/2014/main" id="{B77C2BEA-C622-725F-8934-8492888A98DD}"/>
+              </a:ext>
+            </a:extLst>
+          </p:cNvPr>
+          <p:cNvSpPr txBox="1">
+            <a:spLocks/>
+          </p:cNvSpPr>
+          <p:nvPr/>
+        </p:nvSpPr>
+        <p:spPr>
+          <a:xfrm>
+            <a:off x="838200" y="2059673"/>
+            <a:ext cx="10515600" cy="466532"/>
+          </a:xfrm>
+          <a:prstGeom prst="rect">
+            <a:avLst/>
+          </a:prstGeom>
+        </p:spPr>
+        <p:txBody>
+          <a:bodyPr vert="horz" lIns="91440" tIns="45720" rIns="91440" bIns="45720" rtlCol="0">
+            <a:normAutofit lnSpcReduction="10000"/>
+          </a:bodyPr>
+          <a:lstStyle>
+            <a:lvl1pPr marL="228600" indent="-228600" algn="l" defTabSz="914400" rtl="0" eaLnBrk="1" latinLnBrk="0" hangingPunct="1">
+              <a:lnSpc>
+                <a:spcPct val="90000"/>
+              </a:lnSpc>
+              <a:spcBef>
+                <a:spcPts val="1000"/>
+              </a:spcBef>
+              <a:buFont typeface="Arial" panose="020B0604020202020204" pitchFamily="34" charset="0"/>
+              <a:buChar char="•"/>
+              <a:defRPr sz="2800" kern="1200">
+                <a:solidFill>
+                  <a:schemeClr val="tx1"/>
+                </a:solidFill>
+                <a:latin typeface="+mn-lt"/>
+                <a:ea typeface="+mn-ea"/>
+                <a:cs typeface="+mn-cs"/>
+              </a:defRPr>
+            </a:lvl1pPr>
+            <a:lvl2pPr marL="685800" indent="-228600" algn="l" defTabSz="914400" rtl="0" eaLnBrk="1" latinLnBrk="0" hangingPunct="1">
+              <a:lnSpc>
+                <a:spcPct val="90000"/>
+              </a:lnSpc>
+              <a:spcBef>
+                <a:spcPts val="500"/>
+              </a:spcBef>
+              <a:buFont typeface="Arial" panose="020B0604020202020204" pitchFamily="34" charset="0"/>
+              <a:buChar char="•"/>
+              <a:defRPr sz="2400" kern="1200">
+                <a:solidFill>
+                  <a:schemeClr val="tx1"/>
+                </a:solidFill>
+                <a:latin typeface="+mn-lt"/>
+                <a:ea typeface="+mn-ea"/>
+                <a:cs typeface="+mn-cs"/>
+              </a:defRPr>
+            </a:lvl2pPr>
+            <a:lvl3pPr marL="1143000" indent="-228600" algn="l" defTabSz="914400" rtl="0" eaLnBrk="1" latinLnBrk="0" hangingPunct="1">
+              <a:lnSpc>
+                <a:spcPct val="90000"/>
+              </a:lnSpc>
+              <a:spcBef>
+                <a:spcPts val="500"/>
+              </a:spcBef>
+              <a:buFont typeface="Arial" panose="020B0604020202020204" pitchFamily="34" charset="0"/>
+              <a:buChar char="•"/>
+              <a:defRPr sz="2000" kern="1200">
+                <a:solidFill>
+                  <a:schemeClr val="tx1"/>
+                </a:solidFill>
+                <a:latin typeface="+mn-lt"/>
+                <a:ea typeface="+mn-ea"/>
+                <a:cs typeface="+mn-cs"/>
+              </a:defRPr>
+            </a:lvl3pPr>
+            <a:lvl4pPr marL="1600200" indent="-228600" algn="l" defTabSz="914400" rtl="0" eaLnBrk="1" latinLnBrk="0" hangingPunct="1">
+              <a:lnSpc>
+                <a:spcPct val="90000"/>
+              </a:lnSpc>
+              <a:spcBef>
+                <a:spcPts val="500"/>
+              </a:spcBef>
+              <a:buFont typeface="Arial" panose="020B0604020202020204" pitchFamily="34" charset="0"/>
+              <a:buChar char="•"/>
+              <a:defRPr sz="1800" kern="1200">
+                <a:solidFill>
+                  <a:schemeClr val="tx1"/>
+                </a:solidFill>
+                <a:latin typeface="+mn-lt"/>
+                <a:ea typeface="+mn-ea"/>
+                <a:cs typeface="+mn-cs"/>
+              </a:defRPr>
+            </a:lvl4pPr>
+            <a:lvl5pPr marL="2057400" indent="-228600" algn="l" defTabSz="914400" rtl="0" eaLnBrk="1" latinLnBrk="0" hangingPunct="1">
+              <a:lnSpc>
+                <a:spcPct val="90000"/>
+              </a:lnSpc>
+              <a:spcBef>
+                <a:spcPts val="500"/>
+              </a:spcBef>
+              <a:buFont typeface="Arial" panose="020B0604020202020204" pitchFamily="34" charset="0"/>
+              <a:buChar char="•"/>
+              <a:defRPr sz="1800" kern="1200">
+                <a:solidFill>
+                  <a:schemeClr val="tx1"/>
+                </a:solidFill>
+                <a:latin typeface="+mn-lt"/>
+                <a:ea typeface="+mn-ea"/>
+                <a:cs typeface="+mn-cs"/>
+              </a:defRPr>
+            </a:lvl5pPr>
+            <a:lvl6pPr marL="2514600" indent="-228600" algn="l" defTabSz="914400" rtl="0" eaLnBrk="1" latinLnBrk="0" hangingPunct="1">
+              <a:lnSpc>
+                <a:spcPct val="90000"/>
+              </a:lnSpc>
+              <a:spcBef>
+                <a:spcPts val="500"/>
+              </a:spcBef>
+              <a:buFont typeface="Arial" panose="020B0604020202020204" pitchFamily="34" charset="0"/>
+              <a:buChar char="•"/>
+              <a:defRPr sz="1800" kern="1200">
+                <a:solidFill>
+                  <a:schemeClr val="tx1"/>
+                </a:solidFill>
+                <a:latin typeface="+mn-lt"/>
+                <a:ea typeface="+mn-ea"/>
+                <a:cs typeface="+mn-cs"/>
+              </a:defRPr>
+            </a:lvl6pPr>
+            <a:lvl7pPr marL="2971800" indent="-228600" algn="l" defTabSz="914400" rtl="0" eaLnBrk="1" latinLnBrk="0" hangingPunct="1">
+              <a:lnSpc>
+                <a:spcPct val="90000"/>
+              </a:lnSpc>
+              <a:spcBef>
+                <a:spcPts val="500"/>
+              </a:spcBef>
+              <a:buFont typeface="Arial" panose="020B0604020202020204" pitchFamily="34" charset="0"/>
+              <a:buChar char="•"/>
+              <a:defRPr sz="1800" kern="1200">
+                <a:solidFill>
+                  <a:schemeClr val="tx1"/>
+                </a:solidFill>
+                <a:latin typeface="+mn-lt"/>
+                <a:ea typeface="+mn-ea"/>
+                <a:cs typeface="+mn-cs"/>
+              </a:defRPr>
+            </a:lvl7pPr>
+            <a:lvl8pPr marL="3429000" indent="-228600" algn="l" defTabSz="914400" rtl="0" eaLnBrk="1" latinLnBrk="0" hangingPunct="1">
+              <a:lnSpc>
+                <a:spcPct val="90000"/>
+              </a:lnSpc>
+              <a:spcBef>
+                <a:spcPts val="500"/>
+              </a:spcBef>
+              <a:buFont typeface="Arial" panose="020B0604020202020204" pitchFamily="34" charset="0"/>
+              <a:buChar char="•"/>
+              <a:defRPr sz="1800" kern="1200">
+                <a:solidFill>
+                  <a:schemeClr val="tx1"/>
+                </a:solidFill>
+                <a:latin typeface="+mn-lt"/>
+                <a:ea typeface="+mn-ea"/>
+                <a:cs typeface="+mn-cs"/>
+              </a:defRPr>
+            </a:lvl8pPr>
+            <a:lvl9pPr marL="3886200" indent="-228600" algn="l" defTabSz="914400" rtl="0" eaLnBrk="1" latinLnBrk="0" hangingPunct="1">
+              <a:lnSpc>
+                <a:spcPct val="90000"/>
+              </a:lnSpc>
+              <a:spcBef>
+                <a:spcPts val="500"/>
+              </a:spcBef>
+              <a:buFont typeface="Arial" panose="020B0604020202020204" pitchFamily="34" charset="0"/>
+              <a:buChar char="•"/>
+              <a:defRPr sz="1800" kern="1200">
+                <a:solidFill>
+                  <a:schemeClr val="tx1"/>
+                </a:solidFill>
+                <a:latin typeface="+mn-lt"/>
+                <a:ea typeface="+mn-ea"/>
+                <a:cs typeface="+mn-cs"/>
+              </a:defRPr>
+            </a:lvl9pPr>
+          </a:lstStyle>
+          <a:p>
+            <a:r>
+              <a:rPr lang="en-CA" dirty="0"/>
+              <a:t>The best additive model is</a:t>
+            </a:r>
+          </a:p>
+          <a:p>
+            <a:pPr lvl="1"/>
+            <a:endParaRPr lang="en-CA" dirty="0"/>
+          </a:p>
+          <a:p>
+            <a:endParaRPr lang="en-US" dirty="0"/>
+          </a:p>
+        </p:txBody>
+      </p:sp>
+      <p:pic>
+        <p:nvPicPr>
+          <p:cNvPr id="3" name="Picture 2" descr="A screenshot of a computer code&#10;&#10;Description automatically generated">
+            <a:extLst>
+              <a:ext uri="{FF2B5EF4-FFF2-40B4-BE49-F238E27FC236}">
+                <a16:creationId xmlns:a16="http://schemas.microsoft.com/office/drawing/2014/main" id="{FFF99D5D-9D6E-688D-16CC-A76F3D838C2B}"/>
+              </a:ext>
+            </a:extLst>
+          </p:cNvPr>
+          <p:cNvPicPr>
+            <a:picLocks noChangeAspect="1"/>
+          </p:cNvPicPr>
+          <p:nvPr/>
+        </p:nvPicPr>
+        <p:blipFill>
+          <a:blip r:embed="rId2"/>
+          <a:stretch>
+            <a:fillRect/>
+          </a:stretch>
+        </p:blipFill>
+        <p:spPr>
+          <a:xfrm>
+            <a:off x="1013097" y="2895190"/>
+            <a:ext cx="10631507" cy="2143339"/>
+          </a:xfrm>
+          <a:prstGeom prst="rect">
+            <a:avLst/>
+          </a:prstGeom>
+        </p:spPr>
+      </p:pic>
     </p:spTree>
     <p:extLst>
       <p:ext uri="{BB962C8B-B14F-4D97-AF65-F5344CB8AC3E}">
-        <p14:creationId xmlns:p14="http://schemas.microsoft.com/office/powerpoint/2010/main" val="1486859568"/>
+        <p14:creationId xmlns:p14="http://schemas.microsoft.com/office/powerpoint/2010/main" val="2364986180"/>
       </p:ext>
     </p:extLst>
   </p:cSld>
@@ -5826,7 +8662,7 @@
           <p:cNvPr id="2" name="Title 1">
             <a:extLst>
               <a:ext uri="{FF2B5EF4-FFF2-40B4-BE49-F238E27FC236}">
-                <a16:creationId xmlns:a16="http://schemas.microsoft.com/office/drawing/2014/main" id="{B38DF1EC-0A54-5FDA-1560-BD71ED1E94FA}"/>
+                <a16:creationId xmlns:a16="http://schemas.microsoft.com/office/drawing/2014/main" id="{ED576D88-9382-52E2-FF7D-ECD02CE27324}"/>
               </a:ext>
             </a:extLst>
           </p:cNvPr>
@@ -5837,44 +8673,627 @@
             <p:ph type="title"/>
           </p:nvPr>
         </p:nvSpPr>
-        <p:spPr/>
+        <p:spPr>
+          <a:xfrm>
+            <a:off x="838200" y="365125"/>
+            <a:ext cx="10806404" cy="1325563"/>
+          </a:xfrm>
+        </p:spPr>
         <p:txBody>
           <a:bodyPr/>
           <a:lstStyle/>
           <a:p>
+            <a:r>
+              <a:rPr lang="en-CA" sz="4400" kern="100" dirty="0">
+                <a:effectLst/>
+                <a:latin typeface="Aptos" panose="020B0004020202020204" pitchFamily="34" charset="0"/>
+                <a:ea typeface="Malgun Gothic" panose="020B0503020000020004" pitchFamily="34" charset="-127"/>
+                <a:cs typeface="Times New Roman" panose="02020603050405020304" pitchFamily="18" charset="0"/>
+              </a:rPr>
+              <a:t>Compare Full Model with the Final Additive Model</a:t>
+            </a:r>
             <a:endParaRPr lang="en-US" dirty="0"/>
           </a:p>
         </p:txBody>
       </p:sp>
       <p:sp>
         <p:nvSpPr>
-          <p:cNvPr id="3" name="Content Placeholder 2">
-            <a:extLst>
-              <a:ext uri="{FF2B5EF4-FFF2-40B4-BE49-F238E27FC236}">
-                <a16:creationId xmlns:a16="http://schemas.microsoft.com/office/drawing/2014/main" id="{87881F5F-6130-443C-8192-D2120AAB4FC9}"/>
-              </a:ext>
-            </a:extLst>
-          </p:cNvPr>
-          <p:cNvSpPr>
-            <a:spLocks noGrp="1"/>
-          </p:cNvSpPr>
-          <p:nvPr>
-            <p:ph idx="1"/>
-          </p:nvPr>
-        </p:nvSpPr>
-        <p:spPr/>
-        <p:txBody>
-          <a:bodyPr/>
+          <p:cNvPr id="11" name="Content Placeholder 2">
+            <a:extLst>
+              <a:ext uri="{FF2B5EF4-FFF2-40B4-BE49-F238E27FC236}">
+                <a16:creationId xmlns:a16="http://schemas.microsoft.com/office/drawing/2014/main" id="{B77C2BEA-C622-725F-8934-8492888A98DD}"/>
+              </a:ext>
+            </a:extLst>
+          </p:cNvPr>
+          <p:cNvSpPr txBox="1">
+            <a:spLocks/>
+          </p:cNvSpPr>
+          <p:nvPr/>
+        </p:nvSpPr>
+        <p:spPr>
+          <a:xfrm>
+            <a:off x="838200" y="2059673"/>
+            <a:ext cx="10515600" cy="466532"/>
+          </a:xfrm>
+          <a:prstGeom prst="rect">
+            <a:avLst/>
+          </a:prstGeom>
+        </p:spPr>
+        <p:txBody>
+          <a:bodyPr vert="horz" lIns="91440" tIns="45720" rIns="91440" bIns="45720" rtlCol="0">
+            <a:normAutofit lnSpcReduction="10000"/>
+          </a:bodyPr>
+          <a:lstStyle>
+            <a:lvl1pPr marL="228600" indent="-228600" algn="l" defTabSz="914400" rtl="0" eaLnBrk="1" latinLnBrk="0" hangingPunct="1">
+              <a:lnSpc>
+                <a:spcPct val="90000"/>
+              </a:lnSpc>
+              <a:spcBef>
+                <a:spcPts val="1000"/>
+              </a:spcBef>
+              <a:buFont typeface="Arial" panose="020B0604020202020204" pitchFamily="34" charset="0"/>
+              <a:buChar char="•"/>
+              <a:defRPr sz="2800" kern="1200">
+                <a:solidFill>
+                  <a:schemeClr val="tx1"/>
+                </a:solidFill>
+                <a:latin typeface="+mn-lt"/>
+                <a:ea typeface="+mn-ea"/>
+                <a:cs typeface="+mn-cs"/>
+              </a:defRPr>
+            </a:lvl1pPr>
+            <a:lvl2pPr marL="685800" indent="-228600" algn="l" defTabSz="914400" rtl="0" eaLnBrk="1" latinLnBrk="0" hangingPunct="1">
+              <a:lnSpc>
+                <a:spcPct val="90000"/>
+              </a:lnSpc>
+              <a:spcBef>
+                <a:spcPts val="500"/>
+              </a:spcBef>
+              <a:buFont typeface="Arial" panose="020B0604020202020204" pitchFamily="34" charset="0"/>
+              <a:buChar char="•"/>
+              <a:defRPr sz="2400" kern="1200">
+                <a:solidFill>
+                  <a:schemeClr val="tx1"/>
+                </a:solidFill>
+                <a:latin typeface="+mn-lt"/>
+                <a:ea typeface="+mn-ea"/>
+                <a:cs typeface="+mn-cs"/>
+              </a:defRPr>
+            </a:lvl2pPr>
+            <a:lvl3pPr marL="1143000" indent="-228600" algn="l" defTabSz="914400" rtl="0" eaLnBrk="1" latinLnBrk="0" hangingPunct="1">
+              <a:lnSpc>
+                <a:spcPct val="90000"/>
+              </a:lnSpc>
+              <a:spcBef>
+                <a:spcPts val="500"/>
+              </a:spcBef>
+              <a:buFont typeface="Arial" panose="020B0604020202020204" pitchFamily="34" charset="0"/>
+              <a:buChar char="•"/>
+              <a:defRPr sz="2000" kern="1200">
+                <a:solidFill>
+                  <a:schemeClr val="tx1"/>
+                </a:solidFill>
+                <a:latin typeface="+mn-lt"/>
+                <a:ea typeface="+mn-ea"/>
+                <a:cs typeface="+mn-cs"/>
+              </a:defRPr>
+            </a:lvl3pPr>
+            <a:lvl4pPr marL="1600200" indent="-228600" algn="l" defTabSz="914400" rtl="0" eaLnBrk="1" latinLnBrk="0" hangingPunct="1">
+              <a:lnSpc>
+                <a:spcPct val="90000"/>
+              </a:lnSpc>
+              <a:spcBef>
+                <a:spcPts val="500"/>
+              </a:spcBef>
+              <a:buFont typeface="Arial" panose="020B0604020202020204" pitchFamily="34" charset="0"/>
+              <a:buChar char="•"/>
+              <a:defRPr sz="1800" kern="1200">
+                <a:solidFill>
+                  <a:schemeClr val="tx1"/>
+                </a:solidFill>
+                <a:latin typeface="+mn-lt"/>
+                <a:ea typeface="+mn-ea"/>
+                <a:cs typeface="+mn-cs"/>
+              </a:defRPr>
+            </a:lvl4pPr>
+            <a:lvl5pPr marL="2057400" indent="-228600" algn="l" defTabSz="914400" rtl="0" eaLnBrk="1" latinLnBrk="0" hangingPunct="1">
+              <a:lnSpc>
+                <a:spcPct val="90000"/>
+              </a:lnSpc>
+              <a:spcBef>
+                <a:spcPts val="500"/>
+              </a:spcBef>
+              <a:buFont typeface="Arial" panose="020B0604020202020204" pitchFamily="34" charset="0"/>
+              <a:buChar char="•"/>
+              <a:defRPr sz="1800" kern="1200">
+                <a:solidFill>
+                  <a:schemeClr val="tx1"/>
+                </a:solidFill>
+                <a:latin typeface="+mn-lt"/>
+                <a:ea typeface="+mn-ea"/>
+                <a:cs typeface="+mn-cs"/>
+              </a:defRPr>
+            </a:lvl5pPr>
+            <a:lvl6pPr marL="2514600" indent="-228600" algn="l" defTabSz="914400" rtl="0" eaLnBrk="1" latinLnBrk="0" hangingPunct="1">
+              <a:lnSpc>
+                <a:spcPct val="90000"/>
+              </a:lnSpc>
+              <a:spcBef>
+                <a:spcPts val="500"/>
+              </a:spcBef>
+              <a:buFont typeface="Arial" panose="020B0604020202020204" pitchFamily="34" charset="0"/>
+              <a:buChar char="•"/>
+              <a:defRPr sz="1800" kern="1200">
+                <a:solidFill>
+                  <a:schemeClr val="tx1"/>
+                </a:solidFill>
+                <a:latin typeface="+mn-lt"/>
+                <a:ea typeface="+mn-ea"/>
+                <a:cs typeface="+mn-cs"/>
+              </a:defRPr>
+            </a:lvl6pPr>
+            <a:lvl7pPr marL="2971800" indent="-228600" algn="l" defTabSz="914400" rtl="0" eaLnBrk="1" latinLnBrk="0" hangingPunct="1">
+              <a:lnSpc>
+                <a:spcPct val="90000"/>
+              </a:lnSpc>
+              <a:spcBef>
+                <a:spcPts val="500"/>
+              </a:spcBef>
+              <a:buFont typeface="Arial" panose="020B0604020202020204" pitchFamily="34" charset="0"/>
+              <a:buChar char="•"/>
+              <a:defRPr sz="1800" kern="1200">
+                <a:solidFill>
+                  <a:schemeClr val="tx1"/>
+                </a:solidFill>
+                <a:latin typeface="+mn-lt"/>
+                <a:ea typeface="+mn-ea"/>
+                <a:cs typeface="+mn-cs"/>
+              </a:defRPr>
+            </a:lvl7pPr>
+            <a:lvl8pPr marL="3429000" indent="-228600" algn="l" defTabSz="914400" rtl="0" eaLnBrk="1" latinLnBrk="0" hangingPunct="1">
+              <a:lnSpc>
+                <a:spcPct val="90000"/>
+              </a:lnSpc>
+              <a:spcBef>
+                <a:spcPts val="500"/>
+              </a:spcBef>
+              <a:buFont typeface="Arial" panose="020B0604020202020204" pitchFamily="34" charset="0"/>
+              <a:buChar char="•"/>
+              <a:defRPr sz="1800" kern="1200">
+                <a:solidFill>
+                  <a:schemeClr val="tx1"/>
+                </a:solidFill>
+                <a:latin typeface="+mn-lt"/>
+                <a:ea typeface="+mn-ea"/>
+                <a:cs typeface="+mn-cs"/>
+              </a:defRPr>
+            </a:lvl8pPr>
+            <a:lvl9pPr marL="3886200" indent="-228600" algn="l" defTabSz="914400" rtl="0" eaLnBrk="1" latinLnBrk="0" hangingPunct="1">
+              <a:lnSpc>
+                <a:spcPct val="90000"/>
+              </a:lnSpc>
+              <a:spcBef>
+                <a:spcPts val="500"/>
+              </a:spcBef>
+              <a:buFont typeface="Arial" panose="020B0604020202020204" pitchFamily="34" charset="0"/>
+              <a:buChar char="•"/>
+              <a:defRPr sz="1800" kern="1200">
+                <a:solidFill>
+                  <a:schemeClr val="tx1"/>
+                </a:solidFill>
+                <a:latin typeface="+mn-lt"/>
+                <a:ea typeface="+mn-ea"/>
+                <a:cs typeface="+mn-cs"/>
+              </a:defRPr>
+            </a:lvl9pPr>
+          </a:lstStyle>
+          <a:p>
+            <a:r>
+              <a:rPr lang="en-US" dirty="0"/>
+              <a:t>Comparison of Adjusted R2 and RSE</a:t>
+            </a:r>
+          </a:p>
+          <a:p>
+            <a:pPr lvl="1"/>
+            <a:endParaRPr lang="en-CA" dirty="0"/>
+          </a:p>
+          <a:p>
+            <a:endParaRPr lang="en-US" dirty="0"/>
+          </a:p>
+        </p:txBody>
+      </p:sp>
+      <p:pic>
+        <p:nvPicPr>
+          <p:cNvPr id="5" name="Picture 4">
+            <a:extLst>
+              <a:ext uri="{FF2B5EF4-FFF2-40B4-BE49-F238E27FC236}">
+                <a16:creationId xmlns:a16="http://schemas.microsoft.com/office/drawing/2014/main" id="{C3A4009A-57F4-A49D-51E8-890CFFA096EC}"/>
+              </a:ext>
+            </a:extLst>
+          </p:cNvPr>
+          <p:cNvPicPr>
+            <a:picLocks noChangeAspect="1"/>
+          </p:cNvPicPr>
+          <p:nvPr/>
+        </p:nvPicPr>
+        <p:blipFill>
+          <a:blip r:embed="rId2"/>
+          <a:stretch>
+            <a:fillRect/>
+          </a:stretch>
+        </p:blipFill>
+        <p:spPr>
+          <a:xfrm>
+            <a:off x="2307864" y="2689094"/>
+            <a:ext cx="6001880" cy="1170491"/>
+          </a:xfrm>
+          <a:prstGeom prst="rect">
+            <a:avLst/>
+          </a:prstGeom>
+        </p:spPr>
+      </p:pic>
+      <p:sp>
+        <p:nvSpPr>
+          <p:cNvPr id="6" name="Content Placeholder 2">
+            <a:extLst>
+              <a:ext uri="{FF2B5EF4-FFF2-40B4-BE49-F238E27FC236}">
+                <a16:creationId xmlns:a16="http://schemas.microsoft.com/office/drawing/2014/main" id="{8F591D4E-F49B-1059-CDD0-73FF072EC066}"/>
+              </a:ext>
+            </a:extLst>
+          </p:cNvPr>
+          <p:cNvSpPr txBox="1">
+            <a:spLocks/>
+          </p:cNvSpPr>
+          <p:nvPr/>
+        </p:nvSpPr>
+        <p:spPr>
+          <a:xfrm>
+            <a:off x="838200" y="4331796"/>
+            <a:ext cx="10515600" cy="902680"/>
+          </a:xfrm>
+          <a:prstGeom prst="rect">
+            <a:avLst/>
+          </a:prstGeom>
+        </p:spPr>
+        <p:txBody>
+          <a:bodyPr vert="horz" lIns="91440" tIns="45720" rIns="91440" bIns="45720" rtlCol="0">
+            <a:normAutofit/>
+          </a:bodyPr>
+          <a:lstStyle>
+            <a:lvl1pPr marL="228600" indent="-228600" algn="l" defTabSz="914400" rtl="0" eaLnBrk="1" latinLnBrk="0" hangingPunct="1">
+              <a:lnSpc>
+                <a:spcPct val="90000"/>
+              </a:lnSpc>
+              <a:spcBef>
+                <a:spcPts val="1000"/>
+              </a:spcBef>
+              <a:buFont typeface="Arial" panose="020B0604020202020204" pitchFamily="34" charset="0"/>
+              <a:buChar char="•"/>
+              <a:defRPr sz="2800" kern="1200">
+                <a:solidFill>
+                  <a:schemeClr val="tx1"/>
+                </a:solidFill>
+                <a:latin typeface="+mn-lt"/>
+                <a:ea typeface="+mn-ea"/>
+                <a:cs typeface="+mn-cs"/>
+              </a:defRPr>
+            </a:lvl1pPr>
+            <a:lvl2pPr marL="685800" indent="-228600" algn="l" defTabSz="914400" rtl="0" eaLnBrk="1" latinLnBrk="0" hangingPunct="1">
+              <a:lnSpc>
+                <a:spcPct val="90000"/>
+              </a:lnSpc>
+              <a:spcBef>
+                <a:spcPts val="500"/>
+              </a:spcBef>
+              <a:buFont typeface="Arial" panose="020B0604020202020204" pitchFamily="34" charset="0"/>
+              <a:buChar char="•"/>
+              <a:defRPr sz="2400" kern="1200">
+                <a:solidFill>
+                  <a:schemeClr val="tx1"/>
+                </a:solidFill>
+                <a:latin typeface="+mn-lt"/>
+                <a:ea typeface="+mn-ea"/>
+                <a:cs typeface="+mn-cs"/>
+              </a:defRPr>
+            </a:lvl2pPr>
+            <a:lvl3pPr marL="1143000" indent="-228600" algn="l" defTabSz="914400" rtl="0" eaLnBrk="1" latinLnBrk="0" hangingPunct="1">
+              <a:lnSpc>
+                <a:spcPct val="90000"/>
+              </a:lnSpc>
+              <a:spcBef>
+                <a:spcPts val="500"/>
+              </a:spcBef>
+              <a:buFont typeface="Arial" panose="020B0604020202020204" pitchFamily="34" charset="0"/>
+              <a:buChar char="•"/>
+              <a:defRPr sz="2000" kern="1200">
+                <a:solidFill>
+                  <a:schemeClr val="tx1"/>
+                </a:solidFill>
+                <a:latin typeface="+mn-lt"/>
+                <a:ea typeface="+mn-ea"/>
+                <a:cs typeface="+mn-cs"/>
+              </a:defRPr>
+            </a:lvl3pPr>
+            <a:lvl4pPr marL="1600200" indent="-228600" algn="l" defTabSz="914400" rtl="0" eaLnBrk="1" latinLnBrk="0" hangingPunct="1">
+              <a:lnSpc>
+                <a:spcPct val="90000"/>
+              </a:lnSpc>
+              <a:spcBef>
+                <a:spcPts val="500"/>
+              </a:spcBef>
+              <a:buFont typeface="Arial" panose="020B0604020202020204" pitchFamily="34" charset="0"/>
+              <a:buChar char="•"/>
+              <a:defRPr sz="1800" kern="1200">
+                <a:solidFill>
+                  <a:schemeClr val="tx1"/>
+                </a:solidFill>
+                <a:latin typeface="+mn-lt"/>
+                <a:ea typeface="+mn-ea"/>
+                <a:cs typeface="+mn-cs"/>
+              </a:defRPr>
+            </a:lvl4pPr>
+            <a:lvl5pPr marL="2057400" indent="-228600" algn="l" defTabSz="914400" rtl="0" eaLnBrk="1" latinLnBrk="0" hangingPunct="1">
+              <a:lnSpc>
+                <a:spcPct val="90000"/>
+              </a:lnSpc>
+              <a:spcBef>
+                <a:spcPts val="500"/>
+              </a:spcBef>
+              <a:buFont typeface="Arial" panose="020B0604020202020204" pitchFamily="34" charset="0"/>
+              <a:buChar char="•"/>
+              <a:defRPr sz="1800" kern="1200">
+                <a:solidFill>
+                  <a:schemeClr val="tx1"/>
+                </a:solidFill>
+                <a:latin typeface="+mn-lt"/>
+                <a:ea typeface="+mn-ea"/>
+                <a:cs typeface="+mn-cs"/>
+              </a:defRPr>
+            </a:lvl5pPr>
+            <a:lvl6pPr marL="2514600" indent="-228600" algn="l" defTabSz="914400" rtl="0" eaLnBrk="1" latinLnBrk="0" hangingPunct="1">
+              <a:lnSpc>
+                <a:spcPct val="90000"/>
+              </a:lnSpc>
+              <a:spcBef>
+                <a:spcPts val="500"/>
+              </a:spcBef>
+              <a:buFont typeface="Arial" panose="020B0604020202020204" pitchFamily="34" charset="0"/>
+              <a:buChar char="•"/>
+              <a:defRPr sz="1800" kern="1200">
+                <a:solidFill>
+                  <a:schemeClr val="tx1"/>
+                </a:solidFill>
+                <a:latin typeface="+mn-lt"/>
+                <a:ea typeface="+mn-ea"/>
+                <a:cs typeface="+mn-cs"/>
+              </a:defRPr>
+            </a:lvl6pPr>
+            <a:lvl7pPr marL="2971800" indent="-228600" algn="l" defTabSz="914400" rtl="0" eaLnBrk="1" latinLnBrk="0" hangingPunct="1">
+              <a:lnSpc>
+                <a:spcPct val="90000"/>
+              </a:lnSpc>
+              <a:spcBef>
+                <a:spcPts val="500"/>
+              </a:spcBef>
+              <a:buFont typeface="Arial" panose="020B0604020202020204" pitchFamily="34" charset="0"/>
+              <a:buChar char="•"/>
+              <a:defRPr sz="1800" kern="1200">
+                <a:solidFill>
+                  <a:schemeClr val="tx1"/>
+                </a:solidFill>
+                <a:latin typeface="+mn-lt"/>
+                <a:ea typeface="+mn-ea"/>
+                <a:cs typeface="+mn-cs"/>
+              </a:defRPr>
+            </a:lvl7pPr>
+            <a:lvl8pPr marL="3429000" indent="-228600" algn="l" defTabSz="914400" rtl="0" eaLnBrk="1" latinLnBrk="0" hangingPunct="1">
+              <a:lnSpc>
+                <a:spcPct val="90000"/>
+              </a:lnSpc>
+              <a:spcBef>
+                <a:spcPts val="500"/>
+              </a:spcBef>
+              <a:buFont typeface="Arial" panose="020B0604020202020204" pitchFamily="34" charset="0"/>
+              <a:buChar char="•"/>
+              <a:defRPr sz="1800" kern="1200">
+                <a:solidFill>
+                  <a:schemeClr val="tx1"/>
+                </a:solidFill>
+                <a:latin typeface="+mn-lt"/>
+                <a:ea typeface="+mn-ea"/>
+                <a:cs typeface="+mn-cs"/>
+              </a:defRPr>
+            </a:lvl8pPr>
+            <a:lvl9pPr marL="3886200" indent="-228600" algn="l" defTabSz="914400" rtl="0" eaLnBrk="1" latinLnBrk="0" hangingPunct="1">
+              <a:lnSpc>
+                <a:spcPct val="90000"/>
+              </a:lnSpc>
+              <a:spcBef>
+                <a:spcPts val="500"/>
+              </a:spcBef>
+              <a:buFont typeface="Arial" panose="020B0604020202020204" pitchFamily="34" charset="0"/>
+              <a:buChar char="•"/>
+              <a:defRPr sz="1800" kern="1200">
+                <a:solidFill>
+                  <a:schemeClr val="tx1"/>
+                </a:solidFill>
+                <a:latin typeface="+mn-lt"/>
+                <a:ea typeface="+mn-ea"/>
+                <a:cs typeface="+mn-cs"/>
+              </a:defRPr>
+            </a:lvl9pPr>
+          </a:lstStyle>
+          <a:p>
+            <a:r>
+              <a:rPr lang="en-CA" dirty="0"/>
+              <a:t>Adjusted R square has decreased, </a:t>
+            </a:r>
+            <a:r>
+              <a:rPr lang="en-CA" i="1" dirty="0"/>
+              <a:t>but</a:t>
+            </a:r>
+            <a:r>
+              <a:rPr lang="en-CA" dirty="0"/>
+              <a:t> it is better to have less Adjusted R square than over-fitting the model.</a:t>
+            </a:r>
+          </a:p>
+          <a:p>
+            <a:pPr lvl="1"/>
+            <a:endParaRPr lang="en-CA" dirty="0"/>
+          </a:p>
+          <a:p>
+            <a:endParaRPr lang="en-US" dirty="0"/>
+          </a:p>
+        </p:txBody>
+      </p:sp>
+      <p:sp>
+        <p:nvSpPr>
+          <p:cNvPr id="7" name="Arrow: Curved Left 6">
+            <a:extLst>
+              <a:ext uri="{FF2B5EF4-FFF2-40B4-BE49-F238E27FC236}">
+                <a16:creationId xmlns:a16="http://schemas.microsoft.com/office/drawing/2014/main" id="{8AD53DFF-DE2F-F723-70B7-E02056A9CC74}"/>
+              </a:ext>
+            </a:extLst>
+          </p:cNvPr>
+          <p:cNvSpPr/>
+          <p:nvPr/>
+        </p:nvSpPr>
+        <p:spPr>
+          <a:xfrm>
+            <a:off x="8173616" y="3274339"/>
+            <a:ext cx="485192" cy="389301"/>
+          </a:xfrm>
+          <a:prstGeom prst="curvedLeftArrow">
+            <a:avLst/>
+          </a:prstGeom>
+          <a:ln>
+            <a:solidFill>
+              <a:schemeClr val="accent1"/>
+            </a:solidFill>
+          </a:ln>
+        </p:spPr>
+        <p:style>
+          <a:lnRef idx="2">
+            <a:schemeClr val="accent1">
+              <a:shade val="15000"/>
+            </a:schemeClr>
+          </a:lnRef>
+          <a:fillRef idx="1">
+            <a:schemeClr val="accent1"/>
+          </a:fillRef>
+          <a:effectRef idx="0">
+            <a:schemeClr val="accent1"/>
+          </a:effectRef>
+          <a:fontRef idx="minor">
+            <a:schemeClr val="lt1"/>
+          </a:fontRef>
+        </p:style>
+        <p:txBody>
+          <a:bodyPr rtlCol="0" anchor="ctr"/>
           <a:lstStyle/>
           <a:p>
-            <a:endParaRPr lang="en-US"/>
+            <a:pPr algn="ctr"/>
+            <a:endParaRPr lang="en-CA">
+              <a:solidFill>
+                <a:schemeClr val="tx1"/>
+              </a:solidFill>
+            </a:endParaRPr>
+          </a:p>
+        </p:txBody>
+      </p:sp>
+      <p:sp>
+        <p:nvSpPr>
+          <p:cNvPr id="8" name="TextBox 7">
+            <a:extLst>
+              <a:ext uri="{FF2B5EF4-FFF2-40B4-BE49-F238E27FC236}">
+                <a16:creationId xmlns:a16="http://schemas.microsoft.com/office/drawing/2014/main" id="{F0889068-94D6-C467-D053-A423DC326808}"/>
+              </a:ext>
+            </a:extLst>
+          </p:cNvPr>
+          <p:cNvSpPr txBox="1"/>
+          <p:nvPr/>
+        </p:nvSpPr>
+        <p:spPr>
+          <a:xfrm>
+            <a:off x="8730525" y="3249664"/>
+            <a:ext cx="978251" cy="369332"/>
+          </a:xfrm>
+          <a:prstGeom prst="rect">
+            <a:avLst/>
+          </a:prstGeom>
+          <a:noFill/>
+        </p:spPr>
+        <p:txBody>
+          <a:bodyPr wrap="square" rtlCol="0">
+            <a:spAutoFit/>
+          </a:bodyPr>
+          <a:lstStyle/>
+          <a:p>
+            <a:r>
+              <a:rPr lang="en-CA" b="1" i="1" dirty="0"/>
+              <a:t>0.0257</a:t>
+            </a:r>
+          </a:p>
+        </p:txBody>
+      </p:sp>
+      <p:sp>
+        <p:nvSpPr>
+          <p:cNvPr id="12" name="Arrow: Down 11">
+            <a:extLst>
+              <a:ext uri="{FF2B5EF4-FFF2-40B4-BE49-F238E27FC236}">
+                <a16:creationId xmlns:a16="http://schemas.microsoft.com/office/drawing/2014/main" id="{6342C77C-B0B4-4ECB-6918-A5FB4B780EAF}"/>
+              </a:ext>
+            </a:extLst>
+          </p:cNvPr>
+          <p:cNvSpPr/>
+          <p:nvPr/>
+        </p:nvSpPr>
+        <p:spPr>
+          <a:xfrm>
+            <a:off x="9592236" y="3312419"/>
+            <a:ext cx="134470" cy="260021"/>
+          </a:xfrm>
+          <a:prstGeom prst="downArrow">
+            <a:avLst/>
+          </a:prstGeom>
+          <a:solidFill>
+            <a:srgbClr val="FF0000"/>
+          </a:solidFill>
+          <a:ln>
+            <a:solidFill>
+              <a:srgbClr val="FF0000"/>
+            </a:solidFill>
+          </a:ln>
+        </p:spPr>
+        <p:style>
+          <a:lnRef idx="2">
+            <a:schemeClr val="accent1">
+              <a:shade val="15000"/>
+            </a:schemeClr>
+          </a:lnRef>
+          <a:fillRef idx="1">
+            <a:schemeClr val="accent1"/>
+          </a:fillRef>
+          <a:effectRef idx="0">
+            <a:schemeClr val="accent1"/>
+          </a:effectRef>
+          <a:fontRef idx="minor">
+            <a:schemeClr val="lt1"/>
+          </a:fontRef>
+        </p:style>
+        <p:txBody>
+          <a:bodyPr rtlCol="0" anchor="ctr"/>
+          <a:lstStyle/>
+          <a:p>
+            <a:pPr algn="ctr"/>
+            <a:endParaRPr lang="en-CA"/>
           </a:p>
         </p:txBody>
       </p:sp>
     </p:spTree>
     <p:extLst>
       <p:ext uri="{BB962C8B-B14F-4D97-AF65-F5344CB8AC3E}">
-        <p14:creationId xmlns:p14="http://schemas.microsoft.com/office/powerpoint/2010/main" val="2871423988"/>
+        <p14:creationId xmlns:p14="http://schemas.microsoft.com/office/powerpoint/2010/main" val="572369920"/>
       </p:ext>
     </p:extLst>
   </p:cSld>

--- a/Final_Presentation.pptx
+++ b/Final_Presentation.pptx
@@ -277,7 +277,7 @@
           <a:p>
             <a:fld id="{F1D0BAB6-1FA9-5040-A287-CC96FBD3FD19}" type="datetimeFigureOut">
               <a:rPr lang="en-US" smtClean="0"/>
-              <a:t>4/7/2024</a:t>
+              <a:t>4/8/2024</a:t>
             </a:fld>
             <a:endParaRPr lang="en-US"/>
           </a:p>
@@ -475,7 +475,7 @@
           <a:p>
             <a:fld id="{F1D0BAB6-1FA9-5040-A287-CC96FBD3FD19}" type="datetimeFigureOut">
               <a:rPr lang="en-US" smtClean="0"/>
-              <a:t>4/7/2024</a:t>
+              <a:t>4/8/2024</a:t>
             </a:fld>
             <a:endParaRPr lang="en-US"/>
           </a:p>
@@ -683,7 +683,7 @@
           <a:p>
             <a:fld id="{F1D0BAB6-1FA9-5040-A287-CC96FBD3FD19}" type="datetimeFigureOut">
               <a:rPr lang="en-US" smtClean="0"/>
-              <a:t>4/7/2024</a:t>
+              <a:t>4/8/2024</a:t>
             </a:fld>
             <a:endParaRPr lang="en-US"/>
           </a:p>
@@ -881,7 +881,7 @@
           <a:p>
             <a:fld id="{F1D0BAB6-1FA9-5040-A287-CC96FBD3FD19}" type="datetimeFigureOut">
               <a:rPr lang="en-US" smtClean="0"/>
-              <a:t>4/7/2024</a:t>
+              <a:t>4/8/2024</a:t>
             </a:fld>
             <a:endParaRPr lang="en-US"/>
           </a:p>
@@ -1156,7 +1156,7 @@
           <a:p>
             <a:fld id="{F1D0BAB6-1FA9-5040-A287-CC96FBD3FD19}" type="datetimeFigureOut">
               <a:rPr lang="en-US" smtClean="0"/>
-              <a:t>4/7/2024</a:t>
+              <a:t>4/8/2024</a:t>
             </a:fld>
             <a:endParaRPr lang="en-US"/>
           </a:p>
@@ -1421,7 +1421,7 @@
           <a:p>
             <a:fld id="{F1D0BAB6-1FA9-5040-A287-CC96FBD3FD19}" type="datetimeFigureOut">
               <a:rPr lang="en-US" smtClean="0"/>
-              <a:t>4/7/2024</a:t>
+              <a:t>4/8/2024</a:t>
             </a:fld>
             <a:endParaRPr lang="en-US"/>
           </a:p>
@@ -1833,7 +1833,7 @@
           <a:p>
             <a:fld id="{F1D0BAB6-1FA9-5040-A287-CC96FBD3FD19}" type="datetimeFigureOut">
               <a:rPr lang="en-US" smtClean="0"/>
-              <a:t>4/7/2024</a:t>
+              <a:t>4/8/2024</a:t>
             </a:fld>
             <a:endParaRPr lang="en-US"/>
           </a:p>
@@ -1974,7 +1974,7 @@
           <a:p>
             <a:fld id="{F1D0BAB6-1FA9-5040-A287-CC96FBD3FD19}" type="datetimeFigureOut">
               <a:rPr lang="en-US" smtClean="0"/>
-              <a:t>4/7/2024</a:t>
+              <a:t>4/8/2024</a:t>
             </a:fld>
             <a:endParaRPr lang="en-US"/>
           </a:p>
@@ -2087,7 +2087,7 @@
           <a:p>
             <a:fld id="{F1D0BAB6-1FA9-5040-A287-CC96FBD3FD19}" type="datetimeFigureOut">
               <a:rPr lang="en-US" smtClean="0"/>
-              <a:t>4/7/2024</a:t>
+              <a:t>4/8/2024</a:t>
             </a:fld>
             <a:endParaRPr lang="en-US"/>
           </a:p>
@@ -2398,7 +2398,7 @@
           <a:p>
             <a:fld id="{F1D0BAB6-1FA9-5040-A287-CC96FBD3FD19}" type="datetimeFigureOut">
               <a:rPr lang="en-US" smtClean="0"/>
-              <a:t>4/7/2024</a:t>
+              <a:t>4/8/2024</a:t>
             </a:fld>
             <a:endParaRPr lang="en-US"/>
           </a:p>
@@ -2686,7 +2686,7 @@
           <a:p>
             <a:fld id="{F1D0BAB6-1FA9-5040-A287-CC96FBD3FD19}" type="datetimeFigureOut">
               <a:rPr lang="en-US" smtClean="0"/>
-              <a:t>4/7/2024</a:t>
+              <a:t>4/8/2024</a:t>
             </a:fld>
             <a:endParaRPr lang="en-US"/>
           </a:p>
@@ -2927,7 +2927,7 @@
           <a:p>
             <a:fld id="{F1D0BAB6-1FA9-5040-A287-CC96FBD3FD19}" type="datetimeFigureOut">
               <a:rPr lang="en-US" smtClean="0"/>
-              <a:t>4/7/2024</a:t>
+              <a:t>4/8/2024</a:t>
             </a:fld>
             <a:endParaRPr lang="en-US"/>
           </a:p>
@@ -5178,7 +5178,7 @@
         <p:spPr>
           <a:xfrm>
             <a:off x="3560463" y="3590666"/>
-            <a:ext cx="2886635" cy="369332"/>
+            <a:ext cx="3361545" cy="369332"/>
           </a:xfrm>
           <a:prstGeom prst="rect">
             <a:avLst/>
@@ -5197,7 +5197,7 @@
                   <a:srgbClr val="FF0000"/>
                 </a:solidFill>
               </a:rPr>
-              <a:t>Higher Order Model Wins</a:t>
+              <a:t>Higher Order Model is Better.</a:t>
             </a:r>
             <a:endParaRPr lang="en-CA" b="1" dirty="0">
               <a:solidFill>
@@ -5222,7 +5222,7 @@
         <p:spPr>
           <a:xfrm>
             <a:off x="3560462" y="5940919"/>
-            <a:ext cx="2886635" cy="369332"/>
+            <a:ext cx="3142090" cy="369332"/>
           </a:xfrm>
           <a:prstGeom prst="rect">
             <a:avLst/>
@@ -5241,7 +5241,7 @@
                   <a:srgbClr val="FF0000"/>
                 </a:solidFill>
               </a:rPr>
-              <a:t>Higher Order Model Wins</a:t>
+              <a:t>Higher Order Model is Better</a:t>
             </a:r>
             <a:endParaRPr lang="en-CA" b="1" dirty="0">
               <a:solidFill>

--- a/Final_Presentation.pptx
+++ b/Final_Presentation.pptx
@@ -4488,8 +4488,8 @@
         </p:nvSpPr>
         <p:spPr>
           <a:xfrm>
-            <a:off x="1663327" y="5942634"/>
-            <a:ext cx="9322920" cy="487754"/>
+            <a:off x="2822447" y="5793078"/>
+            <a:ext cx="6367273" cy="699797"/>
           </a:xfrm>
           <a:prstGeom prst="rect">
             <a:avLst/>
@@ -4669,7 +4669,7 @@
             </a:pPr>
             <a:r>
               <a:rPr lang="en-US" b="1" dirty="0"/>
-              <a:t>We selected our higher order model as the final model.</a:t>
+              <a:t>We selected our Higher Order Model.</a:t>
             </a:r>
           </a:p>
         </p:txBody>
@@ -5331,7 +5331,7 @@
         </p:blipFill>
         <p:spPr>
           <a:xfrm>
-            <a:off x="2083404" y="1565304"/>
+            <a:off x="1726788" y="1497137"/>
             <a:ext cx="7816375" cy="4995738"/>
           </a:xfrm>
           <a:prstGeom prst="rect">
@@ -7942,7 +7942,7 @@
           <a:p>
             <a:r>
               <a:rPr lang="en-US" dirty="0"/>
-              <a:t>At least one of student performance variables must be related to Final grade.</a:t>
+              <a:t>At least one of student performance variables must be related to Final grade (G3).</a:t>
             </a:r>
           </a:p>
         </p:txBody>
@@ -8627,6 +8627,155 @@
           </a:prstGeom>
         </p:spPr>
       </p:pic>
+      <p:graphicFrame>
+        <p:nvGraphicFramePr>
+          <p:cNvPr id="6" name="Table 5">
+            <a:extLst>
+              <a:ext uri="{FF2B5EF4-FFF2-40B4-BE49-F238E27FC236}">
+                <a16:creationId xmlns:a16="http://schemas.microsoft.com/office/drawing/2014/main" id="{4B8A68C8-26E8-9C3C-906B-8DF2F935A975}"/>
+              </a:ext>
+            </a:extLst>
+          </p:cNvPr>
+          <p:cNvGraphicFramePr>
+            <a:graphicFrameLocks noGrp="1"/>
+          </p:cNvGraphicFramePr>
+          <p:nvPr>
+            <p:extLst>
+              <p:ext uri="{D42A27DB-BD31-4B8C-83A1-F6EECF244321}">
+                <p14:modId xmlns:p14="http://schemas.microsoft.com/office/powerpoint/2010/main" val="3877470135"/>
+              </p:ext>
+            </p:extLst>
+          </p:nvPr>
+        </p:nvGraphicFramePr>
+        <p:xfrm>
+          <a:off x="1135888" y="5209370"/>
+          <a:ext cx="10217912" cy="1381760"/>
+        </p:xfrm>
+        <a:graphic>
+          <a:graphicData uri="http://schemas.openxmlformats.org/drawingml/2006/table">
+            <a:tbl>
+              <a:tblPr firstRow="1" bandRow="1">
+                <a:tableStyleId>{5C22544A-7EE6-4342-B048-85BDC9FD1C3A}</a:tableStyleId>
+              </a:tblPr>
+              <a:tblGrid>
+                <a:gridCol w="1735328">
+                  <a:extLst>
+                    <a:ext uri="{9D8B030D-6E8A-4147-A177-3AD203B41FA5}">
+                      <a16:colId xmlns:a16="http://schemas.microsoft.com/office/drawing/2014/main" val="1854365020"/>
+                    </a:ext>
+                  </a:extLst>
+                </a:gridCol>
+                <a:gridCol w="8482584">
+                  <a:extLst>
+                    <a:ext uri="{9D8B030D-6E8A-4147-A177-3AD203B41FA5}">
+                      <a16:colId xmlns:a16="http://schemas.microsoft.com/office/drawing/2014/main" val="1171556848"/>
+                    </a:ext>
+                  </a:extLst>
+                </a:gridCol>
+              </a:tblGrid>
+              <a:tr h="370840">
+                <a:tc>
+                  <a:txBody>
+                    <a:bodyPr/>
+                    <a:lstStyle/>
+                    <a:p>
+                      <a:endParaRPr lang="en-CA"/>
+                    </a:p>
+                  </a:txBody>
+                  <a:tcPr/>
+                </a:tc>
+                <a:tc>
+                  <a:txBody>
+                    <a:bodyPr/>
+                    <a:lstStyle/>
+                    <a:p>
+                      <a:pPr algn="ctr"/>
+                      <a:r>
+                        <a:rPr lang="en-CA" dirty="0"/>
+                        <a:t>Variables</a:t>
+                      </a:r>
+                    </a:p>
+                  </a:txBody>
+                  <a:tcPr/>
+                </a:tc>
+                <a:extLst>
+                  <a:ext uri="{0D108BD9-81ED-4DB2-BD59-A6C34878D82A}">
+                    <a16:rowId xmlns:a16="http://schemas.microsoft.com/office/drawing/2014/main" val="3980009406"/>
+                  </a:ext>
+                </a:extLst>
+              </a:tr>
+              <a:tr h="370840">
+                <a:tc>
+                  <a:txBody>
+                    <a:bodyPr/>
+                    <a:lstStyle/>
+                    <a:p>
+                      <a:pPr algn="ctr"/>
+                      <a:r>
+                        <a:rPr lang="en-CA" b="1" dirty="0"/>
+                        <a:t>Positive</a:t>
+                      </a:r>
+                    </a:p>
+                  </a:txBody>
+                  <a:tcPr/>
+                </a:tc>
+                <a:tc>
+                  <a:txBody>
+                    <a:bodyPr/>
+                    <a:lstStyle/>
+                    <a:p>
+                      <a:r>
+                        <a:rPr lang="en-CA" dirty="0"/>
+                        <a:t>Student Desire to go for higher study, Study Time, Family Size, Goin out with Friends</a:t>
+                      </a:r>
+                    </a:p>
+                  </a:txBody>
+                  <a:tcPr/>
+                </a:tc>
+                <a:extLst>
+                  <a:ext uri="{0D108BD9-81ED-4DB2-BD59-A6C34878D82A}">
+                    <a16:rowId xmlns:a16="http://schemas.microsoft.com/office/drawing/2014/main" val="3019955682"/>
+                  </a:ext>
+                </a:extLst>
+              </a:tr>
+              <a:tr h="370840">
+                <a:tc>
+                  <a:txBody>
+                    <a:bodyPr/>
+                    <a:lstStyle/>
+                    <a:p>
+                      <a:pPr algn="ctr"/>
+                      <a:r>
+                        <a:rPr lang="en-CA" b="1" dirty="0"/>
+                        <a:t>Negative</a:t>
+                      </a:r>
+                    </a:p>
+                  </a:txBody>
+                  <a:tcPr/>
+                </a:tc>
+                <a:tc>
+                  <a:txBody>
+                    <a:bodyPr/>
+                    <a:lstStyle/>
+                    <a:p>
+                      <a:r>
+                        <a:rPr lang="en-CA" dirty="0"/>
+                        <a:t>Past Course Failure, School Support, Alcohol Consumption, Current Health Status, Romantic Relationship</a:t>
+                      </a:r>
+                    </a:p>
+                  </a:txBody>
+                  <a:tcPr/>
+                </a:tc>
+                <a:extLst>
+                  <a:ext uri="{0D108BD9-81ED-4DB2-BD59-A6C34878D82A}">
+                    <a16:rowId xmlns:a16="http://schemas.microsoft.com/office/drawing/2014/main" val="1952237445"/>
+                  </a:ext>
+                </a:extLst>
+              </a:tr>
+            </a:tbl>
+          </a:graphicData>
+        </a:graphic>
+      </p:graphicFrame>
     </p:spTree>
     <p:extLst>
       <p:ext uri="{BB962C8B-B14F-4D97-AF65-F5344CB8AC3E}">
@@ -8949,7 +9098,7 @@
         <p:spPr>
           <a:xfrm>
             <a:off x="838200" y="4331796"/>
-            <a:ext cx="10515600" cy="902680"/>
+            <a:ext cx="10515600" cy="1584372"/>
           </a:xfrm>
           <a:prstGeom prst="rect">
             <a:avLst/>
@@ -9135,6 +9284,12 @@
             <a:r>
               <a:rPr lang="en-CA" dirty="0"/>
               <a:t> it is better to have less Adjusted R square than over-fitting the model.</a:t>
+            </a:r>
+          </a:p>
+          <a:p>
+            <a:r>
+              <a:rPr lang="en-CA" dirty="0"/>
+              <a:t>We chose the best Additive Model.</a:t>
             </a:r>
           </a:p>
           <a:p>

--- a/Final_Presentation.pptx
+++ b/Final_Presentation.pptx
@@ -26,7 +26,7 @@
     <p:sldId id="267" r:id="rId20"/>
   </p:sldIdLst>
   <p:sldSz cx="12192000" cy="6858000"/>
-  <p:notesSz cx="6858000" cy="9144000"/>
+  <p:notesSz cx="7010400" cy="9296400"/>
   <p:defaultTextStyle>
     <a:defPPr>
       <a:defRPr lang="en-US"/>
@@ -8839,7 +8839,24 @@
                 <a:ea typeface="Malgun Gothic" panose="020B0503020000020004" pitchFamily="34" charset="-127"/>
                 <a:cs typeface="Times New Roman" panose="02020603050405020304" pitchFamily="18" charset="0"/>
               </a:rPr>
-              <a:t>Compare Full Model with the Final Additive Model</a:t>
+              <a:t>Compare Full Model with the </a:t>
+            </a:r>
+            <a:r>
+              <a:rPr lang="en-CA" kern="100" dirty="0">
+                <a:latin typeface="Aptos" panose="020B0004020202020204" pitchFamily="34" charset="0"/>
+                <a:ea typeface="Malgun Gothic" panose="020B0503020000020004" pitchFamily="34" charset="-127"/>
+                <a:cs typeface="Times New Roman" panose="02020603050405020304" pitchFamily="18" charset="0"/>
+              </a:rPr>
+              <a:t>Best</a:t>
+            </a:r>
+            <a:r>
+              <a:rPr lang="en-CA" sz="4400" kern="100" dirty="0">
+                <a:effectLst/>
+                <a:latin typeface="Aptos" panose="020B0004020202020204" pitchFamily="34" charset="0"/>
+                <a:ea typeface="Malgun Gothic" panose="020B0503020000020004" pitchFamily="34" charset="-127"/>
+                <a:cs typeface="Times New Roman" panose="02020603050405020304" pitchFamily="18" charset="0"/>
+              </a:rPr>
+              <a:t> Additive Model</a:t>
             </a:r>
             <a:endParaRPr lang="en-US" dirty="0"/>
           </a:p>

--- a/Final_Presentation.pptx
+++ b/Final_Presentation.pptx
@@ -9068,36 +9068,6 @@
           </a:p>
         </p:txBody>
       </p:sp>
-      <p:pic>
-        <p:nvPicPr>
-          <p:cNvPr id="5" name="Picture 4">
-            <a:extLst>
-              <a:ext uri="{FF2B5EF4-FFF2-40B4-BE49-F238E27FC236}">
-                <a16:creationId xmlns:a16="http://schemas.microsoft.com/office/drawing/2014/main" id="{C3A4009A-57F4-A49D-51E8-890CFFA096EC}"/>
-              </a:ext>
-            </a:extLst>
-          </p:cNvPr>
-          <p:cNvPicPr>
-            <a:picLocks noChangeAspect="1"/>
-          </p:cNvPicPr>
-          <p:nvPr/>
-        </p:nvPicPr>
-        <p:blipFill>
-          <a:blip r:embed="rId2"/>
-          <a:stretch>
-            <a:fillRect/>
-          </a:stretch>
-        </p:blipFill>
-        <p:spPr>
-          <a:xfrm>
-            <a:off x="2307864" y="2689094"/>
-            <a:ext cx="6001880" cy="1170491"/>
-          </a:xfrm>
-          <a:prstGeom prst="rect">
-            <a:avLst/>
-          </a:prstGeom>
-        </p:spPr>
-      </p:pic>
       <p:sp>
         <p:nvSpPr>
           <p:cNvPr id="6" name="Content Placeholder 2">
@@ -9462,6 +9432,36 @@
           </a:p>
         </p:txBody>
       </p:sp>
+      <p:pic>
+        <p:nvPicPr>
+          <p:cNvPr id="4" name="Picture 3">
+            <a:extLst>
+              <a:ext uri="{FF2B5EF4-FFF2-40B4-BE49-F238E27FC236}">
+                <a16:creationId xmlns:a16="http://schemas.microsoft.com/office/drawing/2014/main" id="{7378703B-045E-A719-C42F-7FAB69A1A6DC}"/>
+              </a:ext>
+            </a:extLst>
+          </p:cNvPr>
+          <p:cNvPicPr>
+            <a:picLocks noChangeAspect="1"/>
+          </p:cNvPicPr>
+          <p:nvPr/>
+        </p:nvPicPr>
+        <p:blipFill>
+          <a:blip r:embed="rId2"/>
+          <a:stretch>
+            <a:fillRect/>
+          </a:stretch>
+        </p:blipFill>
+        <p:spPr>
+          <a:xfrm>
+            <a:off x="1782421" y="2750591"/>
+            <a:ext cx="6224116" cy="1136986"/>
+          </a:xfrm>
+          <a:prstGeom prst="rect">
+            <a:avLst/>
+          </a:prstGeom>
+        </p:spPr>
+      </p:pic>
     </p:spTree>
     <p:extLst>
       <p:ext uri="{BB962C8B-B14F-4D97-AF65-F5344CB8AC3E}">

--- a/Final_Presentation.pptx
+++ b/Final_Presentation.pptx
@@ -7523,7 +7523,7 @@
                 <a:ea typeface="Malgun Gothic" panose="020B0503020000020004" pitchFamily="34" charset="-127"/>
                 <a:cs typeface="Times New Roman" panose="02020603050405020304" pitchFamily="18" charset="0"/>
               </a:rPr>
-              <a:t>Check usability of final model</a:t>
+              <a:t>Check usability of final model. (ANOVA Test)</a:t>
             </a:r>
           </a:p>
           <a:p>
@@ -7544,7 +7544,7 @@
                 <a:ea typeface="Malgun Gothic" panose="020B0503020000020004" pitchFamily="34" charset="-127"/>
                 <a:cs typeface="Times New Roman" panose="02020603050405020304" pitchFamily="18" charset="0"/>
               </a:rPr>
-              <a:t>Provide final model for G3.</a:t>
+              <a:t>Provide final model.</a:t>
             </a:r>
           </a:p>
           <a:p>

--- a/Final_Presentation.pptx
+++ b/Final_Presentation.pptx
@@ -7523,7 +7523,24 @@
                 <a:ea typeface="Malgun Gothic" panose="020B0503020000020004" pitchFamily="34" charset="-127"/>
                 <a:cs typeface="Times New Roman" panose="02020603050405020304" pitchFamily="18" charset="0"/>
               </a:rPr>
-              <a:t>Check usability of final model. (ANOVA Test)</a:t>
+              <a:t>Check usability of final model</a:t>
+            </a:r>
+            <a:r>
+              <a:rPr lang="en-CA" sz="1800" kern="100" dirty="0">
+                <a:latin typeface="Aptos" panose="020B0004020202020204" pitchFamily="34" charset="0"/>
+                <a:ea typeface="Malgun Gothic" panose="020B0503020000020004" pitchFamily="34" charset="-127"/>
+                <a:cs typeface="Times New Roman" panose="02020603050405020304" pitchFamily="18" charset="0"/>
+              </a:rPr>
+              <a:t> using </a:t>
+            </a:r>
+            <a:r>
+              <a:rPr lang="en-CA" sz="1800" kern="100" dirty="0">
+                <a:effectLst/>
+                <a:latin typeface="Aptos" panose="020B0004020202020204" pitchFamily="34" charset="0"/>
+                <a:ea typeface="Malgun Gothic" panose="020B0503020000020004" pitchFamily="34" charset="-127"/>
+                <a:cs typeface="Times New Roman" panose="02020603050405020304" pitchFamily="18" charset="0"/>
+              </a:rPr>
+              <a:t>ANOVA Test.</a:t>
             </a:r>
           </a:p>
           <a:p>

--- a/Final_Presentation.pptx
+++ b/Final_Presentation.pptx
@@ -8339,6 +8339,87 @@
           </a:prstGeom>
         </p:spPr>
       </p:pic>
+      <p:sp>
+        <p:nvSpPr>
+          <p:cNvPr id="3" name="Arrow: Right 2">
+            <a:extLst>
+              <a:ext uri="{FF2B5EF4-FFF2-40B4-BE49-F238E27FC236}">
+                <a16:creationId xmlns:a16="http://schemas.microsoft.com/office/drawing/2014/main" id="{A72EC52A-130B-A128-AD6E-7B81DF7CB0A6}"/>
+              </a:ext>
+            </a:extLst>
+          </p:cNvPr>
+          <p:cNvSpPr/>
+          <p:nvPr/>
+        </p:nvSpPr>
+        <p:spPr>
+          <a:xfrm>
+            <a:off x="6086860" y="4322310"/>
+            <a:ext cx="987552" cy="996696"/>
+          </a:xfrm>
+          <a:prstGeom prst="rightArrow">
+            <a:avLst/>
+          </a:prstGeom>
+        </p:spPr>
+        <p:style>
+          <a:lnRef idx="2">
+            <a:schemeClr val="accent1">
+              <a:shade val="15000"/>
+            </a:schemeClr>
+          </a:lnRef>
+          <a:fillRef idx="1">
+            <a:schemeClr val="accent1"/>
+          </a:fillRef>
+          <a:effectRef idx="0">
+            <a:schemeClr val="accent1"/>
+          </a:effectRef>
+          <a:fontRef idx="minor">
+            <a:schemeClr val="lt1"/>
+          </a:fontRef>
+        </p:style>
+        <p:txBody>
+          <a:bodyPr rtlCol="0" anchor="ctr"/>
+          <a:lstStyle/>
+          <a:p>
+            <a:pPr algn="ctr"/>
+            <a:endParaRPr lang="en-CA"/>
+          </a:p>
+        </p:txBody>
+      </p:sp>
+      <p:sp>
+        <p:nvSpPr>
+          <p:cNvPr id="4" name="TextBox 3">
+            <a:extLst>
+              <a:ext uri="{FF2B5EF4-FFF2-40B4-BE49-F238E27FC236}">
+                <a16:creationId xmlns:a16="http://schemas.microsoft.com/office/drawing/2014/main" id="{4D5A37D1-8C6F-AFC3-8301-720912925330}"/>
+              </a:ext>
+            </a:extLst>
+          </p:cNvPr>
+          <p:cNvSpPr txBox="1"/>
+          <p:nvPr/>
+        </p:nvSpPr>
+        <p:spPr>
+          <a:xfrm>
+            <a:off x="7921763" y="4322310"/>
+            <a:ext cx="3160765" cy="769441"/>
+          </a:xfrm>
+          <a:prstGeom prst="rect">
+            <a:avLst/>
+          </a:prstGeom>
+          <a:noFill/>
+        </p:spPr>
+        <p:txBody>
+          <a:bodyPr wrap="square" rtlCol="0">
+            <a:spAutoFit/>
+          </a:bodyPr>
+          <a:lstStyle/>
+          <a:p>
+            <a:r>
+              <a:rPr lang="en-CA" sz="4400" dirty="0"/>
+              <a:t>Final Grade</a:t>
+            </a:r>
+          </a:p>
+        </p:txBody>
+      </p:sp>
     </p:spTree>
     <p:extLst>
       <p:ext uri="{BB962C8B-B14F-4D97-AF65-F5344CB8AC3E}">

--- a/Final_Presentation.pptx
+++ b/Final_Presentation.pptx
@@ -4206,19 +4206,19 @@
         </p:nvSpPr>
         <p:spPr>
           <a:xfrm>
-            <a:off x="905809" y="2085118"/>
-            <a:ext cx="9322920" cy="487754"/>
+            <a:off x="905808" y="2085117"/>
+            <a:ext cx="11145984" cy="763765"/>
           </a:xfrm>
         </p:spPr>
         <p:txBody>
           <a:bodyPr>
-            <a:normAutofit/>
+            <a:normAutofit fontScale="92500" lnSpcReduction="10000"/>
           </a:bodyPr>
           <a:lstStyle/>
           <a:p>
             <a:r>
               <a:rPr lang="en-US" dirty="0"/>
-              <a:t>Comparison of Adjusted R2 and RSE</a:t>
+              <a:t>Comparison of Adjusted R2 and RSE (Interaction Model vs Higher Order Model)</a:t>
             </a:r>
           </a:p>
         </p:txBody>
